--- a/final/final.pptx
+++ b/final/final.pptx
@@ -6,6 +6,15 @@
   </p:sldMasterIdLst>
   <p:sldIdLst>
     <p:sldId id="256" r:id="rId2"/>
+    <p:sldId id="257" r:id="rId3"/>
+    <p:sldId id="258" r:id="rId4"/>
+    <p:sldId id="265" r:id="rId5"/>
+    <p:sldId id="259" r:id="rId6"/>
+    <p:sldId id="264" r:id="rId7"/>
+    <p:sldId id="260" r:id="rId8"/>
+    <p:sldId id="261" r:id="rId9"/>
+    <p:sldId id="262" r:id="rId10"/>
+    <p:sldId id="263" r:id="rId11"/>
   </p:sldIdLst>
   <p:sldSz cx="12192000" cy="6858000"/>
   <p:notesSz cx="6858000" cy="9144000"/>
@@ -104,6 +113,11 @@
       </a:defRPr>
     </a:lvl9pPr>
   </p:defaultTextStyle>
+  <p:extLst>
+    <p:ext uri="{EFAFB233-063F-42B5-8137-9DF3F51BA10A}">
+      <p15:sldGuideLst xmlns:p15="http://schemas.microsoft.com/office/powerpoint/2012/main"/>
+    </p:ext>
+  </p:extLst>
 </p:presentation>
 </file>
 
@@ -6122,369 +6136,6 @@
           <a:chExt cx="0" cy="0"/>
         </a:xfrm>
       </p:grpSpPr>
-      <p:sp useBgFill="1">
-        <p:nvSpPr>
-          <p:cNvPr id="121" name="Rectangle 114">
-            <a:extLst>
-              <a:ext uri="{FF2B5EF4-FFF2-40B4-BE49-F238E27FC236}">
-                <a16:creationId xmlns:a16="http://schemas.microsoft.com/office/drawing/2014/main" id="{72CA733A-8D25-4E63-8273-CC14052E0E8A}"/>
-              </a:ext>
-              <a:ext uri="{C183D7F6-B498-43B3-948B-1728B52AA6E4}">
-                <adec:decorative xmlns:adec="http://schemas.microsoft.com/office/drawing/2017/decorative" val="1"/>
-              </a:ext>
-            </a:extLst>
-          </p:cNvPr>
-          <p:cNvSpPr>
-            <a:spLocks noGrp="1" noRot="1" noChangeAspect="1" noMove="1" noResize="1" noEditPoints="1" noAdjustHandles="1" noChangeArrowheads="1" noChangeShapeType="1" noTextEdit="1"/>
-          </p:cNvSpPr>
-          <p:nvPr>
-            <p:extLst>
-              <p:ext uri="{386F3935-93C4-4BCD-93E2-E3B085C9AB24}">
-                <p16:designElem xmlns:p16="http://schemas.microsoft.com/office/powerpoint/2015/main" val="1"/>
-              </p:ext>
-            </p:extLst>
-          </p:nvPr>
-        </p:nvSpPr>
-        <p:spPr>
-          <a:xfrm>
-            <a:off x="0" y="0"/>
-            <a:ext cx="12192000" cy="6858000"/>
-          </a:xfrm>
-          <a:prstGeom prst="rect">
-            <a:avLst/>
-          </a:prstGeom>
-          <a:ln>
-            <a:noFill/>
-          </a:ln>
-        </p:spPr>
-        <p:style>
-          <a:lnRef idx="2">
-            <a:schemeClr val="accent1">
-              <a:shade val="50000"/>
-            </a:schemeClr>
-          </a:lnRef>
-          <a:fillRef idx="1">
-            <a:schemeClr val="accent1"/>
-          </a:fillRef>
-          <a:effectRef idx="0">
-            <a:schemeClr val="accent1"/>
-          </a:effectRef>
-          <a:fontRef idx="minor">
-            <a:schemeClr val="lt1"/>
-          </a:fontRef>
-        </p:style>
-        <p:txBody>
-          <a:bodyPr rtlCol="0" anchor="ctr"/>
-          <a:lstStyle/>
-          <a:p>
-            <a:pPr algn="ctr"/>
-            <a:endParaRPr lang="en-US"/>
-          </a:p>
-        </p:txBody>
-      </p:sp>
-      <p:sp>
-        <p:nvSpPr>
-          <p:cNvPr id="2" name="Başlık 1">
-            <a:extLst>
-              <a:ext uri="{FF2B5EF4-FFF2-40B4-BE49-F238E27FC236}">
-                <a16:creationId xmlns:a16="http://schemas.microsoft.com/office/drawing/2014/main" id="{08C6802F-5E5F-CF96-3DA1-5E611BE067F4}"/>
-              </a:ext>
-            </a:extLst>
-          </p:cNvPr>
-          <p:cNvSpPr>
-            <a:spLocks noGrp="1"/>
-          </p:cNvSpPr>
-          <p:nvPr>
-            <p:ph type="ctrTitle"/>
-          </p:nvPr>
-        </p:nvSpPr>
-        <p:spPr>
-          <a:xfrm>
-            <a:off x="1370693" y="4406537"/>
-            <a:ext cx="9440034" cy="1088336"/>
-          </a:xfrm>
-        </p:spPr>
-        <p:txBody>
-          <a:bodyPr>
-            <a:normAutofit fontScale="90000"/>
-          </a:bodyPr>
-          <a:lstStyle/>
-          <a:p>
-            <a:r>
-              <a:rPr lang="en-US" sz="4800" b="1" dirty="0">
-                <a:effectLst/>
-                <a:latin typeface="Times New Roman" panose="02020603050405020304" pitchFamily="18" charset="0"/>
-                <a:ea typeface="Tahoma" panose="020B0604030504040204" pitchFamily="34" charset="0"/>
-                <a:cs typeface="Times New Roman" panose="02020603050405020304" pitchFamily="18" charset="0"/>
-              </a:rPr>
-              <a:t>Understanding</a:t>
-            </a:r>
-            <a:br>
-              <a:rPr lang="en-US" sz="4800" b="1" dirty="0">
-                <a:latin typeface="Times New Roman" panose="02020603050405020304" pitchFamily="18" charset="0"/>
-                <a:ea typeface="Tahoma" panose="020B0604030504040204" pitchFamily="34" charset="0"/>
-                <a:cs typeface="Times New Roman" panose="02020603050405020304" pitchFamily="18" charset="0"/>
-              </a:rPr>
-            </a:br>
-            <a:r>
-              <a:rPr lang="en-US" sz="4800" b="1" dirty="0">
-                <a:effectLst/>
-                <a:latin typeface="Times New Roman" panose="02020603050405020304" pitchFamily="18" charset="0"/>
-                <a:ea typeface="Tahoma" panose="020B0604030504040204" pitchFamily="34" charset="0"/>
-                <a:cs typeface="Times New Roman" panose="02020603050405020304" pitchFamily="18" charset="0"/>
-              </a:rPr>
-              <a:t>Astrocytes using calcium (II)</a:t>
-            </a:r>
-            <a:br>
-              <a:rPr lang="en-US" sz="4800" b="1" dirty="0">
-                <a:latin typeface="Times New Roman" panose="02020603050405020304" pitchFamily="18" charset="0"/>
-                <a:ea typeface="Tahoma" panose="020B0604030504040204" pitchFamily="34" charset="0"/>
-                <a:cs typeface="Times New Roman" panose="02020603050405020304" pitchFamily="18" charset="0"/>
-              </a:rPr>
-            </a:br>
-            <a:r>
-              <a:rPr lang="en-US" sz="4800" b="1" dirty="0">
-                <a:effectLst/>
-                <a:latin typeface="Times New Roman" panose="02020603050405020304" pitchFamily="18" charset="0"/>
-                <a:ea typeface="Tahoma" panose="020B0604030504040204" pitchFamily="34" charset="0"/>
-                <a:cs typeface="Times New Roman" panose="02020603050405020304" pitchFamily="18" charset="0"/>
-              </a:rPr>
-              <a:t>oscillation measurements</a:t>
-            </a:r>
-            <a:endParaRPr lang="tr-TR" sz="4800" b="1" dirty="0">
-              <a:latin typeface="Times New Roman" panose="02020603050405020304" pitchFamily="18" charset="0"/>
-              <a:ea typeface="Tahoma" panose="020B0604030504040204" pitchFamily="34" charset="0"/>
-              <a:cs typeface="Times New Roman" panose="02020603050405020304" pitchFamily="18" charset="0"/>
-            </a:endParaRPr>
-          </a:p>
-        </p:txBody>
-      </p:sp>
-      <p:sp>
-        <p:nvSpPr>
-          <p:cNvPr id="3" name="Alt Başlık 2">
-            <a:extLst>
-              <a:ext uri="{FF2B5EF4-FFF2-40B4-BE49-F238E27FC236}">
-                <a16:creationId xmlns:a16="http://schemas.microsoft.com/office/drawing/2014/main" id="{1D42B0A3-AEB1-8157-D317-A750A3A2AF78}"/>
-              </a:ext>
-            </a:extLst>
-          </p:cNvPr>
-          <p:cNvSpPr>
-            <a:spLocks noGrp="1"/>
-          </p:cNvSpPr>
-          <p:nvPr>
-            <p:ph type="subTitle" idx="1"/>
-          </p:nvPr>
-        </p:nvSpPr>
-        <p:spPr>
-          <a:xfrm>
-            <a:off x="1370693" y="5494872"/>
-            <a:ext cx="9440034" cy="621614"/>
-          </a:xfrm>
-        </p:spPr>
-        <p:txBody>
-          <a:bodyPr>
-            <a:noAutofit/>
-          </a:bodyPr>
-          <a:lstStyle/>
-          <a:p>
-            <a:pPr>
-              <a:lnSpc>
-                <a:spcPct val="100000"/>
-              </a:lnSpc>
-            </a:pPr>
-            <a:r>
-              <a:rPr lang="en-US" sz="2400" b="1" dirty="0" err="1">
-                <a:solidFill>
-                  <a:schemeClr val="accent4">
-                    <a:lumMod val="20000"/>
-                    <a:lumOff val="80000"/>
-                  </a:schemeClr>
-                </a:solidFill>
-                <a:effectLst/>
-                <a:latin typeface="Times New Roman" panose="02020603050405020304" pitchFamily="18" charset="0"/>
-                <a:cs typeface="Times New Roman" panose="02020603050405020304" pitchFamily="18" charset="0"/>
-              </a:rPr>
-              <a:t>Lavrentovich</a:t>
-            </a:r>
-            <a:r>
-              <a:rPr lang="en-US" sz="2400" b="1" dirty="0">
-                <a:solidFill>
-                  <a:schemeClr val="accent4">
-                    <a:lumMod val="20000"/>
-                    <a:lumOff val="80000"/>
-                  </a:schemeClr>
-                </a:solidFill>
-                <a:effectLst/>
-                <a:latin typeface="Times New Roman" panose="02020603050405020304" pitchFamily="18" charset="0"/>
-                <a:cs typeface="Times New Roman" panose="02020603050405020304" pitchFamily="18" charset="0"/>
-              </a:rPr>
-              <a:t> &amp; </a:t>
-            </a:r>
-            <a:r>
-              <a:rPr lang="en-US" sz="2400" b="1" dirty="0" err="1">
-                <a:solidFill>
-                  <a:schemeClr val="accent4">
-                    <a:lumMod val="20000"/>
-                    <a:lumOff val="80000"/>
-                  </a:schemeClr>
-                </a:solidFill>
-                <a:effectLst/>
-                <a:latin typeface="Times New Roman" panose="02020603050405020304" pitchFamily="18" charset="0"/>
-                <a:cs typeface="Times New Roman" panose="02020603050405020304" pitchFamily="18" charset="0"/>
-              </a:rPr>
-              <a:t>Hemkin</a:t>
-            </a:r>
-            <a:r>
-              <a:rPr lang="en-US" sz="2400" b="1" dirty="0">
-                <a:solidFill>
-                  <a:schemeClr val="accent4">
-                    <a:lumMod val="20000"/>
-                    <a:lumOff val="80000"/>
-                  </a:schemeClr>
-                </a:solidFill>
-                <a:effectLst/>
-                <a:latin typeface="Times New Roman" panose="02020603050405020304" pitchFamily="18" charset="0"/>
-                <a:cs typeface="Times New Roman" panose="02020603050405020304" pitchFamily="18" charset="0"/>
-              </a:rPr>
-              <a:t> Model</a:t>
-            </a:r>
-            <a:endParaRPr lang="tr-TR" sz="2400" b="1" dirty="0">
-              <a:solidFill>
-                <a:schemeClr val="accent4">
-                  <a:lumMod val="20000"/>
-                  <a:lumOff val="80000"/>
-                </a:schemeClr>
-              </a:solidFill>
-              <a:effectLst/>
-              <a:latin typeface="Times New Roman" panose="02020603050405020304" pitchFamily="18" charset="0"/>
-              <a:cs typeface="Times New Roman" panose="02020603050405020304" pitchFamily="18" charset="0"/>
-            </a:endParaRPr>
-          </a:p>
-          <a:p>
-            <a:pPr>
-              <a:lnSpc>
-                <a:spcPct val="100000"/>
-              </a:lnSpc>
-            </a:pPr>
-            <a:r>
-              <a:rPr lang="tr-TR" sz="2400" b="1" dirty="0" err="1">
-                <a:solidFill>
-                  <a:schemeClr val="accent4">
-                    <a:lumMod val="20000"/>
-                    <a:lumOff val="80000"/>
-                  </a:schemeClr>
-                </a:solidFill>
-                <a:latin typeface="Times New Roman" panose="02020603050405020304" pitchFamily="18" charset="0"/>
-                <a:cs typeface="Times New Roman" panose="02020603050405020304" pitchFamily="18" charset="0"/>
-              </a:rPr>
-              <a:t>By</a:t>
-            </a:r>
-            <a:r>
-              <a:rPr lang="tr-TR" sz="2400" b="1" dirty="0">
-                <a:solidFill>
-                  <a:schemeClr val="accent4">
-                    <a:lumMod val="20000"/>
-                    <a:lumOff val="80000"/>
-                  </a:schemeClr>
-                </a:solidFill>
-                <a:latin typeface="Times New Roman" panose="02020603050405020304" pitchFamily="18" charset="0"/>
-                <a:cs typeface="Times New Roman" panose="02020603050405020304" pitchFamily="18" charset="0"/>
-              </a:rPr>
-              <a:t> Ekrem Demirboga</a:t>
-            </a:r>
-          </a:p>
-          <a:p>
-            <a:pPr algn="r">
-              <a:lnSpc>
-                <a:spcPct val="100000"/>
-              </a:lnSpc>
-            </a:pPr>
-            <a:r>
-              <a:rPr lang="tr-TR" sz="2400" b="1" dirty="0">
-                <a:solidFill>
-                  <a:schemeClr val="accent4">
-                    <a:lumMod val="20000"/>
-                    <a:lumOff val="80000"/>
-                  </a:schemeClr>
-                </a:solidFill>
-                <a:latin typeface="Times New Roman" panose="02020603050405020304" pitchFamily="18" charset="0"/>
-                <a:cs typeface="Times New Roman" panose="02020603050405020304" pitchFamily="18" charset="0"/>
-              </a:rPr>
-              <a:t>PHYS798N: </a:t>
-            </a:r>
-            <a:r>
-              <a:rPr lang="tr-TR" sz="2400" b="1" dirty="0" err="1">
-                <a:solidFill>
-                  <a:schemeClr val="accent4">
-                    <a:lumMod val="20000"/>
-                    <a:lumOff val="80000"/>
-                  </a:schemeClr>
-                </a:solidFill>
-                <a:latin typeface="Times New Roman" panose="02020603050405020304" pitchFamily="18" charset="0"/>
-                <a:cs typeface="Times New Roman" panose="02020603050405020304" pitchFamily="18" charset="0"/>
-              </a:rPr>
-              <a:t>NeurophysIcs</a:t>
-            </a:r>
-            <a:r>
-              <a:rPr lang="tr-TR" sz="2400" b="1" dirty="0">
-                <a:solidFill>
-                  <a:schemeClr val="accent4">
-                    <a:lumMod val="20000"/>
-                    <a:lumOff val="80000"/>
-                  </a:schemeClr>
-                </a:solidFill>
-                <a:latin typeface="Times New Roman" panose="02020603050405020304" pitchFamily="18" charset="0"/>
-                <a:cs typeface="Times New Roman" panose="02020603050405020304" pitchFamily="18" charset="0"/>
-              </a:rPr>
-              <a:t> </a:t>
-            </a:r>
-          </a:p>
-        </p:txBody>
-      </p:sp>
-      <p:pic>
-        <p:nvPicPr>
-          <p:cNvPr id="122" name="Picture 116">
-            <a:extLst>
-              <a:ext uri="{FF2B5EF4-FFF2-40B4-BE49-F238E27FC236}">
-                <a16:creationId xmlns:a16="http://schemas.microsoft.com/office/drawing/2014/main" id="{2BFB581C-2142-4222-9A3B-905AD6C09535}"/>
-              </a:ext>
-              <a:ext uri="{C183D7F6-B498-43B3-948B-1728B52AA6E4}">
-                <adec:decorative xmlns:adec="http://schemas.microsoft.com/office/drawing/2017/decorative" val="1"/>
-              </a:ext>
-            </a:extLst>
-          </p:cNvPr>
-          <p:cNvPicPr>
-            <a:picLocks noGrp="1" noRot="1" noChangeAspect="1" noMove="1" noResize="1" noEditPoints="1" noAdjustHandles="1" noChangeArrowheads="1" noChangeShapeType="1" noCrop="1"/>
-          </p:cNvPicPr>
-          <p:nvPr>
-            <p:extLst>
-              <p:ext uri="{386F3935-93C4-4BCD-93E2-E3B085C9AB24}">
-                <p16:designElem xmlns:p16="http://schemas.microsoft.com/office/powerpoint/2015/main" val="1"/>
-              </p:ext>
-            </p:extLst>
-          </p:nvPr>
-        </p:nvPicPr>
-        <p:blipFill rotWithShape="1">
-          <a:blip r:embed="rId3">
-            <a:extLst>
-              <a:ext uri="{28A0092B-C50C-407E-A947-70E740481C1C}">
-                <a14:useLocalDpi xmlns:a14="http://schemas.microsoft.com/office/drawing/2010/main" val="0"/>
-              </a:ext>
-            </a:extLst>
-          </a:blip>
-          <a:srcRect l="798" t="2669" r="616"/>
-          <a:stretch/>
-        </p:blipFill>
-        <p:spPr>
-          <a:xfrm>
-            <a:off x="-1" y="0"/>
-            <a:ext cx="12192001" cy="4322278"/>
-          </a:xfrm>
-          <a:prstGeom prst="rect">
-            <a:avLst/>
-          </a:prstGeom>
-        </p:spPr>
-      </p:pic>
       <p:pic>
         <p:nvPicPr>
           <p:cNvPr id="123" name="Picture 3" descr="Neuron system in 3D rendering">
@@ -6500,20 +6151,226 @@
           <p:nvPr/>
         </p:nvPicPr>
         <p:blipFill rotWithShape="1">
-          <a:blip r:embed="rId4"/>
-          <a:srcRect t="27818" r="-1" b="21113"/>
+          <a:blip r:embed="rId3">
+            <a:alphaModFix amt="35000"/>
+          </a:blip>
+          <a:srcRect t="11840" b="5135"/>
           <a:stretch/>
         </p:blipFill>
         <p:spPr>
           <a:xfrm>
-            <a:off x="-1" y="-1"/>
-            <a:ext cx="12198915" cy="4220682"/>
+            <a:off x="20" y="10"/>
+            <a:ext cx="12191980" cy="6857990"/>
           </a:xfrm>
           <a:prstGeom prst="rect">
             <a:avLst/>
           </a:prstGeom>
         </p:spPr>
       </p:pic>
+      <p:sp>
+        <p:nvSpPr>
+          <p:cNvPr id="2" name="Başlık 1">
+            <a:extLst>
+              <a:ext uri="{FF2B5EF4-FFF2-40B4-BE49-F238E27FC236}">
+                <a16:creationId xmlns:a16="http://schemas.microsoft.com/office/drawing/2014/main" id="{08C6802F-5E5F-CF96-3DA1-5E611BE067F4}"/>
+              </a:ext>
+            </a:extLst>
+          </p:cNvPr>
+          <p:cNvSpPr>
+            <a:spLocks noGrp="1"/>
+          </p:cNvSpPr>
+          <p:nvPr>
+            <p:ph type="ctrTitle"/>
+          </p:nvPr>
+        </p:nvSpPr>
+        <p:spPr>
+          <a:xfrm>
+            <a:off x="1370693" y="1769540"/>
+            <a:ext cx="9440034" cy="1828801"/>
+          </a:xfrm>
+        </p:spPr>
+        <p:txBody>
+          <a:bodyPr>
+            <a:noAutofit/>
+          </a:bodyPr>
+          <a:lstStyle/>
+          <a:p>
+            <a:pPr>
+              <a:lnSpc>
+                <a:spcPct val="90000"/>
+              </a:lnSpc>
+            </a:pPr>
+            <a:r>
+              <a:rPr lang="en-US" b="1" dirty="0">
+                <a:effectLst/>
+                <a:latin typeface="Times New Roman" panose="02020603050405020304" pitchFamily="18" charset="0"/>
+                <a:ea typeface="Tahoma" panose="020B0604030504040204" pitchFamily="34" charset="0"/>
+                <a:cs typeface="Times New Roman" panose="02020603050405020304" pitchFamily="18" charset="0"/>
+              </a:rPr>
+              <a:t>Understanding</a:t>
+            </a:r>
+            <a:br>
+              <a:rPr lang="en-US" b="1" dirty="0">
+                <a:latin typeface="Times New Roman" panose="02020603050405020304" pitchFamily="18" charset="0"/>
+                <a:ea typeface="Tahoma" panose="020B0604030504040204" pitchFamily="34" charset="0"/>
+                <a:cs typeface="Times New Roman" panose="02020603050405020304" pitchFamily="18" charset="0"/>
+              </a:rPr>
+            </a:br>
+            <a:r>
+              <a:rPr lang="en-US" b="1" dirty="0">
+                <a:effectLst/>
+                <a:latin typeface="Times New Roman" panose="02020603050405020304" pitchFamily="18" charset="0"/>
+                <a:ea typeface="Tahoma" panose="020B0604030504040204" pitchFamily="34" charset="0"/>
+                <a:cs typeface="Times New Roman" panose="02020603050405020304" pitchFamily="18" charset="0"/>
+              </a:rPr>
+              <a:t>Astrocytes using calcium (II)</a:t>
+            </a:r>
+            <a:br>
+              <a:rPr lang="en-US" b="1" dirty="0">
+                <a:latin typeface="Times New Roman" panose="02020603050405020304" pitchFamily="18" charset="0"/>
+                <a:ea typeface="Tahoma" panose="020B0604030504040204" pitchFamily="34" charset="0"/>
+                <a:cs typeface="Times New Roman" panose="02020603050405020304" pitchFamily="18" charset="0"/>
+              </a:rPr>
+            </a:br>
+            <a:r>
+              <a:rPr lang="en-US" b="1" dirty="0">
+                <a:effectLst/>
+                <a:latin typeface="Times New Roman" panose="02020603050405020304" pitchFamily="18" charset="0"/>
+                <a:ea typeface="Tahoma" panose="020B0604030504040204" pitchFamily="34" charset="0"/>
+                <a:cs typeface="Times New Roman" panose="02020603050405020304" pitchFamily="18" charset="0"/>
+              </a:rPr>
+              <a:t>oscillation measurements</a:t>
+            </a:r>
+            <a:endParaRPr lang="tr-TR" b="1" dirty="0">
+              <a:latin typeface="Times New Roman" panose="02020603050405020304" pitchFamily="18" charset="0"/>
+              <a:ea typeface="Tahoma" panose="020B0604030504040204" pitchFamily="34" charset="0"/>
+              <a:cs typeface="Times New Roman" panose="02020603050405020304" pitchFamily="18" charset="0"/>
+            </a:endParaRPr>
+          </a:p>
+        </p:txBody>
+      </p:sp>
+      <p:sp>
+        <p:nvSpPr>
+          <p:cNvPr id="3" name="Alt Başlık 2">
+            <a:extLst>
+              <a:ext uri="{FF2B5EF4-FFF2-40B4-BE49-F238E27FC236}">
+                <a16:creationId xmlns:a16="http://schemas.microsoft.com/office/drawing/2014/main" id="{1D42B0A3-AEB1-8157-D317-A750A3A2AF78}"/>
+              </a:ext>
+            </a:extLst>
+          </p:cNvPr>
+          <p:cNvSpPr>
+            <a:spLocks noGrp="1"/>
+          </p:cNvSpPr>
+          <p:nvPr>
+            <p:ph type="subTitle" idx="1"/>
+          </p:nvPr>
+        </p:nvSpPr>
+        <p:spPr>
+          <a:xfrm>
+            <a:off x="1370693" y="3773489"/>
+            <a:ext cx="9440034" cy="1049867"/>
+          </a:xfrm>
+        </p:spPr>
+        <p:txBody>
+          <a:bodyPr>
+            <a:noAutofit/>
+          </a:bodyPr>
+          <a:lstStyle/>
+          <a:p>
+            <a:pPr>
+              <a:lnSpc>
+                <a:spcPct val="100000"/>
+              </a:lnSpc>
+            </a:pPr>
+            <a:r>
+              <a:rPr lang="en-US" sz="2000" b="1" dirty="0" err="1">
+                <a:effectLst/>
+                <a:latin typeface="Times New Roman" panose="02020603050405020304" pitchFamily="18" charset="0"/>
+                <a:cs typeface="Times New Roman" panose="02020603050405020304" pitchFamily="18" charset="0"/>
+              </a:rPr>
+              <a:t>Lavrentovich</a:t>
+            </a:r>
+            <a:r>
+              <a:rPr lang="en-US" sz="2000" b="1" dirty="0">
+                <a:effectLst/>
+                <a:latin typeface="Times New Roman" panose="02020603050405020304" pitchFamily="18" charset="0"/>
+                <a:cs typeface="Times New Roman" panose="02020603050405020304" pitchFamily="18" charset="0"/>
+              </a:rPr>
+              <a:t> &amp; </a:t>
+            </a:r>
+            <a:r>
+              <a:rPr lang="en-US" sz="2000" b="1" dirty="0" err="1">
+                <a:effectLst/>
+                <a:latin typeface="Times New Roman" panose="02020603050405020304" pitchFamily="18" charset="0"/>
+                <a:cs typeface="Times New Roman" panose="02020603050405020304" pitchFamily="18" charset="0"/>
+              </a:rPr>
+              <a:t>Hemkin</a:t>
+            </a:r>
+            <a:r>
+              <a:rPr lang="en-US" sz="2000" b="1" dirty="0">
+                <a:effectLst/>
+                <a:latin typeface="Times New Roman" panose="02020603050405020304" pitchFamily="18" charset="0"/>
+                <a:cs typeface="Times New Roman" panose="02020603050405020304" pitchFamily="18" charset="0"/>
+              </a:rPr>
+              <a:t> Model</a:t>
+            </a:r>
+            <a:endParaRPr lang="tr-TR" sz="2000" b="1" dirty="0">
+              <a:effectLst/>
+              <a:latin typeface="Times New Roman" panose="02020603050405020304" pitchFamily="18" charset="0"/>
+              <a:cs typeface="Times New Roman" panose="02020603050405020304" pitchFamily="18" charset="0"/>
+            </a:endParaRPr>
+          </a:p>
+          <a:p>
+            <a:pPr>
+              <a:lnSpc>
+                <a:spcPct val="100000"/>
+              </a:lnSpc>
+            </a:pPr>
+            <a:r>
+              <a:rPr lang="tr-TR" sz="2000" b="1" dirty="0" err="1">
+                <a:latin typeface="Times New Roman" panose="02020603050405020304" pitchFamily="18" charset="0"/>
+                <a:cs typeface="Times New Roman" panose="02020603050405020304" pitchFamily="18" charset="0"/>
+              </a:rPr>
+              <a:t>By</a:t>
+            </a:r>
+            <a:r>
+              <a:rPr lang="tr-TR" sz="2000" b="1" dirty="0">
+                <a:latin typeface="Times New Roman" panose="02020603050405020304" pitchFamily="18" charset="0"/>
+                <a:cs typeface="Times New Roman" panose="02020603050405020304" pitchFamily="18" charset="0"/>
+              </a:rPr>
+              <a:t> Ekrem Demirboga</a:t>
+            </a:r>
+          </a:p>
+          <a:p>
+            <a:pPr>
+              <a:lnSpc>
+                <a:spcPct val="100000"/>
+              </a:lnSpc>
+            </a:pPr>
+            <a:r>
+              <a:rPr lang="tr-TR" sz="2000" b="1" dirty="0">
+                <a:latin typeface="Times New Roman" panose="02020603050405020304" pitchFamily="18" charset="0"/>
+                <a:cs typeface="Times New Roman" panose="02020603050405020304" pitchFamily="18" charset="0"/>
+              </a:rPr>
+              <a:t>PHYS798N: </a:t>
+            </a:r>
+            <a:r>
+              <a:rPr lang="tr-TR" sz="2000" b="1" dirty="0" err="1">
+                <a:latin typeface="Times New Roman" panose="02020603050405020304" pitchFamily="18" charset="0"/>
+                <a:cs typeface="Times New Roman" panose="02020603050405020304" pitchFamily="18" charset="0"/>
+              </a:rPr>
+              <a:t>NeurophysIcs</a:t>
+            </a:r>
+            <a:r>
+              <a:rPr lang="tr-TR" sz="2000" b="1" dirty="0">
+                <a:latin typeface="Times New Roman" panose="02020603050405020304" pitchFamily="18" charset="0"/>
+                <a:cs typeface="Times New Roman" panose="02020603050405020304" pitchFamily="18" charset="0"/>
+              </a:rPr>
+              <a:t> </a:t>
+            </a:r>
+          </a:p>
+        </p:txBody>
+      </p:sp>
     </p:spTree>
     <p:extLst>
       <p:ext uri="{BB962C8B-B14F-4D97-AF65-F5344CB8AC3E}">
@@ -6794,6 +6651,2078 @@
 </p:sld>
 </file>
 
+<file path=ppt/slides/slide10.xml><?xml version="1.0" encoding="utf-8"?>
+<p:sld xmlns:a="http://schemas.openxmlformats.org/drawingml/2006/main" xmlns:r="http://schemas.openxmlformats.org/officeDocument/2006/relationships" xmlns:p="http://schemas.openxmlformats.org/presentationml/2006/main">
+  <p:cSld>
+    <p:bg>
+      <p:bgPr>
+        <a:blipFill rotWithShape="1">
+          <a:blip r:embed="rId2">
+            <a:duotone>
+              <a:schemeClr val="bg1">
+                <a:shade val="80000"/>
+                <a:lumMod val="80000"/>
+              </a:schemeClr>
+              <a:schemeClr val="bg1">
+                <a:tint val="98000"/>
+              </a:schemeClr>
+            </a:duotone>
+          </a:blip>
+          <a:stretch/>
+        </a:blipFill>
+        <a:effectLst/>
+      </p:bgPr>
+    </p:bg>
+    <p:spTree>
+      <p:nvGrpSpPr>
+        <p:cNvPr id="1" name=""/>
+        <p:cNvGrpSpPr/>
+        <p:nvPr/>
+      </p:nvGrpSpPr>
+      <p:grpSpPr>
+        <a:xfrm>
+          <a:off x="0" y="0"/>
+          <a:ext cx="0" cy="0"/>
+          <a:chOff x="0" y="0"/>
+          <a:chExt cx="0" cy="0"/>
+        </a:xfrm>
+      </p:grpSpPr>
+      <p:sp>
+        <p:nvSpPr>
+          <p:cNvPr id="22" name="Rectangle 15">
+            <a:extLst>
+              <a:ext uri="{FF2B5EF4-FFF2-40B4-BE49-F238E27FC236}">
+                <a16:creationId xmlns:a16="http://schemas.microsoft.com/office/drawing/2014/main" id="{8DEB9D55-38C8-45B4-BB2D-4FDBBDB08C37}"/>
+              </a:ext>
+              <a:ext uri="{C183D7F6-B498-43B3-948B-1728B52AA6E4}">
+                <adec:decorative xmlns:adec="http://schemas.microsoft.com/office/drawing/2017/decorative" val="1"/>
+              </a:ext>
+            </a:extLst>
+          </p:cNvPr>
+          <p:cNvSpPr>
+            <a:spLocks noGrp="1" noRot="1" noChangeAspect="1" noMove="1" noResize="1" noEditPoints="1" noAdjustHandles="1" noChangeArrowheads="1" noChangeShapeType="1" noTextEdit="1"/>
+          </p:cNvSpPr>
+          <p:nvPr>
+            <p:extLst>
+              <p:ext uri="{386F3935-93C4-4BCD-93E2-E3B085C9AB24}">
+                <p16:designElem xmlns:p16="http://schemas.microsoft.com/office/powerpoint/2015/main" val="1"/>
+              </p:ext>
+            </p:extLst>
+          </p:nvPr>
+        </p:nvSpPr>
+        <p:spPr>
+          <a:xfrm>
+            <a:off x="0" y="0"/>
+            <a:ext cx="12192000" cy="6858000"/>
+          </a:xfrm>
+          <a:prstGeom prst="rect">
+            <a:avLst/>
+          </a:prstGeom>
+          <a:solidFill>
+            <a:schemeClr val="bg1">
+              <a:lumMod val="85000"/>
+              <a:lumOff val="15000"/>
+            </a:schemeClr>
+          </a:solidFill>
+          <a:ln>
+            <a:noFill/>
+          </a:ln>
+        </p:spPr>
+        <p:style>
+          <a:lnRef idx="2">
+            <a:schemeClr val="accent1">
+              <a:shade val="50000"/>
+            </a:schemeClr>
+          </a:lnRef>
+          <a:fillRef idx="1">
+            <a:schemeClr val="accent1"/>
+          </a:fillRef>
+          <a:effectRef idx="0">
+            <a:schemeClr val="accent1"/>
+          </a:effectRef>
+          <a:fontRef idx="minor">
+            <a:schemeClr val="lt1"/>
+          </a:fontRef>
+        </p:style>
+        <p:txBody>
+          <a:bodyPr rtlCol="0" anchor="ctr"/>
+          <a:lstStyle/>
+          <a:p>
+            <a:pPr algn="ctr"/>
+            <a:endParaRPr lang="en-US" dirty="0"/>
+          </a:p>
+        </p:txBody>
+      </p:sp>
+      <p:sp useBgFill="1">
+        <p:nvSpPr>
+          <p:cNvPr id="23" name="Freeform: Shape 17">
+            <a:extLst>
+              <a:ext uri="{FF2B5EF4-FFF2-40B4-BE49-F238E27FC236}">
+                <a16:creationId xmlns:a16="http://schemas.microsoft.com/office/drawing/2014/main" id="{B40DDA79-7866-468E-A33D-D8341D900EC5}"/>
+              </a:ext>
+              <a:ext uri="{C183D7F6-B498-43B3-948B-1728B52AA6E4}">
+                <adec:decorative xmlns:adec="http://schemas.microsoft.com/office/drawing/2017/decorative" val="1"/>
+              </a:ext>
+            </a:extLst>
+          </p:cNvPr>
+          <p:cNvSpPr>
+            <a:spLocks noGrp="1" noRot="1" noChangeAspect="1" noMove="1" noResize="1" noEditPoints="1" noAdjustHandles="1" noChangeArrowheads="1" noChangeShapeType="1" noTextEdit="1"/>
+          </p:cNvSpPr>
+          <p:nvPr>
+            <p:extLst>
+              <p:ext uri="{386F3935-93C4-4BCD-93E2-E3B085C9AB24}">
+                <p16:designElem xmlns:p16="http://schemas.microsoft.com/office/powerpoint/2015/main" val="1"/>
+              </p:ext>
+            </p:extLst>
+          </p:nvPr>
+        </p:nvSpPr>
+        <p:spPr>
+          <a:xfrm>
+            <a:off x="0" y="0"/>
+            <a:ext cx="12192000" cy="4567080"/>
+          </a:xfrm>
+          <a:custGeom>
+            <a:avLst/>
+            <a:gdLst>
+              <a:gd name="connsiteX0" fmla="*/ 0 w 12192000"/>
+              <a:gd name="connsiteY0" fmla="*/ 0 h 4567080"/>
+              <a:gd name="connsiteX1" fmla="*/ 12192000 w 12192000"/>
+              <a:gd name="connsiteY1" fmla="*/ 0 h 4567080"/>
+              <a:gd name="connsiteX2" fmla="*/ 12192000 w 12192000"/>
+              <a:gd name="connsiteY2" fmla="*/ 4040874 h 4567080"/>
+              <a:gd name="connsiteX3" fmla="*/ 11707453 w 12192000"/>
+              <a:gd name="connsiteY3" fmla="*/ 4125902 h 4567080"/>
+              <a:gd name="connsiteX4" fmla="*/ 6090444 w 12192000"/>
+              <a:gd name="connsiteY4" fmla="*/ 4567080 h 4567080"/>
+              <a:gd name="connsiteX5" fmla="*/ 473435 w 12192000"/>
+              <a:gd name="connsiteY5" fmla="*/ 4125902 h 4567080"/>
+              <a:gd name="connsiteX6" fmla="*/ 0 w 12192000"/>
+              <a:gd name="connsiteY6" fmla="*/ 4042824 h 4567080"/>
+            </a:gdLst>
+            <a:ahLst/>
+            <a:cxnLst>
+              <a:cxn ang="0">
+                <a:pos x="connsiteX0" y="connsiteY0"/>
+              </a:cxn>
+              <a:cxn ang="0">
+                <a:pos x="connsiteX1" y="connsiteY1"/>
+              </a:cxn>
+              <a:cxn ang="0">
+                <a:pos x="connsiteX2" y="connsiteY2"/>
+              </a:cxn>
+              <a:cxn ang="0">
+                <a:pos x="connsiteX3" y="connsiteY3"/>
+              </a:cxn>
+              <a:cxn ang="0">
+                <a:pos x="connsiteX4" y="connsiteY4"/>
+              </a:cxn>
+              <a:cxn ang="0">
+                <a:pos x="connsiteX5" y="connsiteY5"/>
+              </a:cxn>
+              <a:cxn ang="0">
+                <a:pos x="connsiteX6" y="connsiteY6"/>
+              </a:cxn>
+            </a:cxnLst>
+            <a:rect l="l" t="t" r="r" b="b"/>
+            <a:pathLst>
+              <a:path w="12192000" h="4567080">
+                <a:moveTo>
+                  <a:pt x="0" y="0"/>
+                </a:moveTo>
+                <a:lnTo>
+                  <a:pt x="12192000" y="0"/>
+                </a:lnTo>
+                <a:lnTo>
+                  <a:pt x="12192000" y="4040874"/>
+                </a:lnTo>
+                <a:lnTo>
+                  <a:pt x="11707453" y="4125902"/>
+                </a:lnTo>
+                <a:cubicBezTo>
+                  <a:pt x="9955980" y="4411316"/>
+                  <a:pt x="8064085" y="4567080"/>
+                  <a:pt x="6090444" y="4567080"/>
+                </a:cubicBezTo>
+                <a:cubicBezTo>
+                  <a:pt x="4116804" y="4567080"/>
+                  <a:pt x="2224908" y="4411316"/>
+                  <a:pt x="473435" y="4125902"/>
+                </a:cubicBezTo>
+                <a:lnTo>
+                  <a:pt x="0" y="4042824"/>
+                </a:lnTo>
+                <a:close/>
+              </a:path>
+            </a:pathLst>
+          </a:custGeom>
+          <a:ln>
+            <a:noFill/>
+          </a:ln>
+          <a:effectLst>
+            <a:outerShdw blurRad="50800" dist="38100" dir="5400000" algn="t" rotWithShape="0">
+              <a:prstClr val="black">
+                <a:alpha val="40000"/>
+              </a:prstClr>
+            </a:outerShdw>
+          </a:effectLst>
+        </p:spPr>
+        <p:style>
+          <a:lnRef idx="2">
+            <a:schemeClr val="accent1">
+              <a:shade val="50000"/>
+            </a:schemeClr>
+          </a:lnRef>
+          <a:fillRef idx="1">
+            <a:schemeClr val="accent1"/>
+          </a:fillRef>
+          <a:effectRef idx="0">
+            <a:schemeClr val="accent1"/>
+          </a:effectRef>
+          <a:fontRef idx="minor">
+            <a:schemeClr val="lt1"/>
+          </a:fontRef>
+        </p:style>
+        <p:txBody>
+          <a:bodyPr wrap="square" rtlCol="0" anchor="ctr">
+            <a:noAutofit/>
+          </a:bodyPr>
+          <a:lstStyle/>
+          <a:p>
+            <a:pPr algn="ctr"/>
+            <a:endParaRPr lang="en-US"/>
+          </a:p>
+        </p:txBody>
+      </p:sp>
+      <p:sp>
+        <p:nvSpPr>
+          <p:cNvPr id="2" name="Başlık 1">
+            <a:extLst>
+              <a:ext uri="{FF2B5EF4-FFF2-40B4-BE49-F238E27FC236}">
+                <a16:creationId xmlns:a16="http://schemas.microsoft.com/office/drawing/2014/main" id="{FAC9E8F4-A2AF-4528-F5F2-9B255254050A}"/>
+              </a:ext>
+            </a:extLst>
+          </p:cNvPr>
+          <p:cNvSpPr>
+            <a:spLocks noGrp="1"/>
+          </p:cNvSpPr>
+          <p:nvPr>
+            <p:ph type="title"/>
+          </p:nvPr>
+        </p:nvSpPr>
+        <p:spPr>
+          <a:xfrm>
+            <a:off x="1370013" y="1251284"/>
+            <a:ext cx="9440862" cy="2458545"/>
+          </a:xfrm>
+          <a:effectLst/>
+        </p:spPr>
+        <p:txBody>
+          <a:bodyPr vert="horz" lIns="91440" tIns="45720" rIns="91440" bIns="45720" rtlCol="0" anchor="b">
+            <a:normAutofit/>
+          </a:bodyPr>
+          <a:lstStyle/>
+          <a:p>
+            <a:r>
+              <a:rPr lang="en-US" sz="6000"/>
+              <a:t>Thank you!</a:t>
+            </a:r>
+          </a:p>
+        </p:txBody>
+      </p:sp>
+    </p:spTree>
+    <p:extLst>
+      <p:ext uri="{BB962C8B-B14F-4D97-AF65-F5344CB8AC3E}">
+        <p14:creationId xmlns:p14="http://schemas.microsoft.com/office/powerpoint/2010/main" val="2817185513"/>
+      </p:ext>
+    </p:extLst>
+  </p:cSld>
+  <p:clrMapOvr>
+    <a:masterClrMapping/>
+  </p:clrMapOvr>
+  <p:timing>
+    <p:tnLst>
+      <p:par>
+        <p:cTn id="1" dur="indefinite" restart="never" nodeType="tmRoot">
+          <p:childTnLst>
+            <p:seq concurrent="1" nextAc="seek">
+              <p:cTn id="2" dur="indefinite" nodeType="mainSeq">
+                <p:childTnLst>
+                  <p:par>
+                    <p:cTn id="3" fill="hold">
+                      <p:stCondLst>
+                        <p:cond delay="indefinite"/>
+                        <p:cond evt="onBegin" delay="0">
+                          <p:tn val="2"/>
+                        </p:cond>
+                      </p:stCondLst>
+                      <p:childTnLst>
+                        <p:par>
+                          <p:cTn id="4" fill="hold">
+                            <p:stCondLst>
+                              <p:cond delay="0"/>
+                            </p:stCondLst>
+                            <p:childTnLst>
+                              <p:par>
+                                <p:cTn id="5" presetID="10" presetClass="entr" presetSubtype="0" fill="hold" grpId="0" nodeType="withEffect">
+                                  <p:stCondLst>
+                                    <p:cond delay="500"/>
+                                  </p:stCondLst>
+                                  <p:iterate>
+                                    <p:tmPct val="10000"/>
+                                  </p:iterate>
+                                  <p:childTnLst>
+                                    <p:set>
+                                      <p:cBhvr>
+                                        <p:cTn id="6" dur="1" fill="hold">
+                                          <p:stCondLst>
+                                            <p:cond delay="0"/>
+                                          </p:stCondLst>
+                                        </p:cTn>
+                                        <p:tgtEl>
+                                          <p:spTgt spid="2"/>
+                                        </p:tgtEl>
+                                        <p:attrNameLst>
+                                          <p:attrName>style.visibility</p:attrName>
+                                        </p:attrNameLst>
+                                      </p:cBhvr>
+                                      <p:to>
+                                        <p:strVal val="visible"/>
+                                      </p:to>
+                                    </p:set>
+                                    <p:animEffect transition="in" filter="fade">
+                                      <p:cBhvr>
+                                        <p:cTn id="7" dur="700"/>
+                                        <p:tgtEl>
+                                          <p:spTgt spid="2"/>
+                                        </p:tgtEl>
+                                      </p:cBhvr>
+                                    </p:animEffect>
+                                  </p:childTnLst>
+                                </p:cTn>
+                              </p:par>
+                            </p:childTnLst>
+                          </p:cTn>
+                        </p:par>
+                      </p:childTnLst>
+                    </p:cTn>
+                  </p:par>
+                </p:childTnLst>
+              </p:cTn>
+              <p:prevCondLst>
+                <p:cond evt="onPrev" delay="0">
+                  <p:tgtEl>
+                    <p:sldTgt/>
+                  </p:tgtEl>
+                </p:cond>
+              </p:prevCondLst>
+              <p:nextCondLst>
+                <p:cond evt="onNext" delay="0">
+                  <p:tgtEl>
+                    <p:sldTgt/>
+                  </p:tgtEl>
+                </p:cond>
+              </p:nextCondLst>
+            </p:seq>
+          </p:childTnLst>
+        </p:cTn>
+      </p:par>
+    </p:tnLst>
+    <p:bldLst>
+      <p:bldP spid="2" grpId="0"/>
+    </p:bldLst>
+  </p:timing>
+</p:sld>
+</file>
+
+<file path=ppt/slides/slide2.xml><?xml version="1.0" encoding="utf-8"?>
+<p:sld xmlns:a="http://schemas.openxmlformats.org/drawingml/2006/main" xmlns:r="http://schemas.openxmlformats.org/officeDocument/2006/relationships" xmlns:p="http://schemas.openxmlformats.org/presentationml/2006/main">
+  <p:cSld>
+    <p:bg>
+      <p:bgPr>
+        <a:blipFill rotWithShape="1">
+          <a:blip r:embed="rId2">
+            <a:duotone>
+              <a:schemeClr val="bg1">
+                <a:shade val="80000"/>
+                <a:lumMod val="80000"/>
+              </a:schemeClr>
+              <a:schemeClr val="bg1">
+                <a:tint val="98000"/>
+              </a:schemeClr>
+            </a:duotone>
+          </a:blip>
+          <a:stretch/>
+        </a:blipFill>
+        <a:effectLst/>
+      </p:bgPr>
+    </p:bg>
+    <p:spTree>
+      <p:nvGrpSpPr>
+        <p:cNvPr id="1" name=""/>
+        <p:cNvGrpSpPr/>
+        <p:nvPr/>
+      </p:nvGrpSpPr>
+      <p:grpSpPr>
+        <a:xfrm>
+          <a:off x="0" y="0"/>
+          <a:ext cx="0" cy="0"/>
+          <a:chOff x="0" y="0"/>
+          <a:chExt cx="0" cy="0"/>
+        </a:xfrm>
+      </p:grpSpPr>
+      <p:sp useBgFill="1">
+        <p:nvSpPr>
+          <p:cNvPr id="33" name="Rectangle 32">
+            <a:extLst>
+              <a:ext uri="{FF2B5EF4-FFF2-40B4-BE49-F238E27FC236}">
+                <a16:creationId xmlns:a16="http://schemas.microsoft.com/office/drawing/2014/main" id="{132A4578-DD2D-42E5-A30D-A61A991B8523}"/>
+              </a:ext>
+              <a:ext uri="{C183D7F6-B498-43B3-948B-1728B52AA6E4}">
+                <adec:decorative xmlns:adec="http://schemas.microsoft.com/office/drawing/2017/decorative" val="1"/>
+              </a:ext>
+            </a:extLst>
+          </p:cNvPr>
+          <p:cNvSpPr>
+            <a:spLocks noGrp="1" noRot="1" noChangeAspect="1" noMove="1" noResize="1" noEditPoints="1" noAdjustHandles="1" noChangeArrowheads="1" noChangeShapeType="1" noTextEdit="1"/>
+          </p:cNvSpPr>
+          <p:nvPr>
+            <p:extLst>
+              <p:ext uri="{386F3935-93C4-4BCD-93E2-E3B085C9AB24}">
+                <p16:designElem xmlns:p16="http://schemas.microsoft.com/office/powerpoint/2015/main" val="1"/>
+              </p:ext>
+            </p:extLst>
+          </p:nvPr>
+        </p:nvSpPr>
+        <p:spPr>
+          <a:xfrm>
+            <a:off x="0" y="0"/>
+            <a:ext cx="12192000" cy="6858000"/>
+          </a:xfrm>
+          <a:prstGeom prst="rect">
+            <a:avLst/>
+          </a:prstGeom>
+          <a:ln>
+            <a:noFill/>
+          </a:ln>
+        </p:spPr>
+        <p:style>
+          <a:lnRef idx="2">
+            <a:schemeClr val="accent1">
+              <a:shade val="50000"/>
+            </a:schemeClr>
+          </a:lnRef>
+          <a:fillRef idx="1">
+            <a:schemeClr val="accent1"/>
+          </a:fillRef>
+          <a:effectRef idx="0">
+            <a:schemeClr val="accent1"/>
+          </a:effectRef>
+          <a:fontRef idx="minor">
+            <a:schemeClr val="lt1"/>
+          </a:fontRef>
+        </p:style>
+        <p:txBody>
+          <a:bodyPr rtlCol="0" anchor="ctr"/>
+          <a:lstStyle/>
+          <a:p>
+            <a:pPr algn="ctr"/>
+            <a:endParaRPr lang="en-US"/>
+          </a:p>
+        </p:txBody>
+      </p:sp>
+      <p:sp>
+        <p:nvSpPr>
+          <p:cNvPr id="2" name="Başlık 1">
+            <a:extLst>
+              <a:ext uri="{FF2B5EF4-FFF2-40B4-BE49-F238E27FC236}">
+                <a16:creationId xmlns:a16="http://schemas.microsoft.com/office/drawing/2014/main" id="{F1516B9C-D76D-8FF3-9E84-7D7CF4D1E5A8}"/>
+              </a:ext>
+            </a:extLst>
+          </p:cNvPr>
+          <p:cNvSpPr>
+            <a:spLocks noGrp="1"/>
+          </p:cNvSpPr>
+          <p:nvPr>
+            <p:ph type="title"/>
+          </p:nvPr>
+        </p:nvSpPr>
+        <p:spPr>
+          <a:xfrm>
+            <a:off x="988651" y="609599"/>
+            <a:ext cx="3413156" cy="5273675"/>
+          </a:xfrm>
+        </p:spPr>
+        <p:txBody>
+          <a:bodyPr>
+            <a:normAutofit/>
+          </a:bodyPr>
+          <a:lstStyle/>
+          <a:p>
+            <a:pPr algn="l"/>
+            <a:r>
+              <a:rPr lang="en-US" sz="3600" dirty="0"/>
+              <a:t>Outline</a:t>
+            </a:r>
+          </a:p>
+        </p:txBody>
+      </p:sp>
+      <p:pic>
+        <p:nvPicPr>
+          <p:cNvPr id="35" name="Picture 34">
+            <a:extLst>
+              <a:ext uri="{FF2B5EF4-FFF2-40B4-BE49-F238E27FC236}">
+                <a16:creationId xmlns:a16="http://schemas.microsoft.com/office/drawing/2014/main" id="{0A14F76F-D1CE-4226-A477-F8A3F641E7F9}"/>
+              </a:ext>
+              <a:ext uri="{C183D7F6-B498-43B3-948B-1728B52AA6E4}">
+                <adec:decorative xmlns:adec="http://schemas.microsoft.com/office/drawing/2017/decorative" val="1"/>
+              </a:ext>
+            </a:extLst>
+          </p:cNvPr>
+          <p:cNvPicPr>
+            <a:picLocks noGrp="1" noRot="1" noChangeAspect="1" noMove="1" noResize="1" noEditPoints="1" noAdjustHandles="1" noChangeArrowheads="1" noChangeShapeType="1" noCrop="1"/>
+          </p:cNvPicPr>
+          <p:nvPr>
+            <p:extLst>
+              <p:ext uri="{386F3935-93C4-4BCD-93E2-E3B085C9AB24}">
+                <p16:designElem xmlns:p16="http://schemas.microsoft.com/office/powerpoint/2015/main" val="1"/>
+              </p:ext>
+            </p:extLst>
+          </p:nvPr>
+        </p:nvPicPr>
+        <p:blipFill>
+          <a:blip r:embed="rId3">
+            <a:extLst>
+              <a:ext uri="{28A0092B-C50C-407E-A947-70E740481C1C}">
+                <a14:useLocalDpi xmlns:a14="http://schemas.microsoft.com/office/drawing/2010/main" val="0"/>
+              </a:ext>
+            </a:extLst>
+          </a:blip>
+          <a:stretch>
+            <a:fillRect/>
+          </a:stretch>
+        </p:blipFill>
+        <p:spPr>
+          <a:xfrm>
+            <a:off x="4695937" y="609599"/>
+            <a:ext cx="6889687" cy="5273675"/>
+          </a:xfrm>
+          <a:prstGeom prst="rect">
+            <a:avLst/>
+          </a:prstGeom>
+        </p:spPr>
+      </p:pic>
+      <p:sp>
+        <p:nvSpPr>
+          <p:cNvPr id="16" name="İçerik Yer Tutucusu 2">
+            <a:extLst>
+              <a:ext uri="{FF2B5EF4-FFF2-40B4-BE49-F238E27FC236}">
+                <a16:creationId xmlns:a16="http://schemas.microsoft.com/office/drawing/2014/main" id="{1BE78F7C-B706-18E5-AC4D-0F60A9588CCF}"/>
+              </a:ext>
+            </a:extLst>
+          </p:cNvPr>
+          <p:cNvSpPr>
+            <a:spLocks noGrp="1"/>
+          </p:cNvSpPr>
+          <p:nvPr>
+            <p:ph idx="1"/>
+          </p:nvPr>
+        </p:nvSpPr>
+        <p:spPr>
+          <a:xfrm>
+            <a:off x="4998709" y="957943"/>
+            <a:ext cx="6292785" cy="4615543"/>
+          </a:xfrm>
+        </p:spPr>
+        <p:txBody>
+          <a:bodyPr anchor="ctr">
+            <a:normAutofit/>
+          </a:bodyPr>
+          <a:lstStyle/>
+          <a:p>
+            <a:r>
+              <a:rPr lang="en-US" dirty="0"/>
+              <a:t>Spontaneous oscillations in Astrocytes</a:t>
+            </a:r>
+          </a:p>
+          <a:p>
+            <a:r>
+              <a:rPr lang="en-US" dirty="0"/>
+              <a:t>Data and Model</a:t>
+            </a:r>
+          </a:p>
+          <a:p>
+            <a:r>
+              <a:rPr lang="en-US" dirty="0"/>
+              <a:t>How to fit?</a:t>
+            </a:r>
+          </a:p>
+          <a:p>
+            <a:r>
+              <a:rPr lang="en-US" dirty="0"/>
+              <a:t>Future </a:t>
+            </a:r>
+            <a:r>
+              <a:rPr lang="tr-TR" dirty="0" err="1"/>
+              <a:t>direction</a:t>
+            </a:r>
+            <a:endParaRPr lang="en-US" dirty="0"/>
+          </a:p>
+          <a:p>
+            <a:r>
+              <a:rPr lang="en-US" dirty="0"/>
+              <a:t>Conclusion</a:t>
+            </a:r>
+          </a:p>
+          <a:p>
+            <a:endParaRPr lang="en-US" dirty="0"/>
+          </a:p>
+        </p:txBody>
+      </p:sp>
+    </p:spTree>
+    <p:extLst>
+      <p:ext uri="{BB962C8B-B14F-4D97-AF65-F5344CB8AC3E}">
+        <p14:creationId xmlns:p14="http://schemas.microsoft.com/office/powerpoint/2010/main" val="1953040052"/>
+      </p:ext>
+    </p:extLst>
+  </p:cSld>
+  <p:clrMapOvr>
+    <a:masterClrMapping/>
+  </p:clrMapOvr>
+</p:sld>
+</file>
+
+<file path=ppt/slides/slide3.xml><?xml version="1.0" encoding="utf-8"?>
+<p:sld xmlns:a="http://schemas.openxmlformats.org/drawingml/2006/main" xmlns:r="http://schemas.openxmlformats.org/officeDocument/2006/relationships" xmlns:p="http://schemas.openxmlformats.org/presentationml/2006/main">
+  <p:cSld>
+    <p:bg>
+      <p:bgPr>
+        <a:blipFill rotWithShape="1">
+          <a:blip r:embed="rId2">
+            <a:duotone>
+              <a:schemeClr val="bg1">
+                <a:shade val="80000"/>
+                <a:lumMod val="80000"/>
+              </a:schemeClr>
+              <a:schemeClr val="bg1">
+                <a:tint val="98000"/>
+              </a:schemeClr>
+            </a:duotone>
+          </a:blip>
+          <a:stretch/>
+        </a:blipFill>
+        <a:effectLst/>
+      </p:bgPr>
+    </p:bg>
+    <p:spTree>
+      <p:nvGrpSpPr>
+        <p:cNvPr id="1" name=""/>
+        <p:cNvGrpSpPr/>
+        <p:nvPr/>
+      </p:nvGrpSpPr>
+      <p:grpSpPr>
+        <a:xfrm>
+          <a:off x="0" y="0"/>
+          <a:ext cx="0" cy="0"/>
+          <a:chOff x="0" y="0"/>
+          <a:chExt cx="0" cy="0"/>
+        </a:xfrm>
+      </p:grpSpPr>
+      <p:sp useBgFill="1">
+        <p:nvSpPr>
+          <p:cNvPr id="14" name="Rectangle 7">
+            <a:extLst>
+              <a:ext uri="{FF2B5EF4-FFF2-40B4-BE49-F238E27FC236}">
+                <a16:creationId xmlns:a16="http://schemas.microsoft.com/office/drawing/2014/main" id="{9A6C2C86-63BF-47D5-AA3F-905111A238E2}"/>
+              </a:ext>
+              <a:ext uri="{C183D7F6-B498-43B3-948B-1728B52AA6E4}">
+                <adec:decorative xmlns:adec="http://schemas.microsoft.com/office/drawing/2017/decorative" val="1"/>
+              </a:ext>
+            </a:extLst>
+          </p:cNvPr>
+          <p:cNvSpPr>
+            <a:spLocks noGrp="1" noRot="1" noChangeAspect="1" noMove="1" noResize="1" noEditPoints="1" noAdjustHandles="1" noChangeArrowheads="1" noChangeShapeType="1" noTextEdit="1"/>
+          </p:cNvSpPr>
+          <p:nvPr>
+            <p:extLst>
+              <p:ext uri="{386F3935-93C4-4BCD-93E2-E3B085C9AB24}">
+                <p16:designElem xmlns:p16="http://schemas.microsoft.com/office/powerpoint/2015/main" val="1"/>
+              </p:ext>
+            </p:extLst>
+          </p:nvPr>
+        </p:nvSpPr>
+        <p:spPr>
+          <a:xfrm>
+            <a:off x="0" y="0"/>
+            <a:ext cx="12192000" cy="6858000"/>
+          </a:xfrm>
+          <a:prstGeom prst="rect">
+            <a:avLst/>
+          </a:prstGeom>
+          <a:ln>
+            <a:noFill/>
+          </a:ln>
+        </p:spPr>
+        <p:style>
+          <a:lnRef idx="2">
+            <a:schemeClr val="accent1">
+              <a:shade val="50000"/>
+            </a:schemeClr>
+          </a:lnRef>
+          <a:fillRef idx="1">
+            <a:schemeClr val="accent1"/>
+          </a:fillRef>
+          <a:effectRef idx="0">
+            <a:schemeClr val="accent1"/>
+          </a:effectRef>
+          <a:fontRef idx="minor">
+            <a:schemeClr val="lt1"/>
+          </a:fontRef>
+        </p:style>
+        <p:txBody>
+          <a:bodyPr rtlCol="0" anchor="ctr"/>
+          <a:lstStyle/>
+          <a:p>
+            <a:pPr algn="ctr"/>
+            <a:endParaRPr lang="en-US"/>
+          </a:p>
+        </p:txBody>
+      </p:sp>
+      <p:sp>
+        <p:nvSpPr>
+          <p:cNvPr id="2" name="Başlık 1">
+            <a:extLst>
+              <a:ext uri="{FF2B5EF4-FFF2-40B4-BE49-F238E27FC236}">
+                <a16:creationId xmlns:a16="http://schemas.microsoft.com/office/drawing/2014/main" id="{B93A85AE-70B2-5883-22D3-5F0D9F30D716}"/>
+              </a:ext>
+            </a:extLst>
+          </p:cNvPr>
+          <p:cNvSpPr>
+            <a:spLocks noGrp="1"/>
+          </p:cNvSpPr>
+          <p:nvPr>
+            <p:ph type="title"/>
+          </p:nvPr>
+        </p:nvSpPr>
+        <p:spPr>
+          <a:xfrm>
+            <a:off x="834013" y="1115568"/>
+            <a:ext cx="3487616" cy="4626864"/>
+          </a:xfrm>
+        </p:spPr>
+        <p:txBody>
+          <a:bodyPr>
+            <a:normAutofit/>
+          </a:bodyPr>
+          <a:lstStyle/>
+          <a:p>
+            <a:pPr algn="l"/>
+            <a:r>
+              <a:rPr lang="en-US" sz="3600"/>
+              <a:t>Spontaneous oscillations in Astrocytes</a:t>
+            </a:r>
+          </a:p>
+        </p:txBody>
+      </p:sp>
+      <p:cxnSp>
+        <p:nvCxnSpPr>
+          <p:cNvPr id="15" name="Straight Connector 9">
+            <a:extLst>
+              <a:ext uri="{FF2B5EF4-FFF2-40B4-BE49-F238E27FC236}">
+                <a16:creationId xmlns:a16="http://schemas.microsoft.com/office/drawing/2014/main" id="{425A0768-3044-4AA9-A889-D2CAA68C517A}"/>
+              </a:ext>
+              <a:ext uri="{C183D7F6-B498-43B3-948B-1728B52AA6E4}">
+                <adec:decorative xmlns:adec="http://schemas.microsoft.com/office/drawing/2017/decorative" val="1"/>
+              </a:ext>
+            </a:extLst>
+          </p:cNvPr>
+          <p:cNvCxnSpPr>
+            <a:cxnSpLocks noGrp="1" noRot="1" noChangeAspect="1" noMove="1" noResize="1" noEditPoints="1" noAdjustHandles="1" noChangeArrowheads="1" noChangeShapeType="1"/>
+          </p:cNvCxnSpPr>
+          <p:nvPr>
+            <p:extLst>
+              <p:ext uri="{386F3935-93C4-4BCD-93E2-E3B085C9AB24}">
+                <p16:designElem xmlns:p16="http://schemas.microsoft.com/office/powerpoint/2015/main" val="1"/>
+              </p:ext>
+            </p:extLst>
+          </p:nvPr>
+        </p:nvCxnSpPr>
+        <p:spPr>
+          <a:xfrm>
+            <a:off x="4654605" y="2057400"/>
+            <a:ext cx="0" cy="2743200"/>
+          </a:xfrm>
+          <a:prstGeom prst="line">
+            <a:avLst/>
+          </a:prstGeom>
+          <a:ln w="19050">
+            <a:solidFill>
+              <a:schemeClr val="tx2"/>
+            </a:solidFill>
+          </a:ln>
+        </p:spPr>
+        <p:style>
+          <a:lnRef idx="1">
+            <a:schemeClr val="accent1"/>
+          </a:lnRef>
+          <a:fillRef idx="0">
+            <a:schemeClr val="accent1"/>
+          </a:fillRef>
+          <a:effectRef idx="0">
+            <a:schemeClr val="accent1"/>
+          </a:effectRef>
+          <a:fontRef idx="minor">
+            <a:schemeClr val="tx1"/>
+          </a:fontRef>
+        </p:style>
+      </p:cxnSp>
+      <p:sp>
+        <p:nvSpPr>
+          <p:cNvPr id="3" name="İçerik Yer Tutucusu 2">
+            <a:extLst>
+              <a:ext uri="{FF2B5EF4-FFF2-40B4-BE49-F238E27FC236}">
+                <a16:creationId xmlns:a16="http://schemas.microsoft.com/office/drawing/2014/main" id="{A7F444E7-82A0-CD80-F2DF-FBF62ADB0FF1}"/>
+              </a:ext>
+            </a:extLst>
+          </p:cNvPr>
+          <p:cNvSpPr>
+            <a:spLocks noGrp="1"/>
+          </p:cNvSpPr>
+          <p:nvPr>
+            <p:ph idx="1"/>
+          </p:nvPr>
+        </p:nvSpPr>
+        <p:spPr>
+          <a:xfrm>
+            <a:off x="5105398" y="1115568"/>
+            <a:ext cx="6245352" cy="4626864"/>
+          </a:xfrm>
+        </p:spPr>
+        <p:txBody>
+          <a:bodyPr anchor="ctr">
+            <a:normAutofit/>
+          </a:bodyPr>
+          <a:lstStyle/>
+          <a:p>
+            <a:pPr>
+              <a:buFont typeface="Arial" panose="020B0604020202020204" pitchFamily="34" charset="0"/>
+              <a:buChar char="•"/>
+            </a:pPr>
+            <a:r>
+              <a:rPr lang="en-US" sz="2000" dirty="0"/>
+              <a:t>Brief Overview:</a:t>
+            </a:r>
+            <a:endParaRPr lang="tr-TR" sz="2000" dirty="0"/>
+          </a:p>
+          <a:p>
+            <a:pPr lvl="1">
+              <a:buFont typeface="Arial" panose="020B0604020202020204" pitchFamily="34" charset="0"/>
+              <a:buChar char="•"/>
+            </a:pPr>
+            <a:r>
+              <a:rPr lang="en-US" sz="1800" dirty="0"/>
+              <a:t>Astrocytes: Often overlooked, but crucial support cells in the brain.</a:t>
+            </a:r>
+          </a:p>
+          <a:p>
+            <a:pPr lvl="1">
+              <a:buFont typeface="Arial" panose="020B0604020202020204" pitchFamily="34" charset="0"/>
+              <a:buChar char="•"/>
+            </a:pPr>
+            <a:r>
+              <a:rPr lang="en-US" sz="1800" dirty="0"/>
+              <a:t>Spontaneous Oscillations: Intriguing rhythmic patterns in astrocyte activity.</a:t>
+            </a:r>
+            <a:endParaRPr lang="tr-TR" sz="1800" dirty="0"/>
+          </a:p>
+          <a:p>
+            <a:pPr lvl="1">
+              <a:buFont typeface="Arial" panose="020B0604020202020204" pitchFamily="34" charset="0"/>
+              <a:buChar char="•"/>
+            </a:pPr>
+            <a:r>
+              <a:rPr lang="en-US" sz="1800" dirty="0"/>
+              <a:t>Understanding astrocytic oscillations can unravel mysteries surrounding neural network behavior and information processing in the brain.</a:t>
+            </a:r>
+          </a:p>
+          <a:p>
+            <a:pPr marL="36900" indent="0">
+              <a:buNone/>
+            </a:pPr>
+            <a:endParaRPr lang="en-US" dirty="0"/>
+          </a:p>
+        </p:txBody>
+      </p:sp>
+    </p:spTree>
+    <p:extLst>
+      <p:ext uri="{BB962C8B-B14F-4D97-AF65-F5344CB8AC3E}">
+        <p14:creationId xmlns:p14="http://schemas.microsoft.com/office/powerpoint/2010/main" val="1035957612"/>
+      </p:ext>
+    </p:extLst>
+  </p:cSld>
+  <p:clrMapOvr>
+    <a:masterClrMapping/>
+  </p:clrMapOvr>
+</p:sld>
+</file>
+
+<file path=ppt/slides/slide4.xml><?xml version="1.0" encoding="utf-8"?>
+<p:sld xmlns:a="http://schemas.openxmlformats.org/drawingml/2006/main" xmlns:r="http://schemas.openxmlformats.org/officeDocument/2006/relationships" xmlns:p="http://schemas.openxmlformats.org/presentationml/2006/main">
+  <p:cSld>
+    <p:spTree>
+      <p:nvGrpSpPr>
+        <p:cNvPr id="1" name=""/>
+        <p:cNvGrpSpPr/>
+        <p:nvPr/>
+      </p:nvGrpSpPr>
+      <p:grpSpPr>
+        <a:xfrm>
+          <a:off x="0" y="0"/>
+          <a:ext cx="0" cy="0"/>
+          <a:chOff x="0" y="0"/>
+          <a:chExt cx="0" cy="0"/>
+        </a:xfrm>
+      </p:grpSpPr>
+      <p:sp>
+        <p:nvSpPr>
+          <p:cNvPr id="2" name="Başlık 1">
+            <a:extLst>
+              <a:ext uri="{FF2B5EF4-FFF2-40B4-BE49-F238E27FC236}">
+                <a16:creationId xmlns:a16="http://schemas.microsoft.com/office/drawing/2014/main" id="{B93A85AE-70B2-5883-22D3-5F0D9F30D716}"/>
+              </a:ext>
+            </a:extLst>
+          </p:cNvPr>
+          <p:cNvSpPr>
+            <a:spLocks noGrp="1"/>
+          </p:cNvSpPr>
+          <p:nvPr>
+            <p:ph type="title"/>
+          </p:nvPr>
+        </p:nvSpPr>
+        <p:spPr>
+          <a:xfrm>
+            <a:off x="834013" y="1115568"/>
+            <a:ext cx="3487616" cy="4626864"/>
+          </a:xfrm>
+        </p:spPr>
+        <p:txBody>
+          <a:bodyPr>
+            <a:normAutofit/>
+          </a:bodyPr>
+          <a:lstStyle/>
+          <a:p>
+            <a:pPr algn="l"/>
+            <a:r>
+              <a:rPr lang="en-US" sz="3600"/>
+              <a:t>Spontaneous oscillations in Astrocytes</a:t>
+            </a:r>
+          </a:p>
+        </p:txBody>
+      </p:sp>
+      <p:sp>
+        <p:nvSpPr>
+          <p:cNvPr id="3" name="İçerik Yer Tutucusu 2">
+            <a:extLst>
+              <a:ext uri="{FF2B5EF4-FFF2-40B4-BE49-F238E27FC236}">
+                <a16:creationId xmlns:a16="http://schemas.microsoft.com/office/drawing/2014/main" id="{A7F444E7-82A0-CD80-F2DF-FBF62ADB0FF1}"/>
+              </a:ext>
+            </a:extLst>
+          </p:cNvPr>
+          <p:cNvSpPr>
+            <a:spLocks noGrp="1"/>
+          </p:cNvSpPr>
+          <p:nvPr>
+            <p:ph idx="1"/>
+          </p:nvPr>
+        </p:nvSpPr>
+        <p:spPr>
+          <a:xfrm>
+            <a:off x="5105398" y="1115568"/>
+            <a:ext cx="6245352" cy="4626864"/>
+          </a:xfrm>
+        </p:spPr>
+        <p:txBody>
+          <a:bodyPr anchor="ctr">
+            <a:normAutofit/>
+          </a:bodyPr>
+          <a:lstStyle/>
+          <a:p>
+            <a:pPr>
+              <a:buFont typeface="Arial" panose="020B0604020202020204" pitchFamily="34" charset="0"/>
+              <a:buChar char="•"/>
+            </a:pPr>
+            <a:r>
+              <a:rPr lang="en-US" dirty="0"/>
+              <a:t>Significance:</a:t>
+            </a:r>
+            <a:endParaRPr lang="tr-TR" dirty="0"/>
+          </a:p>
+          <a:p>
+            <a:pPr lvl="1">
+              <a:buFont typeface="Arial" panose="020B0604020202020204" pitchFamily="34" charset="0"/>
+              <a:buChar char="•"/>
+            </a:pPr>
+            <a:r>
+              <a:rPr lang="en-US" dirty="0"/>
+              <a:t>Regulatory role in brain homeostasis.</a:t>
+            </a:r>
+          </a:p>
+          <a:p>
+            <a:pPr lvl="1">
+              <a:buFont typeface="Arial" panose="020B0604020202020204" pitchFamily="34" charset="0"/>
+              <a:buChar char="•"/>
+            </a:pPr>
+            <a:r>
+              <a:rPr lang="en-US" dirty="0"/>
+              <a:t>Implications for information processing and network function.</a:t>
+            </a:r>
+          </a:p>
+          <a:p>
+            <a:pPr marL="36900" indent="0">
+              <a:buNone/>
+            </a:pPr>
+            <a:endParaRPr lang="en-US" dirty="0"/>
+          </a:p>
+        </p:txBody>
+      </p:sp>
+    </p:spTree>
+    <p:extLst>
+      <p:ext uri="{BB962C8B-B14F-4D97-AF65-F5344CB8AC3E}">
+        <p14:creationId xmlns:p14="http://schemas.microsoft.com/office/powerpoint/2010/main" val="1515658048"/>
+      </p:ext>
+    </p:extLst>
+  </p:cSld>
+  <p:clrMapOvr>
+    <a:masterClrMapping/>
+  </p:clrMapOvr>
+</p:sld>
+</file>
+
+<file path=ppt/slides/slide5.xml><?xml version="1.0" encoding="utf-8"?>
+<p:sld xmlns:a="http://schemas.openxmlformats.org/drawingml/2006/main" xmlns:r="http://schemas.openxmlformats.org/officeDocument/2006/relationships" xmlns:p="http://schemas.openxmlformats.org/presentationml/2006/main">
+  <p:cSld>
+    <p:bg>
+      <p:bgPr>
+        <a:blipFill rotWithShape="1">
+          <a:blip r:embed="rId2">
+            <a:duotone>
+              <a:schemeClr val="bg1">
+                <a:shade val="80000"/>
+                <a:lumMod val="80000"/>
+              </a:schemeClr>
+              <a:schemeClr val="bg1">
+                <a:tint val="98000"/>
+              </a:schemeClr>
+            </a:duotone>
+          </a:blip>
+          <a:stretch/>
+        </a:blipFill>
+        <a:effectLst/>
+      </p:bgPr>
+    </p:bg>
+    <p:spTree>
+      <p:nvGrpSpPr>
+        <p:cNvPr id="1" name=""/>
+        <p:cNvGrpSpPr/>
+        <p:nvPr/>
+      </p:nvGrpSpPr>
+      <p:grpSpPr>
+        <a:xfrm>
+          <a:off x="0" y="0"/>
+          <a:ext cx="0" cy="0"/>
+          <a:chOff x="0" y="0"/>
+          <a:chExt cx="0" cy="0"/>
+        </a:xfrm>
+      </p:grpSpPr>
+      <p:sp useBgFill="1">
+        <p:nvSpPr>
+          <p:cNvPr id="8" name="Rectangle 7">
+            <a:extLst>
+              <a:ext uri="{FF2B5EF4-FFF2-40B4-BE49-F238E27FC236}">
+                <a16:creationId xmlns:a16="http://schemas.microsoft.com/office/drawing/2014/main" id="{9A6C2C86-63BF-47D5-AA3F-905111A238E2}"/>
+              </a:ext>
+              <a:ext uri="{C183D7F6-B498-43B3-948B-1728B52AA6E4}">
+                <adec:decorative xmlns:adec="http://schemas.microsoft.com/office/drawing/2017/decorative" val="1"/>
+              </a:ext>
+            </a:extLst>
+          </p:cNvPr>
+          <p:cNvSpPr>
+            <a:spLocks noGrp="1" noRot="1" noChangeAspect="1" noMove="1" noResize="1" noEditPoints="1" noAdjustHandles="1" noChangeArrowheads="1" noChangeShapeType="1" noTextEdit="1"/>
+          </p:cNvSpPr>
+          <p:nvPr>
+            <p:extLst>
+              <p:ext uri="{386F3935-93C4-4BCD-93E2-E3B085C9AB24}">
+                <p16:designElem xmlns:p16="http://schemas.microsoft.com/office/powerpoint/2015/main" val="1"/>
+              </p:ext>
+            </p:extLst>
+          </p:nvPr>
+        </p:nvSpPr>
+        <p:spPr>
+          <a:xfrm>
+            <a:off x="0" y="0"/>
+            <a:ext cx="12192000" cy="6858000"/>
+          </a:xfrm>
+          <a:prstGeom prst="rect">
+            <a:avLst/>
+          </a:prstGeom>
+          <a:ln>
+            <a:noFill/>
+          </a:ln>
+        </p:spPr>
+        <p:style>
+          <a:lnRef idx="2">
+            <a:schemeClr val="accent1">
+              <a:shade val="50000"/>
+            </a:schemeClr>
+          </a:lnRef>
+          <a:fillRef idx="1">
+            <a:schemeClr val="accent1"/>
+          </a:fillRef>
+          <a:effectRef idx="0">
+            <a:schemeClr val="accent1"/>
+          </a:effectRef>
+          <a:fontRef idx="minor">
+            <a:schemeClr val="lt1"/>
+          </a:fontRef>
+        </p:style>
+        <p:txBody>
+          <a:bodyPr rtlCol="0" anchor="ctr"/>
+          <a:lstStyle/>
+          <a:p>
+            <a:pPr algn="ctr"/>
+            <a:endParaRPr lang="en-US"/>
+          </a:p>
+        </p:txBody>
+      </p:sp>
+      <p:sp>
+        <p:nvSpPr>
+          <p:cNvPr id="2" name="Başlık 1">
+            <a:extLst>
+              <a:ext uri="{FF2B5EF4-FFF2-40B4-BE49-F238E27FC236}">
+                <a16:creationId xmlns:a16="http://schemas.microsoft.com/office/drawing/2014/main" id="{0156A4BB-940A-D45F-952D-D659E5394E5B}"/>
+              </a:ext>
+            </a:extLst>
+          </p:cNvPr>
+          <p:cNvSpPr>
+            <a:spLocks noGrp="1"/>
+          </p:cNvSpPr>
+          <p:nvPr>
+            <p:ph type="title"/>
+          </p:nvPr>
+        </p:nvSpPr>
+        <p:spPr>
+          <a:xfrm>
+            <a:off x="834013" y="1115568"/>
+            <a:ext cx="3487616" cy="4626864"/>
+          </a:xfrm>
+        </p:spPr>
+        <p:txBody>
+          <a:bodyPr>
+            <a:normAutofit/>
+          </a:bodyPr>
+          <a:lstStyle/>
+          <a:p>
+            <a:pPr algn="l"/>
+            <a:r>
+              <a:rPr lang="en-US" sz="3600" dirty="0"/>
+              <a:t>Data and Model</a:t>
+            </a:r>
+            <a:br>
+              <a:rPr lang="en-US" sz="3600" dirty="0"/>
+            </a:br>
+            <a:endParaRPr lang="en-US" sz="3600" dirty="0"/>
+          </a:p>
+        </p:txBody>
+      </p:sp>
+      <p:cxnSp>
+        <p:nvCxnSpPr>
+          <p:cNvPr id="10" name="Straight Connector 9">
+            <a:extLst>
+              <a:ext uri="{FF2B5EF4-FFF2-40B4-BE49-F238E27FC236}">
+                <a16:creationId xmlns:a16="http://schemas.microsoft.com/office/drawing/2014/main" id="{425A0768-3044-4AA9-A889-D2CAA68C517A}"/>
+              </a:ext>
+              <a:ext uri="{C183D7F6-B498-43B3-948B-1728B52AA6E4}">
+                <adec:decorative xmlns:adec="http://schemas.microsoft.com/office/drawing/2017/decorative" val="1"/>
+              </a:ext>
+            </a:extLst>
+          </p:cNvPr>
+          <p:cNvCxnSpPr>
+            <a:cxnSpLocks noGrp="1" noRot="1" noChangeAspect="1" noMove="1" noResize="1" noEditPoints="1" noAdjustHandles="1" noChangeArrowheads="1" noChangeShapeType="1"/>
+          </p:cNvCxnSpPr>
+          <p:nvPr>
+            <p:extLst>
+              <p:ext uri="{386F3935-93C4-4BCD-93E2-E3B085C9AB24}">
+                <p16:designElem xmlns:p16="http://schemas.microsoft.com/office/powerpoint/2015/main" val="1"/>
+              </p:ext>
+            </p:extLst>
+          </p:nvPr>
+        </p:nvCxnSpPr>
+        <p:spPr>
+          <a:xfrm>
+            <a:off x="4654605" y="2057400"/>
+            <a:ext cx="0" cy="2743200"/>
+          </a:xfrm>
+          <a:prstGeom prst="line">
+            <a:avLst/>
+          </a:prstGeom>
+          <a:ln w="19050">
+            <a:solidFill>
+              <a:schemeClr val="tx2"/>
+            </a:solidFill>
+          </a:ln>
+        </p:spPr>
+        <p:style>
+          <a:lnRef idx="1">
+            <a:schemeClr val="accent1"/>
+          </a:lnRef>
+          <a:fillRef idx="0">
+            <a:schemeClr val="accent1"/>
+          </a:fillRef>
+          <a:effectRef idx="0">
+            <a:schemeClr val="accent1"/>
+          </a:effectRef>
+          <a:fontRef idx="minor">
+            <a:schemeClr val="tx1"/>
+          </a:fontRef>
+        </p:style>
+      </p:cxnSp>
+      <p:sp>
+        <p:nvSpPr>
+          <p:cNvPr id="3" name="İçerik Yer Tutucusu 2">
+            <a:extLst>
+              <a:ext uri="{FF2B5EF4-FFF2-40B4-BE49-F238E27FC236}">
+                <a16:creationId xmlns:a16="http://schemas.microsoft.com/office/drawing/2014/main" id="{C46C0C0E-6C36-3332-D7B5-2A6E69D7AB3D}"/>
+              </a:ext>
+            </a:extLst>
+          </p:cNvPr>
+          <p:cNvSpPr>
+            <a:spLocks noGrp="1"/>
+          </p:cNvSpPr>
+          <p:nvPr>
+            <p:ph idx="1"/>
+          </p:nvPr>
+        </p:nvSpPr>
+        <p:spPr>
+          <a:xfrm>
+            <a:off x="5105398" y="1115568"/>
+            <a:ext cx="6245352" cy="4626864"/>
+          </a:xfrm>
+        </p:spPr>
+        <p:txBody>
+          <a:bodyPr anchor="ctr">
+            <a:normAutofit/>
+          </a:bodyPr>
+          <a:lstStyle/>
+          <a:p>
+            <a:endParaRPr lang="en-US"/>
+          </a:p>
+        </p:txBody>
+      </p:sp>
+    </p:spTree>
+    <p:extLst>
+      <p:ext uri="{BB962C8B-B14F-4D97-AF65-F5344CB8AC3E}">
+        <p14:creationId xmlns:p14="http://schemas.microsoft.com/office/powerpoint/2010/main" val="2922523071"/>
+      </p:ext>
+    </p:extLst>
+  </p:cSld>
+  <p:clrMapOvr>
+    <a:masterClrMapping/>
+  </p:clrMapOvr>
+</p:sld>
+</file>
+
+<file path=ppt/slides/slide6.xml><?xml version="1.0" encoding="utf-8"?>
+<p:sld xmlns:a="http://schemas.openxmlformats.org/drawingml/2006/main" xmlns:r="http://schemas.openxmlformats.org/officeDocument/2006/relationships" xmlns:p="http://schemas.openxmlformats.org/presentationml/2006/main">
+  <p:cSld>
+    <p:bg>
+      <p:bgPr>
+        <a:blipFill rotWithShape="1">
+          <a:blip r:embed="rId2">
+            <a:duotone>
+              <a:schemeClr val="bg1">
+                <a:shade val="80000"/>
+                <a:lumMod val="80000"/>
+              </a:schemeClr>
+              <a:schemeClr val="bg1">
+                <a:tint val="98000"/>
+              </a:schemeClr>
+            </a:duotone>
+          </a:blip>
+          <a:stretch/>
+        </a:blipFill>
+        <a:effectLst/>
+      </p:bgPr>
+    </p:bg>
+    <p:spTree>
+      <p:nvGrpSpPr>
+        <p:cNvPr id="1" name=""/>
+        <p:cNvGrpSpPr/>
+        <p:nvPr/>
+      </p:nvGrpSpPr>
+      <p:grpSpPr>
+        <a:xfrm>
+          <a:off x="0" y="0"/>
+          <a:ext cx="0" cy="0"/>
+          <a:chOff x="0" y="0"/>
+          <a:chExt cx="0" cy="0"/>
+        </a:xfrm>
+      </p:grpSpPr>
+      <p:sp useBgFill="1">
+        <p:nvSpPr>
+          <p:cNvPr id="8" name="Rectangle 7">
+            <a:extLst>
+              <a:ext uri="{FF2B5EF4-FFF2-40B4-BE49-F238E27FC236}">
+                <a16:creationId xmlns:a16="http://schemas.microsoft.com/office/drawing/2014/main" id="{9A6C2C86-63BF-47D5-AA3F-905111A238E2}"/>
+              </a:ext>
+              <a:ext uri="{C183D7F6-B498-43B3-948B-1728B52AA6E4}">
+                <adec:decorative xmlns:adec="http://schemas.microsoft.com/office/drawing/2017/decorative" val="1"/>
+              </a:ext>
+            </a:extLst>
+          </p:cNvPr>
+          <p:cNvSpPr>
+            <a:spLocks noGrp="1" noRot="1" noChangeAspect="1" noMove="1" noResize="1" noEditPoints="1" noAdjustHandles="1" noChangeArrowheads="1" noChangeShapeType="1" noTextEdit="1"/>
+          </p:cNvSpPr>
+          <p:nvPr>
+            <p:extLst>
+              <p:ext uri="{386F3935-93C4-4BCD-93E2-E3B085C9AB24}">
+                <p16:designElem xmlns:p16="http://schemas.microsoft.com/office/powerpoint/2015/main" val="1"/>
+              </p:ext>
+            </p:extLst>
+          </p:nvPr>
+        </p:nvSpPr>
+        <p:spPr>
+          <a:xfrm>
+            <a:off x="0" y="0"/>
+            <a:ext cx="12192000" cy="6858000"/>
+          </a:xfrm>
+          <a:prstGeom prst="rect">
+            <a:avLst/>
+          </a:prstGeom>
+          <a:ln>
+            <a:noFill/>
+          </a:ln>
+        </p:spPr>
+        <p:style>
+          <a:lnRef idx="2">
+            <a:schemeClr val="accent1">
+              <a:shade val="50000"/>
+            </a:schemeClr>
+          </a:lnRef>
+          <a:fillRef idx="1">
+            <a:schemeClr val="accent1"/>
+          </a:fillRef>
+          <a:effectRef idx="0">
+            <a:schemeClr val="accent1"/>
+          </a:effectRef>
+          <a:fontRef idx="minor">
+            <a:schemeClr val="lt1"/>
+          </a:fontRef>
+        </p:style>
+        <p:txBody>
+          <a:bodyPr rtlCol="0" anchor="ctr"/>
+          <a:lstStyle/>
+          <a:p>
+            <a:pPr algn="ctr"/>
+            <a:endParaRPr lang="en-US"/>
+          </a:p>
+        </p:txBody>
+      </p:sp>
+      <p:sp>
+        <p:nvSpPr>
+          <p:cNvPr id="2" name="Başlık 1">
+            <a:extLst>
+              <a:ext uri="{FF2B5EF4-FFF2-40B4-BE49-F238E27FC236}">
+                <a16:creationId xmlns:a16="http://schemas.microsoft.com/office/drawing/2014/main" id="{0156A4BB-940A-D45F-952D-D659E5394E5B}"/>
+              </a:ext>
+            </a:extLst>
+          </p:cNvPr>
+          <p:cNvSpPr>
+            <a:spLocks noGrp="1"/>
+          </p:cNvSpPr>
+          <p:nvPr>
+            <p:ph type="title"/>
+          </p:nvPr>
+        </p:nvSpPr>
+        <p:spPr>
+          <a:xfrm>
+            <a:off x="834013" y="1115568"/>
+            <a:ext cx="3487616" cy="4626864"/>
+          </a:xfrm>
+        </p:spPr>
+        <p:txBody>
+          <a:bodyPr>
+            <a:normAutofit/>
+          </a:bodyPr>
+          <a:lstStyle/>
+          <a:p>
+            <a:pPr algn="l"/>
+            <a:r>
+              <a:rPr lang="en-US" sz="3600" dirty="0"/>
+              <a:t>Data and Model</a:t>
+            </a:r>
+            <a:br>
+              <a:rPr lang="en-US" sz="3600" dirty="0"/>
+            </a:br>
+            <a:endParaRPr lang="en-US" sz="3600" dirty="0"/>
+          </a:p>
+        </p:txBody>
+      </p:sp>
+      <p:cxnSp>
+        <p:nvCxnSpPr>
+          <p:cNvPr id="10" name="Straight Connector 9">
+            <a:extLst>
+              <a:ext uri="{FF2B5EF4-FFF2-40B4-BE49-F238E27FC236}">
+                <a16:creationId xmlns:a16="http://schemas.microsoft.com/office/drawing/2014/main" id="{425A0768-3044-4AA9-A889-D2CAA68C517A}"/>
+              </a:ext>
+              <a:ext uri="{C183D7F6-B498-43B3-948B-1728B52AA6E4}">
+                <adec:decorative xmlns:adec="http://schemas.microsoft.com/office/drawing/2017/decorative" val="1"/>
+              </a:ext>
+            </a:extLst>
+          </p:cNvPr>
+          <p:cNvCxnSpPr>
+            <a:cxnSpLocks noGrp="1" noRot="1" noChangeAspect="1" noMove="1" noResize="1" noEditPoints="1" noAdjustHandles="1" noChangeArrowheads="1" noChangeShapeType="1"/>
+          </p:cNvCxnSpPr>
+          <p:nvPr>
+            <p:extLst>
+              <p:ext uri="{386F3935-93C4-4BCD-93E2-E3B085C9AB24}">
+                <p16:designElem xmlns:p16="http://schemas.microsoft.com/office/powerpoint/2015/main" val="1"/>
+              </p:ext>
+            </p:extLst>
+          </p:nvPr>
+        </p:nvCxnSpPr>
+        <p:spPr>
+          <a:xfrm>
+            <a:off x="4654605" y="2057400"/>
+            <a:ext cx="0" cy="2743200"/>
+          </a:xfrm>
+          <a:prstGeom prst="line">
+            <a:avLst/>
+          </a:prstGeom>
+          <a:ln w="19050">
+            <a:solidFill>
+              <a:schemeClr val="tx2"/>
+            </a:solidFill>
+          </a:ln>
+        </p:spPr>
+        <p:style>
+          <a:lnRef idx="1">
+            <a:schemeClr val="accent1"/>
+          </a:lnRef>
+          <a:fillRef idx="0">
+            <a:schemeClr val="accent1"/>
+          </a:fillRef>
+          <a:effectRef idx="0">
+            <a:schemeClr val="accent1"/>
+          </a:effectRef>
+          <a:fontRef idx="minor">
+            <a:schemeClr val="tx1"/>
+          </a:fontRef>
+        </p:style>
+      </p:cxnSp>
+      <p:sp>
+        <p:nvSpPr>
+          <p:cNvPr id="3" name="İçerik Yer Tutucusu 2">
+            <a:extLst>
+              <a:ext uri="{FF2B5EF4-FFF2-40B4-BE49-F238E27FC236}">
+                <a16:creationId xmlns:a16="http://schemas.microsoft.com/office/drawing/2014/main" id="{C46C0C0E-6C36-3332-D7B5-2A6E69D7AB3D}"/>
+              </a:ext>
+            </a:extLst>
+          </p:cNvPr>
+          <p:cNvSpPr>
+            <a:spLocks noGrp="1"/>
+          </p:cNvSpPr>
+          <p:nvPr>
+            <p:ph idx="1"/>
+          </p:nvPr>
+        </p:nvSpPr>
+        <p:spPr>
+          <a:xfrm>
+            <a:off x="5105398" y="1115568"/>
+            <a:ext cx="6245352" cy="4626864"/>
+          </a:xfrm>
+        </p:spPr>
+        <p:txBody>
+          <a:bodyPr anchor="ctr">
+            <a:normAutofit/>
+          </a:bodyPr>
+          <a:lstStyle/>
+          <a:p>
+            <a:endParaRPr lang="en-US"/>
+          </a:p>
+        </p:txBody>
+      </p:sp>
+    </p:spTree>
+    <p:extLst>
+      <p:ext uri="{BB962C8B-B14F-4D97-AF65-F5344CB8AC3E}">
+        <p14:creationId xmlns:p14="http://schemas.microsoft.com/office/powerpoint/2010/main" val="3362570455"/>
+      </p:ext>
+    </p:extLst>
+  </p:cSld>
+  <p:clrMapOvr>
+    <a:masterClrMapping/>
+  </p:clrMapOvr>
+</p:sld>
+</file>
+
+<file path=ppt/slides/slide7.xml><?xml version="1.0" encoding="utf-8"?>
+<p:sld xmlns:a="http://schemas.openxmlformats.org/drawingml/2006/main" xmlns:r="http://schemas.openxmlformats.org/officeDocument/2006/relationships" xmlns:p="http://schemas.openxmlformats.org/presentationml/2006/main">
+  <p:cSld>
+    <p:bg>
+      <p:bgPr>
+        <a:blipFill rotWithShape="1">
+          <a:blip r:embed="rId2">
+            <a:duotone>
+              <a:schemeClr val="bg1">
+                <a:shade val="80000"/>
+                <a:lumMod val="80000"/>
+              </a:schemeClr>
+              <a:schemeClr val="bg1">
+                <a:tint val="98000"/>
+              </a:schemeClr>
+            </a:duotone>
+          </a:blip>
+          <a:stretch/>
+        </a:blipFill>
+        <a:effectLst/>
+      </p:bgPr>
+    </p:bg>
+    <p:spTree>
+      <p:nvGrpSpPr>
+        <p:cNvPr id="1" name=""/>
+        <p:cNvGrpSpPr/>
+        <p:nvPr/>
+      </p:nvGrpSpPr>
+      <p:grpSpPr>
+        <a:xfrm>
+          <a:off x="0" y="0"/>
+          <a:ext cx="0" cy="0"/>
+          <a:chOff x="0" y="0"/>
+          <a:chExt cx="0" cy="0"/>
+        </a:xfrm>
+      </p:grpSpPr>
+      <p:sp useBgFill="1">
+        <p:nvSpPr>
+          <p:cNvPr id="8" name="Rectangle 7">
+            <a:extLst>
+              <a:ext uri="{FF2B5EF4-FFF2-40B4-BE49-F238E27FC236}">
+                <a16:creationId xmlns:a16="http://schemas.microsoft.com/office/drawing/2014/main" id="{9A6C2C86-63BF-47D5-AA3F-905111A238E2}"/>
+              </a:ext>
+              <a:ext uri="{C183D7F6-B498-43B3-948B-1728B52AA6E4}">
+                <adec:decorative xmlns:adec="http://schemas.microsoft.com/office/drawing/2017/decorative" val="1"/>
+              </a:ext>
+            </a:extLst>
+          </p:cNvPr>
+          <p:cNvSpPr>
+            <a:spLocks noGrp="1" noRot="1" noChangeAspect="1" noMove="1" noResize="1" noEditPoints="1" noAdjustHandles="1" noChangeArrowheads="1" noChangeShapeType="1" noTextEdit="1"/>
+          </p:cNvSpPr>
+          <p:nvPr>
+            <p:extLst>
+              <p:ext uri="{386F3935-93C4-4BCD-93E2-E3B085C9AB24}">
+                <p16:designElem xmlns:p16="http://schemas.microsoft.com/office/powerpoint/2015/main" val="1"/>
+              </p:ext>
+            </p:extLst>
+          </p:nvPr>
+        </p:nvSpPr>
+        <p:spPr>
+          <a:xfrm>
+            <a:off x="0" y="0"/>
+            <a:ext cx="12192000" cy="6858000"/>
+          </a:xfrm>
+          <a:prstGeom prst="rect">
+            <a:avLst/>
+          </a:prstGeom>
+          <a:ln>
+            <a:noFill/>
+          </a:ln>
+        </p:spPr>
+        <p:style>
+          <a:lnRef idx="2">
+            <a:schemeClr val="accent1">
+              <a:shade val="50000"/>
+            </a:schemeClr>
+          </a:lnRef>
+          <a:fillRef idx="1">
+            <a:schemeClr val="accent1"/>
+          </a:fillRef>
+          <a:effectRef idx="0">
+            <a:schemeClr val="accent1"/>
+          </a:effectRef>
+          <a:fontRef idx="minor">
+            <a:schemeClr val="lt1"/>
+          </a:fontRef>
+        </p:style>
+        <p:txBody>
+          <a:bodyPr rtlCol="0" anchor="ctr"/>
+          <a:lstStyle/>
+          <a:p>
+            <a:pPr algn="ctr"/>
+            <a:endParaRPr lang="en-US"/>
+          </a:p>
+        </p:txBody>
+      </p:sp>
+      <p:sp>
+        <p:nvSpPr>
+          <p:cNvPr id="2" name="Başlık 1">
+            <a:extLst>
+              <a:ext uri="{FF2B5EF4-FFF2-40B4-BE49-F238E27FC236}">
+                <a16:creationId xmlns:a16="http://schemas.microsoft.com/office/drawing/2014/main" id="{0156A4BB-940A-D45F-952D-D659E5394E5B}"/>
+              </a:ext>
+            </a:extLst>
+          </p:cNvPr>
+          <p:cNvSpPr>
+            <a:spLocks noGrp="1"/>
+          </p:cNvSpPr>
+          <p:nvPr>
+            <p:ph type="title"/>
+          </p:nvPr>
+        </p:nvSpPr>
+        <p:spPr>
+          <a:xfrm>
+            <a:off x="834013" y="1115568"/>
+            <a:ext cx="3487616" cy="4626864"/>
+          </a:xfrm>
+        </p:spPr>
+        <p:txBody>
+          <a:bodyPr>
+            <a:normAutofit/>
+          </a:bodyPr>
+          <a:lstStyle/>
+          <a:p>
+            <a:pPr algn="l"/>
+            <a:r>
+              <a:rPr lang="en-US" sz="3600" dirty="0"/>
+              <a:t>How to fit?</a:t>
+            </a:r>
+            <a:br>
+              <a:rPr lang="en-US" sz="3600" dirty="0"/>
+            </a:br>
+            <a:endParaRPr lang="en-US" sz="3600" dirty="0"/>
+          </a:p>
+        </p:txBody>
+      </p:sp>
+      <p:cxnSp>
+        <p:nvCxnSpPr>
+          <p:cNvPr id="10" name="Straight Connector 9">
+            <a:extLst>
+              <a:ext uri="{FF2B5EF4-FFF2-40B4-BE49-F238E27FC236}">
+                <a16:creationId xmlns:a16="http://schemas.microsoft.com/office/drawing/2014/main" id="{425A0768-3044-4AA9-A889-D2CAA68C517A}"/>
+              </a:ext>
+              <a:ext uri="{C183D7F6-B498-43B3-948B-1728B52AA6E4}">
+                <adec:decorative xmlns:adec="http://schemas.microsoft.com/office/drawing/2017/decorative" val="1"/>
+              </a:ext>
+            </a:extLst>
+          </p:cNvPr>
+          <p:cNvCxnSpPr>
+            <a:cxnSpLocks noGrp="1" noRot="1" noChangeAspect="1" noMove="1" noResize="1" noEditPoints="1" noAdjustHandles="1" noChangeArrowheads="1" noChangeShapeType="1"/>
+          </p:cNvCxnSpPr>
+          <p:nvPr>
+            <p:extLst>
+              <p:ext uri="{386F3935-93C4-4BCD-93E2-E3B085C9AB24}">
+                <p16:designElem xmlns:p16="http://schemas.microsoft.com/office/powerpoint/2015/main" val="1"/>
+              </p:ext>
+            </p:extLst>
+          </p:nvPr>
+        </p:nvCxnSpPr>
+        <p:spPr>
+          <a:xfrm>
+            <a:off x="4654605" y="2057400"/>
+            <a:ext cx="0" cy="2743200"/>
+          </a:xfrm>
+          <a:prstGeom prst="line">
+            <a:avLst/>
+          </a:prstGeom>
+          <a:ln w="19050">
+            <a:solidFill>
+              <a:schemeClr val="tx2"/>
+            </a:solidFill>
+          </a:ln>
+        </p:spPr>
+        <p:style>
+          <a:lnRef idx="1">
+            <a:schemeClr val="accent1"/>
+          </a:lnRef>
+          <a:fillRef idx="0">
+            <a:schemeClr val="accent1"/>
+          </a:fillRef>
+          <a:effectRef idx="0">
+            <a:schemeClr val="accent1"/>
+          </a:effectRef>
+          <a:fontRef idx="minor">
+            <a:schemeClr val="tx1"/>
+          </a:fontRef>
+        </p:style>
+      </p:cxnSp>
+      <p:sp>
+        <p:nvSpPr>
+          <p:cNvPr id="3" name="İçerik Yer Tutucusu 2">
+            <a:extLst>
+              <a:ext uri="{FF2B5EF4-FFF2-40B4-BE49-F238E27FC236}">
+                <a16:creationId xmlns:a16="http://schemas.microsoft.com/office/drawing/2014/main" id="{C46C0C0E-6C36-3332-D7B5-2A6E69D7AB3D}"/>
+              </a:ext>
+            </a:extLst>
+          </p:cNvPr>
+          <p:cNvSpPr>
+            <a:spLocks noGrp="1"/>
+          </p:cNvSpPr>
+          <p:nvPr>
+            <p:ph idx="1"/>
+          </p:nvPr>
+        </p:nvSpPr>
+        <p:spPr>
+          <a:xfrm>
+            <a:off x="5105398" y="1115568"/>
+            <a:ext cx="6245352" cy="4626864"/>
+          </a:xfrm>
+        </p:spPr>
+        <p:txBody>
+          <a:bodyPr anchor="ctr">
+            <a:normAutofit/>
+          </a:bodyPr>
+          <a:lstStyle/>
+          <a:p>
+            <a:endParaRPr lang="en-US"/>
+          </a:p>
+        </p:txBody>
+      </p:sp>
+    </p:spTree>
+    <p:extLst>
+      <p:ext uri="{BB962C8B-B14F-4D97-AF65-F5344CB8AC3E}">
+        <p14:creationId xmlns:p14="http://schemas.microsoft.com/office/powerpoint/2010/main" val="3866986449"/>
+      </p:ext>
+    </p:extLst>
+  </p:cSld>
+  <p:clrMapOvr>
+    <a:masterClrMapping/>
+  </p:clrMapOvr>
+</p:sld>
+</file>
+
+<file path=ppt/slides/slide8.xml><?xml version="1.0" encoding="utf-8"?>
+<p:sld xmlns:a="http://schemas.openxmlformats.org/drawingml/2006/main" xmlns:r="http://schemas.openxmlformats.org/officeDocument/2006/relationships" xmlns:p="http://schemas.openxmlformats.org/presentationml/2006/main">
+  <p:cSld>
+    <p:bg>
+      <p:bgPr>
+        <a:blipFill rotWithShape="1">
+          <a:blip r:embed="rId2">
+            <a:duotone>
+              <a:schemeClr val="bg1">
+                <a:shade val="80000"/>
+                <a:lumMod val="80000"/>
+              </a:schemeClr>
+              <a:schemeClr val="bg1">
+                <a:tint val="98000"/>
+              </a:schemeClr>
+            </a:duotone>
+          </a:blip>
+          <a:stretch/>
+        </a:blipFill>
+        <a:effectLst/>
+      </p:bgPr>
+    </p:bg>
+    <p:spTree>
+      <p:nvGrpSpPr>
+        <p:cNvPr id="1" name=""/>
+        <p:cNvGrpSpPr/>
+        <p:nvPr/>
+      </p:nvGrpSpPr>
+      <p:grpSpPr>
+        <a:xfrm>
+          <a:off x="0" y="0"/>
+          <a:ext cx="0" cy="0"/>
+          <a:chOff x="0" y="0"/>
+          <a:chExt cx="0" cy="0"/>
+        </a:xfrm>
+      </p:grpSpPr>
+      <p:sp useBgFill="1">
+        <p:nvSpPr>
+          <p:cNvPr id="8" name="Rectangle 7">
+            <a:extLst>
+              <a:ext uri="{FF2B5EF4-FFF2-40B4-BE49-F238E27FC236}">
+                <a16:creationId xmlns:a16="http://schemas.microsoft.com/office/drawing/2014/main" id="{9A6C2C86-63BF-47D5-AA3F-905111A238E2}"/>
+              </a:ext>
+              <a:ext uri="{C183D7F6-B498-43B3-948B-1728B52AA6E4}">
+                <adec:decorative xmlns:adec="http://schemas.microsoft.com/office/drawing/2017/decorative" val="1"/>
+              </a:ext>
+            </a:extLst>
+          </p:cNvPr>
+          <p:cNvSpPr>
+            <a:spLocks noGrp="1" noRot="1" noChangeAspect="1" noMove="1" noResize="1" noEditPoints="1" noAdjustHandles="1" noChangeArrowheads="1" noChangeShapeType="1" noTextEdit="1"/>
+          </p:cNvSpPr>
+          <p:nvPr>
+            <p:extLst>
+              <p:ext uri="{386F3935-93C4-4BCD-93E2-E3B085C9AB24}">
+                <p16:designElem xmlns:p16="http://schemas.microsoft.com/office/powerpoint/2015/main" val="1"/>
+              </p:ext>
+            </p:extLst>
+          </p:nvPr>
+        </p:nvSpPr>
+        <p:spPr>
+          <a:xfrm>
+            <a:off x="0" y="0"/>
+            <a:ext cx="12192000" cy="6858000"/>
+          </a:xfrm>
+          <a:prstGeom prst="rect">
+            <a:avLst/>
+          </a:prstGeom>
+          <a:ln>
+            <a:noFill/>
+          </a:ln>
+        </p:spPr>
+        <p:style>
+          <a:lnRef idx="2">
+            <a:schemeClr val="accent1">
+              <a:shade val="50000"/>
+            </a:schemeClr>
+          </a:lnRef>
+          <a:fillRef idx="1">
+            <a:schemeClr val="accent1"/>
+          </a:fillRef>
+          <a:effectRef idx="0">
+            <a:schemeClr val="accent1"/>
+          </a:effectRef>
+          <a:fontRef idx="minor">
+            <a:schemeClr val="lt1"/>
+          </a:fontRef>
+        </p:style>
+        <p:txBody>
+          <a:bodyPr rtlCol="0" anchor="ctr"/>
+          <a:lstStyle/>
+          <a:p>
+            <a:pPr algn="ctr"/>
+            <a:endParaRPr lang="en-US"/>
+          </a:p>
+        </p:txBody>
+      </p:sp>
+      <p:sp>
+        <p:nvSpPr>
+          <p:cNvPr id="2" name="Başlık 1">
+            <a:extLst>
+              <a:ext uri="{FF2B5EF4-FFF2-40B4-BE49-F238E27FC236}">
+                <a16:creationId xmlns:a16="http://schemas.microsoft.com/office/drawing/2014/main" id="{0156A4BB-940A-D45F-952D-D659E5394E5B}"/>
+              </a:ext>
+            </a:extLst>
+          </p:cNvPr>
+          <p:cNvSpPr>
+            <a:spLocks noGrp="1"/>
+          </p:cNvSpPr>
+          <p:nvPr>
+            <p:ph type="title"/>
+          </p:nvPr>
+        </p:nvSpPr>
+        <p:spPr>
+          <a:xfrm>
+            <a:off x="834013" y="1115568"/>
+            <a:ext cx="3487616" cy="4626864"/>
+          </a:xfrm>
+        </p:spPr>
+        <p:txBody>
+          <a:bodyPr>
+            <a:normAutofit/>
+          </a:bodyPr>
+          <a:lstStyle/>
+          <a:p>
+            <a:pPr algn="l"/>
+            <a:r>
+              <a:rPr lang="en-US" sz="3100"/>
+              <a:t>Future implementations</a:t>
+            </a:r>
+          </a:p>
+        </p:txBody>
+      </p:sp>
+      <p:cxnSp>
+        <p:nvCxnSpPr>
+          <p:cNvPr id="10" name="Straight Connector 9">
+            <a:extLst>
+              <a:ext uri="{FF2B5EF4-FFF2-40B4-BE49-F238E27FC236}">
+                <a16:creationId xmlns:a16="http://schemas.microsoft.com/office/drawing/2014/main" id="{425A0768-3044-4AA9-A889-D2CAA68C517A}"/>
+              </a:ext>
+              <a:ext uri="{C183D7F6-B498-43B3-948B-1728B52AA6E4}">
+                <adec:decorative xmlns:adec="http://schemas.microsoft.com/office/drawing/2017/decorative" val="1"/>
+              </a:ext>
+            </a:extLst>
+          </p:cNvPr>
+          <p:cNvCxnSpPr>
+            <a:cxnSpLocks noGrp="1" noRot="1" noChangeAspect="1" noMove="1" noResize="1" noEditPoints="1" noAdjustHandles="1" noChangeArrowheads="1" noChangeShapeType="1"/>
+          </p:cNvCxnSpPr>
+          <p:nvPr>
+            <p:extLst>
+              <p:ext uri="{386F3935-93C4-4BCD-93E2-E3B085C9AB24}">
+                <p16:designElem xmlns:p16="http://schemas.microsoft.com/office/powerpoint/2015/main" val="1"/>
+              </p:ext>
+            </p:extLst>
+          </p:nvPr>
+        </p:nvCxnSpPr>
+        <p:spPr>
+          <a:xfrm>
+            <a:off x="4654605" y="2057400"/>
+            <a:ext cx="0" cy="2743200"/>
+          </a:xfrm>
+          <a:prstGeom prst="line">
+            <a:avLst/>
+          </a:prstGeom>
+          <a:ln w="19050">
+            <a:solidFill>
+              <a:schemeClr val="tx2"/>
+            </a:solidFill>
+          </a:ln>
+        </p:spPr>
+        <p:style>
+          <a:lnRef idx="1">
+            <a:schemeClr val="accent1"/>
+          </a:lnRef>
+          <a:fillRef idx="0">
+            <a:schemeClr val="accent1"/>
+          </a:fillRef>
+          <a:effectRef idx="0">
+            <a:schemeClr val="accent1"/>
+          </a:effectRef>
+          <a:fontRef idx="minor">
+            <a:schemeClr val="tx1"/>
+          </a:fontRef>
+        </p:style>
+      </p:cxnSp>
+      <p:sp>
+        <p:nvSpPr>
+          <p:cNvPr id="3" name="İçerik Yer Tutucusu 2">
+            <a:extLst>
+              <a:ext uri="{FF2B5EF4-FFF2-40B4-BE49-F238E27FC236}">
+                <a16:creationId xmlns:a16="http://schemas.microsoft.com/office/drawing/2014/main" id="{C46C0C0E-6C36-3332-D7B5-2A6E69D7AB3D}"/>
+              </a:ext>
+            </a:extLst>
+          </p:cNvPr>
+          <p:cNvSpPr>
+            <a:spLocks noGrp="1"/>
+          </p:cNvSpPr>
+          <p:nvPr>
+            <p:ph idx="1"/>
+          </p:nvPr>
+        </p:nvSpPr>
+        <p:spPr>
+          <a:xfrm>
+            <a:off x="5105398" y="1115568"/>
+            <a:ext cx="6245352" cy="4626864"/>
+          </a:xfrm>
+        </p:spPr>
+        <p:txBody>
+          <a:bodyPr anchor="ctr">
+            <a:normAutofit/>
+          </a:bodyPr>
+          <a:lstStyle/>
+          <a:p>
+            <a:endParaRPr lang="en-US"/>
+          </a:p>
+        </p:txBody>
+      </p:sp>
+    </p:spTree>
+    <p:extLst>
+      <p:ext uri="{BB962C8B-B14F-4D97-AF65-F5344CB8AC3E}">
+        <p14:creationId xmlns:p14="http://schemas.microsoft.com/office/powerpoint/2010/main" val="3985868732"/>
+      </p:ext>
+    </p:extLst>
+  </p:cSld>
+  <p:clrMapOvr>
+    <a:masterClrMapping/>
+  </p:clrMapOvr>
+</p:sld>
+</file>
+
+<file path=ppt/slides/slide9.xml><?xml version="1.0" encoding="utf-8"?>
+<p:sld xmlns:a="http://schemas.openxmlformats.org/drawingml/2006/main" xmlns:r="http://schemas.openxmlformats.org/officeDocument/2006/relationships" xmlns:p="http://schemas.openxmlformats.org/presentationml/2006/main">
+  <p:cSld>
+    <p:spTree>
+      <p:nvGrpSpPr>
+        <p:cNvPr id="1" name=""/>
+        <p:cNvGrpSpPr/>
+        <p:nvPr/>
+      </p:nvGrpSpPr>
+      <p:grpSpPr>
+        <a:xfrm>
+          <a:off x="0" y="0"/>
+          <a:ext cx="0" cy="0"/>
+          <a:chOff x="0" y="0"/>
+          <a:chExt cx="0" cy="0"/>
+        </a:xfrm>
+      </p:grpSpPr>
+      <p:sp>
+        <p:nvSpPr>
+          <p:cNvPr id="2" name="Başlık 1">
+            <a:extLst>
+              <a:ext uri="{FF2B5EF4-FFF2-40B4-BE49-F238E27FC236}">
+                <a16:creationId xmlns:a16="http://schemas.microsoft.com/office/drawing/2014/main" id="{0156A4BB-940A-D45F-952D-D659E5394E5B}"/>
+              </a:ext>
+            </a:extLst>
+          </p:cNvPr>
+          <p:cNvSpPr>
+            <a:spLocks noGrp="1"/>
+          </p:cNvSpPr>
+          <p:nvPr>
+            <p:ph type="title"/>
+          </p:nvPr>
+        </p:nvSpPr>
+        <p:spPr>
+          <a:xfrm>
+            <a:off x="834013" y="1115568"/>
+            <a:ext cx="3487616" cy="4626864"/>
+          </a:xfrm>
+        </p:spPr>
+        <p:txBody>
+          <a:bodyPr>
+            <a:normAutofit/>
+          </a:bodyPr>
+          <a:lstStyle/>
+          <a:p>
+            <a:pPr algn="l"/>
+            <a:r>
+              <a:rPr lang="en-US" sz="3600" dirty="0"/>
+              <a:t>Conclusion</a:t>
+            </a:r>
+          </a:p>
+        </p:txBody>
+      </p:sp>
+      <p:sp>
+        <p:nvSpPr>
+          <p:cNvPr id="3" name="İçerik Yer Tutucusu 2">
+            <a:extLst>
+              <a:ext uri="{FF2B5EF4-FFF2-40B4-BE49-F238E27FC236}">
+                <a16:creationId xmlns:a16="http://schemas.microsoft.com/office/drawing/2014/main" id="{C46C0C0E-6C36-3332-D7B5-2A6E69D7AB3D}"/>
+              </a:ext>
+            </a:extLst>
+          </p:cNvPr>
+          <p:cNvSpPr>
+            <a:spLocks noGrp="1"/>
+          </p:cNvSpPr>
+          <p:nvPr>
+            <p:ph idx="1"/>
+          </p:nvPr>
+        </p:nvSpPr>
+        <p:spPr>
+          <a:xfrm>
+            <a:off x="5105398" y="1115568"/>
+            <a:ext cx="6245352" cy="4626864"/>
+          </a:xfrm>
+        </p:spPr>
+        <p:txBody>
+          <a:bodyPr anchor="ctr">
+            <a:normAutofit/>
+          </a:bodyPr>
+          <a:lstStyle/>
+          <a:p>
+            <a:endParaRPr lang="en-US"/>
+          </a:p>
+        </p:txBody>
+      </p:sp>
+    </p:spTree>
+    <p:extLst>
+      <p:ext uri="{BB962C8B-B14F-4D97-AF65-F5344CB8AC3E}">
+        <p14:creationId xmlns:p14="http://schemas.microsoft.com/office/powerpoint/2010/main" val="3032394955"/>
+      </p:ext>
+    </p:extLst>
+  </p:cSld>
+  <p:clrMapOvr>
+    <a:masterClrMapping/>
+  </p:clrMapOvr>
+</p:sld>
+</file>
+
 <file path=ppt/theme/theme1.xml><?xml version="1.0" encoding="utf-8"?>
 <a:theme xmlns:a="http://schemas.openxmlformats.org/drawingml/2006/main" name="SlateVTI">
   <a:themeElements>

--- a/final/final.pptx
+++ b/final/final.pptx
@@ -12,9 +12,11 @@
     <p:sldId id="259" r:id="rId6"/>
     <p:sldId id="264" r:id="rId7"/>
     <p:sldId id="260" r:id="rId8"/>
-    <p:sldId id="261" r:id="rId9"/>
-    <p:sldId id="262" r:id="rId10"/>
-    <p:sldId id="263" r:id="rId11"/>
+    <p:sldId id="266" r:id="rId9"/>
+    <p:sldId id="267" r:id="rId10"/>
+    <p:sldId id="261" r:id="rId11"/>
+    <p:sldId id="262" r:id="rId12"/>
+    <p:sldId id="263" r:id="rId13"/>
   </p:sldIdLst>
   <p:sldSz cx="12192000" cy="6858000"/>
   <p:notesSz cx="6858000" cy="9144000"/>
@@ -306,7 +308,7 @@
           <a:p>
             <a:fld id="{88D38747-4367-4BD2-8D51-C97E202738E2}" type="datetime1">
               <a:rPr lang="en-US" smtClean="0"/>
-              <a:t>5/7/2024</a:t>
+              <a:t>5/8/2024</a:t>
             </a:fld>
             <a:endParaRPr lang="en-US" dirty="0"/>
           </a:p>
@@ -611,7 +613,7 @@
           <a:p>
             <a:fld id="{11F1B079-7EF0-44EE-B798-BCC497C9F3B2}" type="datetime1">
               <a:rPr lang="en-US" smtClean="0"/>
-              <a:t>5/7/2024</a:t>
+              <a:t>5/8/2024</a:t>
             </a:fld>
             <a:endParaRPr lang="en-US" dirty="0"/>
           </a:p>
@@ -805,7 +807,7 @@
           <a:p>
             <a:fld id="{28FF70A8-1D13-4657-95F0-A9EA54967B8D}" type="datetime1">
               <a:rPr lang="en-US" smtClean="0"/>
-              <a:t>5/7/2024</a:t>
+              <a:t>5/8/2024</a:t>
             </a:fld>
             <a:endParaRPr lang="en-US" dirty="0"/>
           </a:p>
@@ -1068,7 +1070,7 @@
           <a:p>
             <a:fld id="{21EB90AC-71BD-4C7F-8ACA-7B3F18292E63}" type="datetime1">
               <a:rPr lang="en-US" smtClean="0"/>
-              <a:t>5/7/2024</a:t>
+              <a:t>5/8/2024</a:t>
             </a:fld>
             <a:endParaRPr lang="en-US" dirty="0"/>
           </a:p>
@@ -1504,7 +1506,7 @@
           <a:p>
             <a:fld id="{4E6EFC2C-8905-46F0-B443-CE905B76BA01}" type="datetime1">
               <a:rPr lang="en-US" smtClean="0"/>
-              <a:t>5/7/2024</a:t>
+              <a:t>5/8/2024</a:t>
             </a:fld>
             <a:endParaRPr lang="en-US" dirty="0"/>
           </a:p>
@@ -2041,7 +2043,7 @@
           <a:p>
             <a:fld id="{D9079DC3-C9B5-499E-9140-0DC28B7074E2}" type="datetime1">
               <a:rPr lang="en-US" smtClean="0"/>
-              <a:t>5/7/2024</a:t>
+              <a:t>5/8/2024</a:t>
             </a:fld>
             <a:endParaRPr lang="en-US" dirty="0"/>
           </a:p>
@@ -2923,7 +2925,7 @@
           <a:p>
             <a:fld id="{30BB33EA-E472-4D22-9C03-A9C14AA21CED}" type="datetime1">
               <a:rPr lang="en-US" smtClean="0"/>
-              <a:t>5/7/2024</a:t>
+              <a:t>5/8/2024</a:t>
             </a:fld>
             <a:endParaRPr lang="en-US" dirty="0"/>
           </a:p>
@@ -3093,7 +3095,7 @@
           <a:p>
             <a:fld id="{217E833E-1B6D-415F-AD29-75AE8C43BD0D}" type="datetime1">
               <a:rPr lang="en-US" smtClean="0"/>
-              <a:t>5/7/2024</a:t>
+              <a:t>5/8/2024</a:t>
             </a:fld>
             <a:endParaRPr lang="en-US" dirty="0"/>
           </a:p>
@@ -3277,7 +3279,7 @@
           <a:p>
             <a:fld id="{8452596F-08A7-4B70-989A-F2B1CF31E66B}" type="datetime1">
               <a:rPr lang="en-US" smtClean="0"/>
-              <a:t>5/7/2024</a:t>
+              <a:t>5/8/2024</a:t>
             </a:fld>
             <a:endParaRPr lang="en-US" dirty="0"/>
           </a:p>
@@ -3447,7 +3449,7 @@
           <a:p>
             <a:fld id="{73C55A3C-5767-4844-A0A3-83778C2E5409}" type="datetime1">
               <a:rPr lang="en-US" smtClean="0"/>
-              <a:t>5/7/2024</a:t>
+              <a:t>5/8/2024</a:t>
             </a:fld>
             <a:endParaRPr lang="en-US" dirty="0"/>
           </a:p>
@@ -3691,7 +3693,7 @@
           <a:p>
             <a:fld id="{CAE507A8-A5CF-4D38-AB86-7EDDA87A85D4}" type="datetime1">
               <a:rPr lang="en-US" smtClean="0"/>
-              <a:t>5/7/2024</a:t>
+              <a:t>5/8/2024</a:t>
             </a:fld>
             <a:endParaRPr lang="en-US" dirty="0"/>
           </a:p>
@@ -3933,7 +3935,7 @@
           <a:p>
             <a:fld id="{BDFCD27C-8599-43EF-BA1D-14DDC1946E06}" type="datetime1">
               <a:rPr lang="en-US" smtClean="0"/>
-              <a:t>5/7/2024</a:t>
+              <a:t>5/8/2024</a:t>
             </a:fld>
             <a:endParaRPr lang="en-US" dirty="0"/>
           </a:p>
@@ -4414,7 +4416,7 @@
           <a:p>
             <a:fld id="{49343D99-809A-49C0-96E5-4250D0B498EE}" type="datetime1">
               <a:rPr lang="en-US" smtClean="0"/>
-              <a:t>5/7/2024</a:t>
+              <a:t>5/8/2024</a:t>
             </a:fld>
             <a:endParaRPr lang="en-US" dirty="0"/>
           </a:p>
@@ -4532,7 +4534,7 @@
           <a:p>
             <a:fld id="{A143DE9B-B678-4EFB-BB7D-A4370204A0B0}" type="datetime1">
               <a:rPr lang="en-US" smtClean="0"/>
-              <a:t>5/7/2024</a:t>
+              <a:t>5/8/2024</a:t>
             </a:fld>
             <a:endParaRPr lang="en-US" dirty="0"/>
           </a:p>
@@ -4627,7 +4629,7 @@
           <a:p>
             <a:fld id="{E68812DA-F765-4142-A6A3-A8ED7235E082}" type="datetime1">
               <a:rPr lang="en-US" smtClean="0"/>
-              <a:t>5/7/2024</a:t>
+              <a:t>5/8/2024</a:t>
             </a:fld>
             <a:endParaRPr lang="en-US" dirty="0"/>
           </a:p>
@@ -4882,7 +4884,7 @@
           <a:p>
             <a:fld id="{3E0277FD-7DE6-41D4-930D-AC99F5AFE54E}" type="datetime1">
               <a:rPr lang="en-US" smtClean="0"/>
-              <a:t>5/7/2024</a:t>
+              <a:t>5/8/2024</a:t>
             </a:fld>
             <a:endParaRPr lang="en-US" dirty="0"/>
           </a:p>
@@ -5189,7 +5191,7 @@
           <a:p>
             <a:fld id="{9EA15526-7079-4B7B-987C-1B5FAE11A0FF}" type="datetime1">
               <a:rPr lang="en-US" smtClean="0"/>
-              <a:t>5/7/2024</a:t>
+              <a:t>5/8/2024</a:t>
             </a:fld>
             <a:endParaRPr lang="en-US" dirty="0"/>
           </a:p>
@@ -5424,7 +5426,7 @@
           <a:p>
             <a:fld id="{073ED0CC-082F-4160-86E5-0D6041F12778}" type="datetime1">
               <a:rPr lang="en-US" smtClean="0"/>
-              <a:t>5/7/2024</a:t>
+              <a:t>5/8/2024</a:t>
             </a:fld>
             <a:endParaRPr lang="en-US" dirty="0"/>
           </a:p>
@@ -6687,6 +6689,345 @@
           <a:chExt cx="0" cy="0"/>
         </a:xfrm>
       </p:grpSpPr>
+      <p:sp useBgFill="1">
+        <p:nvSpPr>
+          <p:cNvPr id="8" name="Rectangle 7">
+            <a:extLst>
+              <a:ext uri="{FF2B5EF4-FFF2-40B4-BE49-F238E27FC236}">
+                <a16:creationId xmlns:a16="http://schemas.microsoft.com/office/drawing/2014/main" id="{9A6C2C86-63BF-47D5-AA3F-905111A238E2}"/>
+              </a:ext>
+              <a:ext uri="{C183D7F6-B498-43B3-948B-1728B52AA6E4}">
+                <adec:decorative xmlns:adec="http://schemas.microsoft.com/office/drawing/2017/decorative" val="1"/>
+              </a:ext>
+            </a:extLst>
+          </p:cNvPr>
+          <p:cNvSpPr>
+            <a:spLocks noGrp="1" noRot="1" noChangeAspect="1" noMove="1" noResize="1" noEditPoints="1" noAdjustHandles="1" noChangeArrowheads="1" noChangeShapeType="1" noTextEdit="1"/>
+          </p:cNvSpPr>
+          <p:nvPr>
+            <p:extLst>
+              <p:ext uri="{386F3935-93C4-4BCD-93E2-E3B085C9AB24}">
+                <p16:designElem xmlns:p16="http://schemas.microsoft.com/office/powerpoint/2015/main" val="1"/>
+              </p:ext>
+            </p:extLst>
+          </p:nvPr>
+        </p:nvSpPr>
+        <p:spPr>
+          <a:xfrm>
+            <a:off x="0" y="0"/>
+            <a:ext cx="12192000" cy="6858000"/>
+          </a:xfrm>
+          <a:prstGeom prst="rect">
+            <a:avLst/>
+          </a:prstGeom>
+          <a:ln>
+            <a:noFill/>
+          </a:ln>
+        </p:spPr>
+        <p:style>
+          <a:lnRef idx="2">
+            <a:schemeClr val="accent1">
+              <a:shade val="50000"/>
+            </a:schemeClr>
+          </a:lnRef>
+          <a:fillRef idx="1">
+            <a:schemeClr val="accent1"/>
+          </a:fillRef>
+          <a:effectRef idx="0">
+            <a:schemeClr val="accent1"/>
+          </a:effectRef>
+          <a:fontRef idx="minor">
+            <a:schemeClr val="lt1"/>
+          </a:fontRef>
+        </p:style>
+        <p:txBody>
+          <a:bodyPr rtlCol="0" anchor="ctr"/>
+          <a:lstStyle/>
+          <a:p>
+            <a:pPr algn="ctr"/>
+            <a:endParaRPr lang="en-US"/>
+          </a:p>
+        </p:txBody>
+      </p:sp>
+      <p:sp>
+        <p:nvSpPr>
+          <p:cNvPr id="2" name="Başlık 1">
+            <a:extLst>
+              <a:ext uri="{FF2B5EF4-FFF2-40B4-BE49-F238E27FC236}">
+                <a16:creationId xmlns:a16="http://schemas.microsoft.com/office/drawing/2014/main" id="{0156A4BB-940A-D45F-952D-D659E5394E5B}"/>
+              </a:ext>
+            </a:extLst>
+          </p:cNvPr>
+          <p:cNvSpPr>
+            <a:spLocks noGrp="1"/>
+          </p:cNvSpPr>
+          <p:nvPr>
+            <p:ph type="title"/>
+          </p:nvPr>
+        </p:nvSpPr>
+        <p:spPr>
+          <a:xfrm>
+            <a:off x="243194" y="173736"/>
+            <a:ext cx="7393017" cy="941832"/>
+          </a:xfrm>
+        </p:spPr>
+        <p:txBody>
+          <a:bodyPr>
+            <a:normAutofit fontScale="90000"/>
+          </a:bodyPr>
+          <a:lstStyle/>
+          <a:p>
+            <a:pPr algn="l"/>
+            <a:r>
+              <a:rPr lang="en-US" sz="4800" dirty="0"/>
+              <a:t>Future implementations</a:t>
+            </a:r>
+          </a:p>
+        </p:txBody>
+      </p:sp>
+      <p:cxnSp>
+        <p:nvCxnSpPr>
+          <p:cNvPr id="10" name="Straight Connector 9">
+            <a:extLst>
+              <a:ext uri="{FF2B5EF4-FFF2-40B4-BE49-F238E27FC236}">
+                <a16:creationId xmlns:a16="http://schemas.microsoft.com/office/drawing/2014/main" id="{425A0768-3044-4AA9-A889-D2CAA68C517A}"/>
+              </a:ext>
+              <a:ext uri="{C183D7F6-B498-43B3-948B-1728B52AA6E4}">
+                <adec:decorative xmlns:adec="http://schemas.microsoft.com/office/drawing/2017/decorative" val="1"/>
+              </a:ext>
+            </a:extLst>
+          </p:cNvPr>
+          <p:cNvCxnSpPr>
+            <a:cxnSpLocks noGrp="1" noRot="1" noChangeAspect="1" noMove="1" noResize="1" noEditPoints="1" noAdjustHandles="1" noChangeArrowheads="1" noChangeShapeType="1"/>
+          </p:cNvCxnSpPr>
+          <p:nvPr>
+            <p:extLst>
+              <p:ext uri="{386F3935-93C4-4BCD-93E2-E3B085C9AB24}">
+                <p16:designElem xmlns:p16="http://schemas.microsoft.com/office/powerpoint/2015/main" val="1"/>
+              </p:ext>
+            </p:extLst>
+          </p:nvPr>
+        </p:nvCxnSpPr>
+        <p:spPr>
+          <a:xfrm>
+            <a:off x="4654605" y="2057400"/>
+            <a:ext cx="0" cy="2743200"/>
+          </a:xfrm>
+          <a:prstGeom prst="line">
+            <a:avLst/>
+          </a:prstGeom>
+          <a:ln w="19050">
+            <a:solidFill>
+              <a:schemeClr val="tx2"/>
+            </a:solidFill>
+          </a:ln>
+        </p:spPr>
+        <p:style>
+          <a:lnRef idx="1">
+            <a:schemeClr val="accent1"/>
+          </a:lnRef>
+          <a:fillRef idx="0">
+            <a:schemeClr val="accent1"/>
+          </a:fillRef>
+          <a:effectRef idx="0">
+            <a:schemeClr val="accent1"/>
+          </a:effectRef>
+          <a:fontRef idx="minor">
+            <a:schemeClr val="tx1"/>
+          </a:fontRef>
+        </p:style>
+      </p:cxnSp>
+      <p:sp>
+        <p:nvSpPr>
+          <p:cNvPr id="3" name="İçerik Yer Tutucusu 2">
+            <a:extLst>
+              <a:ext uri="{FF2B5EF4-FFF2-40B4-BE49-F238E27FC236}">
+                <a16:creationId xmlns:a16="http://schemas.microsoft.com/office/drawing/2014/main" id="{C46C0C0E-6C36-3332-D7B5-2A6E69D7AB3D}"/>
+              </a:ext>
+            </a:extLst>
+          </p:cNvPr>
+          <p:cNvSpPr>
+            <a:spLocks noGrp="1"/>
+          </p:cNvSpPr>
+          <p:nvPr>
+            <p:ph idx="1"/>
+          </p:nvPr>
+        </p:nvSpPr>
+        <p:spPr>
+          <a:xfrm>
+            <a:off x="5105398" y="1115568"/>
+            <a:ext cx="6245352" cy="4626864"/>
+          </a:xfrm>
+        </p:spPr>
+        <p:txBody>
+          <a:bodyPr anchor="ctr">
+            <a:normAutofit/>
+          </a:bodyPr>
+          <a:lstStyle/>
+          <a:p>
+            <a:r>
+              <a:rPr lang="tr-TR" dirty="0" err="1"/>
+              <a:t>Kuntz</a:t>
+            </a:r>
+            <a:r>
+              <a:rPr lang="tr-TR" dirty="0"/>
+              <a:t> </a:t>
+            </a:r>
+            <a:r>
+              <a:rPr lang="tr-TR" dirty="0" err="1"/>
+              <a:t>Paper</a:t>
+            </a:r>
+            <a:endParaRPr lang="en-US" dirty="0"/>
+          </a:p>
+        </p:txBody>
+      </p:sp>
+    </p:spTree>
+    <p:extLst>
+      <p:ext uri="{BB962C8B-B14F-4D97-AF65-F5344CB8AC3E}">
+        <p14:creationId xmlns:p14="http://schemas.microsoft.com/office/powerpoint/2010/main" val="3985868732"/>
+      </p:ext>
+    </p:extLst>
+  </p:cSld>
+  <p:clrMapOvr>
+    <a:masterClrMapping/>
+  </p:clrMapOvr>
+</p:sld>
+</file>
+
+<file path=ppt/slides/slide11.xml><?xml version="1.0" encoding="utf-8"?>
+<p:sld xmlns:a="http://schemas.openxmlformats.org/drawingml/2006/main" xmlns:r="http://schemas.openxmlformats.org/officeDocument/2006/relationships" xmlns:p="http://schemas.openxmlformats.org/presentationml/2006/main">
+  <p:cSld>
+    <p:spTree>
+      <p:nvGrpSpPr>
+        <p:cNvPr id="1" name=""/>
+        <p:cNvGrpSpPr/>
+        <p:nvPr/>
+      </p:nvGrpSpPr>
+      <p:grpSpPr>
+        <a:xfrm>
+          <a:off x="0" y="0"/>
+          <a:ext cx="0" cy="0"/>
+          <a:chOff x="0" y="0"/>
+          <a:chExt cx="0" cy="0"/>
+        </a:xfrm>
+      </p:grpSpPr>
+      <p:sp>
+        <p:nvSpPr>
+          <p:cNvPr id="2" name="Başlık 1">
+            <a:extLst>
+              <a:ext uri="{FF2B5EF4-FFF2-40B4-BE49-F238E27FC236}">
+                <a16:creationId xmlns:a16="http://schemas.microsoft.com/office/drawing/2014/main" id="{0156A4BB-940A-D45F-952D-D659E5394E5B}"/>
+              </a:ext>
+            </a:extLst>
+          </p:cNvPr>
+          <p:cNvSpPr>
+            <a:spLocks noGrp="1"/>
+          </p:cNvSpPr>
+          <p:nvPr>
+            <p:ph type="title"/>
+          </p:nvPr>
+        </p:nvSpPr>
+        <p:spPr>
+          <a:xfrm>
+            <a:off x="834013" y="1115568"/>
+            <a:ext cx="3487616" cy="4626864"/>
+          </a:xfrm>
+        </p:spPr>
+        <p:txBody>
+          <a:bodyPr>
+            <a:normAutofit/>
+          </a:bodyPr>
+          <a:lstStyle/>
+          <a:p>
+            <a:pPr algn="l"/>
+            <a:r>
+              <a:rPr lang="en-US" sz="3600" dirty="0"/>
+              <a:t>Conclusion</a:t>
+            </a:r>
+          </a:p>
+        </p:txBody>
+      </p:sp>
+      <p:sp>
+        <p:nvSpPr>
+          <p:cNvPr id="3" name="İçerik Yer Tutucusu 2">
+            <a:extLst>
+              <a:ext uri="{FF2B5EF4-FFF2-40B4-BE49-F238E27FC236}">
+                <a16:creationId xmlns:a16="http://schemas.microsoft.com/office/drawing/2014/main" id="{C46C0C0E-6C36-3332-D7B5-2A6E69D7AB3D}"/>
+              </a:ext>
+            </a:extLst>
+          </p:cNvPr>
+          <p:cNvSpPr>
+            <a:spLocks noGrp="1"/>
+          </p:cNvSpPr>
+          <p:nvPr>
+            <p:ph idx="1"/>
+          </p:nvPr>
+        </p:nvSpPr>
+        <p:spPr>
+          <a:xfrm>
+            <a:off x="5105398" y="1115568"/>
+            <a:ext cx="6245352" cy="4626864"/>
+          </a:xfrm>
+        </p:spPr>
+        <p:txBody>
+          <a:bodyPr anchor="ctr">
+            <a:normAutofit/>
+          </a:bodyPr>
+          <a:lstStyle/>
+          <a:p>
+            <a:endParaRPr lang="en-US"/>
+          </a:p>
+        </p:txBody>
+      </p:sp>
+    </p:spTree>
+    <p:extLst>
+      <p:ext uri="{BB962C8B-B14F-4D97-AF65-F5344CB8AC3E}">
+        <p14:creationId xmlns:p14="http://schemas.microsoft.com/office/powerpoint/2010/main" val="3032394955"/>
+      </p:ext>
+    </p:extLst>
+  </p:cSld>
+  <p:clrMapOvr>
+    <a:masterClrMapping/>
+  </p:clrMapOvr>
+</p:sld>
+</file>
+
+<file path=ppt/slides/slide12.xml><?xml version="1.0" encoding="utf-8"?>
+<p:sld xmlns:a="http://schemas.openxmlformats.org/drawingml/2006/main" xmlns:r="http://schemas.openxmlformats.org/officeDocument/2006/relationships" xmlns:p="http://schemas.openxmlformats.org/presentationml/2006/main">
+  <p:cSld>
+    <p:bg>
+      <p:bgPr>
+        <a:blipFill rotWithShape="1">
+          <a:blip r:embed="rId2">
+            <a:duotone>
+              <a:schemeClr val="bg1">
+                <a:shade val="80000"/>
+                <a:lumMod val="80000"/>
+              </a:schemeClr>
+              <a:schemeClr val="bg1">
+                <a:tint val="98000"/>
+              </a:schemeClr>
+            </a:duotone>
+          </a:blip>
+          <a:stretch/>
+        </a:blipFill>
+        <a:effectLst/>
+      </p:bgPr>
+    </p:bg>
+    <p:spTree>
+      <p:nvGrpSpPr>
+        <p:cNvPr id="1" name=""/>
+        <p:cNvGrpSpPr/>
+        <p:nvPr/>
+      </p:nvGrpSpPr>
+      <p:grpSpPr>
+        <a:xfrm>
+          <a:off x="0" y="0"/>
+          <a:ext cx="0" cy="0"/>
+          <a:chOff x="0" y="0"/>
+          <a:chExt cx="0" cy="0"/>
+        </a:xfrm>
+      </p:grpSpPr>
       <p:sp>
         <p:nvSpPr>
           <p:cNvPr id="22" name="Rectangle 15">
@@ -7259,13 +7600,8 @@
           <a:p>
             <a:r>
               <a:rPr lang="en-US" dirty="0"/>
-              <a:t>Future </a:t>
-            </a:r>
-            <a:r>
-              <a:rPr lang="tr-TR" dirty="0" err="1"/>
-              <a:t>direction</a:t>
-            </a:r>
-            <a:endParaRPr lang="en-US" dirty="0"/>
+              <a:t>Future direction</a:t>
+            </a:r>
           </a:p>
           <a:p>
             <a:r>
@@ -7329,10 +7665,10 @@
       </p:grpSpPr>
       <p:sp useBgFill="1">
         <p:nvSpPr>
-          <p:cNvPr id="14" name="Rectangle 7">
+          <p:cNvPr id="21" name="Rectangle 20">
             <a:extLst>
               <a:ext uri="{FF2B5EF4-FFF2-40B4-BE49-F238E27FC236}">
-                <a16:creationId xmlns:a16="http://schemas.microsoft.com/office/drawing/2014/main" id="{9A6C2C86-63BF-47D5-AA3F-905111A238E2}"/>
+                <a16:creationId xmlns:a16="http://schemas.microsoft.com/office/drawing/2014/main" id="{D98318E6-69F4-42F4-AB85-F01AA0DAF3A4}"/>
               </a:ext>
               <a:ext uri="{C183D7F6-B498-43B3-948B-1728B52AA6E4}">
                 <adec:decorative xmlns:adec="http://schemas.microsoft.com/office/drawing/2017/decorative" val="1"/>
@@ -7405,8 +7741,8 @@
         </p:nvSpPr>
         <p:spPr>
           <a:xfrm>
-            <a:off x="834013" y="1115568"/>
-            <a:ext cx="3487616" cy="4626864"/>
+            <a:off x="5146160" y="609599"/>
+            <a:ext cx="5978072" cy="1505804"/>
           </a:xfrm>
         </p:spPr>
         <p:txBody>
@@ -7415,29 +7751,57 @@
           </a:bodyPr>
           <a:lstStyle/>
           <a:p>
-            <a:pPr algn="l"/>
-            <a:r>
-              <a:rPr lang="en-US" sz="3600"/>
+            <a:r>
+              <a:rPr lang="en-US" sz="3700"/>
               <a:t>Spontaneous oscillations in Astrocytes</a:t>
             </a:r>
           </a:p>
         </p:txBody>
       </p:sp>
-      <p:cxnSp>
-        <p:nvCxnSpPr>
-          <p:cNvPr id="15" name="Straight Connector 9">
+      <p:pic>
+        <p:nvPicPr>
+          <p:cNvPr id="17" name="Picture 16" descr="Neuron system in 3D rendering">
             <a:extLst>
               <a:ext uri="{FF2B5EF4-FFF2-40B4-BE49-F238E27FC236}">
-                <a16:creationId xmlns:a16="http://schemas.microsoft.com/office/drawing/2014/main" id="{425A0768-3044-4AA9-A889-D2CAA68C517A}"/>
+                <a16:creationId xmlns:a16="http://schemas.microsoft.com/office/drawing/2014/main" id="{84B1A9D4-BD59-CB50-8C38-30BC0A7FA401}"/>
+              </a:ext>
+            </a:extLst>
+          </p:cNvPr>
+          <p:cNvPicPr>
+            <a:picLocks noChangeAspect="1"/>
+          </p:cNvPicPr>
+          <p:nvPr/>
+        </p:nvPicPr>
+        <p:blipFill rotWithShape="1">
+          <a:blip r:embed="rId3"/>
+          <a:srcRect l="35443" r="19393" b="-1"/>
+          <a:stretch/>
+        </p:blipFill>
+        <p:spPr>
+          <a:xfrm>
+            <a:off x="-10649" y="1"/>
+            <a:ext cx="4571649" cy="6858000"/>
+          </a:xfrm>
+          <a:prstGeom prst="rect">
+            <a:avLst/>
+          </a:prstGeom>
+        </p:spPr>
+      </p:pic>
+      <p:pic>
+        <p:nvPicPr>
+          <p:cNvPr id="23" name="Picture 22">
+            <a:extLst>
+              <a:ext uri="{FF2B5EF4-FFF2-40B4-BE49-F238E27FC236}">
+                <a16:creationId xmlns:a16="http://schemas.microsoft.com/office/drawing/2014/main" id="{559DF61F-9058-49C9-8F75-DC501F983B0E}"/>
               </a:ext>
               <a:ext uri="{C183D7F6-B498-43B3-948B-1728B52AA6E4}">
                 <adec:decorative xmlns:adec="http://schemas.microsoft.com/office/drawing/2017/decorative" val="1"/>
               </a:ext>
             </a:extLst>
           </p:cNvPr>
-          <p:cNvCxnSpPr>
-            <a:cxnSpLocks noGrp="1" noRot="1" noChangeAspect="1" noMove="1" noResize="1" noEditPoints="1" noAdjustHandles="1" noChangeArrowheads="1" noChangeShapeType="1"/>
-          </p:cNvCxnSpPr>
+          <p:cNvPicPr>
+            <a:picLocks noGrp="1" noRot="1" noChangeAspect="1" noMove="1" noResize="1" noEditPoints="1" noAdjustHandles="1" noChangeArrowheads="1" noChangeShapeType="1" noCrop="1"/>
+          </p:cNvPicPr>
           <p:nvPr>
             <p:extLst>
               <p:ext uri="{386F3935-93C4-4BCD-93E2-E3B085C9AB24}">
@@ -7445,36 +7809,28 @@
               </p:ext>
             </p:extLst>
           </p:nvPr>
-        </p:nvCxnSpPr>
-        <p:spPr>
-          <a:xfrm>
-            <a:off x="4654605" y="2057400"/>
-            <a:ext cx="0" cy="2743200"/>
-          </a:xfrm>
-          <a:prstGeom prst="line">
+        </p:nvPicPr>
+        <p:blipFill rotWithShape="1">
+          <a:blip r:embed="rId4">
+            <a:extLst>
+              <a:ext uri="{28A0092B-C50C-407E-A947-70E740481C1C}">
+                <a14:useLocalDpi xmlns:a14="http://schemas.microsoft.com/office/drawing/2010/main" val="0"/>
+              </a:ext>
+            </a:extLst>
+          </a:blip>
+          <a:srcRect t="964" r="2807" b="1446"/>
+          <a:stretch/>
+        </p:blipFill>
+        <p:spPr>
+          <a:xfrm>
+            <a:off x="-10649" y="1"/>
+            <a:ext cx="4690532" cy="6858000"/>
+          </a:xfrm>
+          <a:prstGeom prst="rect">
             <a:avLst/>
           </a:prstGeom>
-          <a:ln w="19050">
-            <a:solidFill>
-              <a:schemeClr val="tx2"/>
-            </a:solidFill>
-          </a:ln>
-        </p:spPr>
-        <p:style>
-          <a:lnRef idx="1">
-            <a:schemeClr val="accent1"/>
-          </a:lnRef>
-          <a:fillRef idx="0">
-            <a:schemeClr val="accent1"/>
-          </a:fillRef>
-          <a:effectRef idx="0">
-            <a:schemeClr val="accent1"/>
-          </a:effectRef>
-          <a:fontRef idx="minor">
-            <a:schemeClr val="tx1"/>
-          </a:fontRef>
-        </p:style>
-      </p:cxnSp>
+        </p:spPr>
+      </p:pic>
       <p:sp>
         <p:nvSpPr>
           <p:cNvPr id="3" name="İçerik Yer Tutucusu 2">
@@ -7493,8 +7849,8 @@
         </p:nvSpPr>
         <p:spPr>
           <a:xfrm>
-            <a:off x="5105398" y="1115568"/>
-            <a:ext cx="6245352" cy="4626864"/>
+            <a:off x="5146160" y="2286000"/>
+            <a:ext cx="5978072" cy="3477088"/>
           </a:xfrm>
         </p:spPr>
         <p:txBody>
@@ -7508,10 +7864,10 @@
               <a:buChar char="•"/>
             </a:pPr>
             <a:r>
-              <a:rPr lang="en-US" sz="2000" dirty="0"/>
+              <a:rPr lang="en-US"/>
               <a:t>Brief Overview:</a:t>
             </a:r>
-            <a:endParaRPr lang="tr-TR" sz="2000" dirty="0"/>
+            <a:endParaRPr lang="tr-TR"/>
           </a:p>
           <a:p>
             <a:pPr lvl="1">
@@ -7519,7 +7875,7 @@
               <a:buChar char="•"/>
             </a:pPr>
             <a:r>
-              <a:rPr lang="en-US" sz="1800" dirty="0"/>
+              <a:rPr lang="en-US"/>
               <a:t>Astrocytes: Often overlooked, but crucial support cells in the brain.</a:t>
             </a:r>
           </a:p>
@@ -7529,10 +7885,10 @@
               <a:buChar char="•"/>
             </a:pPr>
             <a:r>
-              <a:rPr lang="en-US" sz="1800" dirty="0"/>
+              <a:rPr lang="en-US"/>
               <a:t>Spontaneous Oscillations: Intriguing rhythmic patterns in astrocyte activity.</a:t>
             </a:r>
-            <a:endParaRPr lang="tr-TR" sz="1800" dirty="0"/>
+            <a:endParaRPr lang="tr-TR"/>
           </a:p>
           <a:p>
             <a:pPr lvl="1">
@@ -7540,7 +7896,7 @@
               <a:buChar char="•"/>
             </a:pPr>
             <a:r>
-              <a:rPr lang="en-US" sz="1800" dirty="0"/>
+              <a:rPr lang="en-US"/>
               <a:t>Understanding astrocytic oscillations can unravel mysteries surrounding neural network behavior and information processing in the brain.</a:t>
             </a:r>
           </a:p>
@@ -7568,6 +7924,25 @@
 <file path=ppt/slides/slide4.xml><?xml version="1.0" encoding="utf-8"?>
 <p:sld xmlns:a="http://schemas.openxmlformats.org/drawingml/2006/main" xmlns:r="http://schemas.openxmlformats.org/officeDocument/2006/relationships" xmlns:p="http://schemas.openxmlformats.org/presentationml/2006/main">
   <p:cSld>
+    <p:bg>
+      <p:bgPr>
+        <a:blipFill rotWithShape="1">
+          <a:blip r:embed="rId2">
+            <a:duotone>
+              <a:schemeClr val="bg1">
+                <a:shade val="80000"/>
+                <a:lumMod val="80000"/>
+              </a:schemeClr>
+              <a:schemeClr val="bg1">
+                <a:tint val="98000"/>
+              </a:schemeClr>
+            </a:duotone>
+          </a:blip>
+          <a:stretch/>
+        </a:blipFill>
+        <a:effectLst/>
+      </p:bgPr>
+    </p:bg>
     <p:spTree>
       <p:nvGrpSpPr>
         <p:cNvPr id="1" name=""/>
@@ -7582,6 +7957,66 @@
           <a:chExt cx="0" cy="0"/>
         </a:xfrm>
       </p:grpSpPr>
+      <p:sp useBgFill="1">
+        <p:nvSpPr>
+          <p:cNvPr id="9" name="Rectangle 8">
+            <a:extLst>
+              <a:ext uri="{FF2B5EF4-FFF2-40B4-BE49-F238E27FC236}">
+                <a16:creationId xmlns:a16="http://schemas.microsoft.com/office/drawing/2014/main" id="{D98318E6-69F4-42F4-AB85-F01AA0DAF3A4}"/>
+              </a:ext>
+              <a:ext uri="{C183D7F6-B498-43B3-948B-1728B52AA6E4}">
+                <adec:decorative xmlns:adec="http://schemas.microsoft.com/office/drawing/2017/decorative" val="1"/>
+              </a:ext>
+            </a:extLst>
+          </p:cNvPr>
+          <p:cNvSpPr>
+            <a:spLocks noGrp="1" noRot="1" noChangeAspect="1" noMove="1" noResize="1" noEditPoints="1" noAdjustHandles="1" noChangeArrowheads="1" noChangeShapeType="1" noTextEdit="1"/>
+          </p:cNvSpPr>
+          <p:nvPr>
+            <p:extLst>
+              <p:ext uri="{386F3935-93C4-4BCD-93E2-E3B085C9AB24}">
+                <p16:designElem xmlns:p16="http://schemas.microsoft.com/office/powerpoint/2015/main" val="1"/>
+              </p:ext>
+            </p:extLst>
+          </p:nvPr>
+        </p:nvSpPr>
+        <p:spPr>
+          <a:xfrm>
+            <a:off x="0" y="0"/>
+            <a:ext cx="12192000" cy="6858000"/>
+          </a:xfrm>
+          <a:prstGeom prst="rect">
+            <a:avLst/>
+          </a:prstGeom>
+          <a:ln>
+            <a:noFill/>
+          </a:ln>
+        </p:spPr>
+        <p:style>
+          <a:lnRef idx="2">
+            <a:schemeClr val="accent1">
+              <a:shade val="50000"/>
+            </a:schemeClr>
+          </a:lnRef>
+          <a:fillRef idx="1">
+            <a:schemeClr val="accent1"/>
+          </a:fillRef>
+          <a:effectRef idx="0">
+            <a:schemeClr val="accent1"/>
+          </a:effectRef>
+          <a:fontRef idx="minor">
+            <a:schemeClr val="lt1"/>
+          </a:fontRef>
+        </p:style>
+        <p:txBody>
+          <a:bodyPr rtlCol="0" anchor="ctr"/>
+          <a:lstStyle/>
+          <a:p>
+            <a:pPr algn="ctr"/>
+            <a:endParaRPr lang="en-US"/>
+          </a:p>
+        </p:txBody>
+      </p:sp>
       <p:sp>
         <p:nvSpPr>
           <p:cNvPr id="2" name="Başlık 1">
@@ -7600,8 +8035,8 @@
         </p:nvSpPr>
         <p:spPr>
           <a:xfrm>
-            <a:off x="834013" y="1115568"/>
-            <a:ext cx="3487616" cy="4626864"/>
+            <a:off x="5146160" y="609599"/>
+            <a:ext cx="5978072" cy="1505804"/>
           </a:xfrm>
         </p:spPr>
         <p:txBody>
@@ -7610,14 +8045,86 @@
           </a:bodyPr>
           <a:lstStyle/>
           <a:p>
-            <a:pPr algn="l"/>
-            <a:r>
-              <a:rPr lang="en-US" sz="3600"/>
+            <a:r>
+              <a:rPr lang="en-US" sz="3700"/>
               <a:t>Spontaneous oscillations in Astrocytes</a:t>
             </a:r>
           </a:p>
         </p:txBody>
       </p:sp>
+      <p:pic>
+        <p:nvPicPr>
+          <p:cNvPr id="5" name="Picture 4" descr="3D neurons connecting">
+            <a:extLst>
+              <a:ext uri="{FF2B5EF4-FFF2-40B4-BE49-F238E27FC236}">
+                <a16:creationId xmlns:a16="http://schemas.microsoft.com/office/drawing/2014/main" id="{97B2045F-31E2-2F91-95BE-B90794E62097}"/>
+              </a:ext>
+            </a:extLst>
+          </p:cNvPr>
+          <p:cNvPicPr>
+            <a:picLocks noChangeAspect="1"/>
+          </p:cNvPicPr>
+          <p:nvPr/>
+        </p:nvPicPr>
+        <p:blipFill rotWithShape="1">
+          <a:blip r:embed="rId3"/>
+          <a:srcRect l="26025" r="29478" b="-2"/>
+          <a:stretch/>
+        </p:blipFill>
+        <p:spPr>
+          <a:xfrm>
+            <a:off x="-10649" y="1"/>
+            <a:ext cx="4571649" cy="6858000"/>
+          </a:xfrm>
+          <a:prstGeom prst="rect">
+            <a:avLst/>
+          </a:prstGeom>
+        </p:spPr>
+      </p:pic>
+      <p:pic>
+        <p:nvPicPr>
+          <p:cNvPr id="11" name="Picture 10">
+            <a:extLst>
+              <a:ext uri="{FF2B5EF4-FFF2-40B4-BE49-F238E27FC236}">
+                <a16:creationId xmlns:a16="http://schemas.microsoft.com/office/drawing/2014/main" id="{559DF61F-9058-49C9-8F75-DC501F983B0E}"/>
+              </a:ext>
+              <a:ext uri="{C183D7F6-B498-43B3-948B-1728B52AA6E4}">
+                <adec:decorative xmlns:adec="http://schemas.microsoft.com/office/drawing/2017/decorative" val="1"/>
+              </a:ext>
+            </a:extLst>
+          </p:cNvPr>
+          <p:cNvPicPr>
+            <a:picLocks noGrp="1" noRot="1" noChangeAspect="1" noMove="1" noResize="1" noEditPoints="1" noAdjustHandles="1" noChangeArrowheads="1" noChangeShapeType="1" noCrop="1"/>
+          </p:cNvPicPr>
+          <p:nvPr>
+            <p:extLst>
+              <p:ext uri="{386F3935-93C4-4BCD-93E2-E3B085C9AB24}">
+                <p16:designElem xmlns:p16="http://schemas.microsoft.com/office/powerpoint/2015/main" val="1"/>
+              </p:ext>
+            </p:extLst>
+          </p:nvPr>
+        </p:nvPicPr>
+        <p:blipFill rotWithShape="1">
+          <a:blip r:embed="rId4">
+            <a:extLst>
+              <a:ext uri="{28A0092B-C50C-407E-A947-70E740481C1C}">
+                <a14:useLocalDpi xmlns:a14="http://schemas.microsoft.com/office/drawing/2010/main" val="0"/>
+              </a:ext>
+            </a:extLst>
+          </a:blip>
+          <a:srcRect t="964" r="2807" b="1446"/>
+          <a:stretch/>
+        </p:blipFill>
+        <p:spPr>
+          <a:xfrm>
+            <a:off x="-10649" y="1"/>
+            <a:ext cx="4690532" cy="6858000"/>
+          </a:xfrm>
+          <a:prstGeom prst="rect">
+            <a:avLst/>
+          </a:prstGeom>
+        </p:spPr>
+      </p:pic>
       <p:sp>
         <p:nvSpPr>
           <p:cNvPr id="3" name="İçerik Yer Tutucusu 2">
@@ -7636,8 +8143,8 @@
         </p:nvSpPr>
         <p:spPr>
           <a:xfrm>
-            <a:off x="5105398" y="1115568"/>
-            <a:ext cx="6245352" cy="4626864"/>
+            <a:off x="5146160" y="2286000"/>
+            <a:ext cx="5978072" cy="3477088"/>
           </a:xfrm>
         </p:spPr>
         <p:txBody>
@@ -7823,13 +8330,13 @@
           <a:p>
             <a:pPr algn="l"/>
             <a:r>
-              <a:rPr lang="en-US" sz="3600" dirty="0"/>
+              <a:rPr lang="en-US" sz="5400" dirty="0"/>
               <a:t>Data and Model</a:t>
             </a:r>
             <a:br>
-              <a:rPr lang="en-US" sz="3600" dirty="0"/>
+              <a:rPr lang="en-US" sz="5400" dirty="0"/>
             </a:br>
-            <a:endParaRPr lang="en-US" sz="3600" dirty="0"/>
+            <a:endParaRPr lang="en-US" sz="5400" dirty="0"/>
           </a:p>
         </p:txBody>
       </p:sp>
@@ -8056,13 +8563,13 @@
           <a:p>
             <a:pPr algn="l"/>
             <a:r>
-              <a:rPr lang="en-US" sz="3600" dirty="0"/>
+              <a:rPr lang="en-US" sz="5400" dirty="0"/>
               <a:t>Data and Model</a:t>
             </a:r>
             <a:br>
-              <a:rPr lang="en-US" sz="3600" dirty="0"/>
+              <a:rPr lang="en-US" sz="5400" dirty="0"/>
             </a:br>
-            <a:endParaRPr lang="en-US" sz="3600" dirty="0"/>
+            <a:endParaRPr lang="en-US" sz="5400" dirty="0"/>
           </a:p>
         </p:txBody>
       </p:sp>
@@ -8289,13 +8796,13 @@
           <a:p>
             <a:pPr algn="l"/>
             <a:r>
-              <a:rPr lang="en-US" sz="3600" dirty="0"/>
+              <a:rPr lang="en-US" sz="5400" dirty="0"/>
               <a:t>How to fit?</a:t>
             </a:r>
             <a:br>
-              <a:rPr lang="en-US" sz="3600" dirty="0"/>
+              <a:rPr lang="en-US" sz="5400" dirty="0"/>
             </a:br>
-            <a:endParaRPr lang="en-US" sz="3600" dirty="0"/>
+            <a:endParaRPr lang="en-US" sz="5400" dirty="0"/>
           </a:p>
         </p:txBody>
       </p:sp>
@@ -8379,7 +8886,52 @@
           </a:bodyPr>
           <a:lstStyle/>
           <a:p>
-            <a:endParaRPr lang="en-US"/>
+            <a:pPr marL="36900" indent="0">
+              <a:buNone/>
+            </a:pPr>
+            <a:r>
+              <a:rPr lang="en-US" dirty="0"/>
+              <a:t>We have two options:</a:t>
+            </a:r>
+          </a:p>
+          <a:p>
+            <a:pPr marL="36900" indent="0">
+              <a:buNone/>
+            </a:pPr>
+            <a:r>
+              <a:rPr lang="en-US" dirty="0"/>
+              <a:t>1- Looking at</a:t>
+            </a:r>
+            <a:r>
+              <a:rPr lang="tr-TR" dirty="0"/>
+              <a:t> </a:t>
+            </a:r>
+            <a:r>
+              <a:rPr lang="en-US" dirty="0"/>
+              <a:t>single peak</a:t>
+            </a:r>
+            <a:r>
+              <a:rPr lang="tr-TR" dirty="0"/>
+              <a:t>s</a:t>
+            </a:r>
+            <a:endParaRPr lang="en-US" dirty="0"/>
+          </a:p>
+          <a:p>
+            <a:pPr marL="36900" indent="0">
+              <a:buNone/>
+            </a:pPr>
+            <a:r>
+              <a:rPr lang="en-US" dirty="0"/>
+              <a:t>2-</a:t>
+            </a:r>
+            <a:r>
+              <a:rPr lang="tr-TR" dirty="0"/>
+              <a:t> Using </a:t>
+            </a:r>
+            <a:r>
+              <a:rPr lang="en-US" dirty="0"/>
+              <a:t>Taken’s Embedding </a:t>
+            </a:r>
           </a:p>
         </p:txBody>
       </p:sp>
@@ -8497,7 +9049,7 @@
           <p:cNvPr id="2" name="Başlık 1">
             <a:extLst>
               <a:ext uri="{FF2B5EF4-FFF2-40B4-BE49-F238E27FC236}">
-                <a16:creationId xmlns:a16="http://schemas.microsoft.com/office/drawing/2014/main" id="{0156A4BB-940A-D45F-952D-D659E5394E5B}"/>
+                <a16:creationId xmlns:a16="http://schemas.microsoft.com/office/drawing/2014/main" id="{B6FFF6DC-56D6-C674-9CAC-2D22A647FA25}"/>
               </a:ext>
             </a:extLst>
           </p:cNvPr>
@@ -8510,8 +9062,8 @@
         </p:nvSpPr>
         <p:spPr>
           <a:xfrm>
-            <a:off x="834013" y="1115568"/>
-            <a:ext cx="3487616" cy="4626864"/>
+            <a:off x="0" y="0"/>
+            <a:ext cx="7424771" cy="1647087"/>
           </a:xfrm>
         </p:spPr>
         <p:txBody>
@@ -8522,8 +9074,8 @@
           <a:p>
             <a:pPr algn="l"/>
             <a:r>
-              <a:rPr lang="en-US" sz="3100"/>
-              <a:t>Future implementations</a:t>
+              <a:rPr lang="en-US" dirty="0"/>
+              <a:t>Looking at single peaks</a:t>
             </a:r>
           </a:p>
         </p:txBody>
@@ -8585,7 +9137,7 @@
           <p:cNvPr id="3" name="İçerik Yer Tutucusu 2">
             <a:extLst>
               <a:ext uri="{FF2B5EF4-FFF2-40B4-BE49-F238E27FC236}">
-                <a16:creationId xmlns:a16="http://schemas.microsoft.com/office/drawing/2014/main" id="{C46C0C0E-6C36-3332-D7B5-2A6E69D7AB3D}"/>
+                <a16:creationId xmlns:a16="http://schemas.microsoft.com/office/drawing/2014/main" id="{CE67B29F-64F2-8AA2-2913-12A89ED8EF73}"/>
               </a:ext>
             </a:extLst>
           </p:cNvPr>
@@ -8598,8 +9150,8 @@
         </p:nvSpPr>
         <p:spPr>
           <a:xfrm>
-            <a:off x="5105398" y="1115568"/>
-            <a:ext cx="6245352" cy="4626864"/>
+            <a:off x="5105398" y="1507786"/>
+            <a:ext cx="6245352" cy="4234645"/>
           </a:xfrm>
         </p:spPr>
         <p:txBody>
@@ -8608,14 +9160,14 @@
           </a:bodyPr>
           <a:lstStyle/>
           <a:p>
-            <a:endParaRPr lang="en-US"/>
+            <a:endParaRPr lang="en-US" dirty="0"/>
           </a:p>
         </p:txBody>
       </p:sp>
     </p:spTree>
     <p:extLst>
       <p:ext uri="{BB962C8B-B14F-4D97-AF65-F5344CB8AC3E}">
-        <p14:creationId xmlns:p14="http://schemas.microsoft.com/office/powerpoint/2010/main" val="3985868732"/>
+        <p14:creationId xmlns:p14="http://schemas.microsoft.com/office/powerpoint/2010/main" val="1229409534"/>
       </p:ext>
     </p:extLst>
   </p:cSld>
@@ -8628,6 +9180,25 @@
 <file path=ppt/slides/slide9.xml><?xml version="1.0" encoding="utf-8"?>
 <p:sld xmlns:a="http://schemas.openxmlformats.org/drawingml/2006/main" xmlns:r="http://schemas.openxmlformats.org/officeDocument/2006/relationships" xmlns:p="http://schemas.openxmlformats.org/presentationml/2006/main">
   <p:cSld>
+    <p:bg>
+      <p:bgPr>
+        <a:blipFill rotWithShape="1">
+          <a:blip r:embed="rId2">
+            <a:duotone>
+              <a:schemeClr val="bg1">
+                <a:shade val="80000"/>
+                <a:lumMod val="80000"/>
+              </a:schemeClr>
+              <a:schemeClr val="bg1">
+                <a:tint val="98000"/>
+              </a:schemeClr>
+            </a:duotone>
+          </a:blip>
+          <a:stretch/>
+        </a:blipFill>
+        <a:effectLst/>
+      </p:bgPr>
+    </p:bg>
     <p:spTree>
       <p:nvGrpSpPr>
         <p:cNvPr id="1" name=""/>
@@ -8642,12 +9213,72 @@
           <a:chExt cx="0" cy="0"/>
         </a:xfrm>
       </p:grpSpPr>
+      <p:sp useBgFill="1">
+        <p:nvSpPr>
+          <p:cNvPr id="8" name="Rectangle 7">
+            <a:extLst>
+              <a:ext uri="{FF2B5EF4-FFF2-40B4-BE49-F238E27FC236}">
+                <a16:creationId xmlns:a16="http://schemas.microsoft.com/office/drawing/2014/main" id="{9A6C2C86-63BF-47D5-AA3F-905111A238E2}"/>
+              </a:ext>
+              <a:ext uri="{C183D7F6-B498-43B3-948B-1728B52AA6E4}">
+                <adec:decorative xmlns:adec="http://schemas.microsoft.com/office/drawing/2017/decorative" val="1"/>
+              </a:ext>
+            </a:extLst>
+          </p:cNvPr>
+          <p:cNvSpPr>
+            <a:spLocks noGrp="1" noRot="1" noChangeAspect="1" noMove="1" noResize="1" noEditPoints="1" noAdjustHandles="1" noChangeArrowheads="1" noChangeShapeType="1" noTextEdit="1"/>
+          </p:cNvSpPr>
+          <p:nvPr>
+            <p:extLst>
+              <p:ext uri="{386F3935-93C4-4BCD-93E2-E3B085C9AB24}">
+                <p16:designElem xmlns:p16="http://schemas.microsoft.com/office/powerpoint/2015/main" val="1"/>
+              </p:ext>
+            </p:extLst>
+          </p:nvPr>
+        </p:nvSpPr>
+        <p:spPr>
+          <a:xfrm>
+            <a:off x="0" y="0"/>
+            <a:ext cx="12192000" cy="6858000"/>
+          </a:xfrm>
+          <a:prstGeom prst="rect">
+            <a:avLst/>
+          </a:prstGeom>
+          <a:ln>
+            <a:noFill/>
+          </a:ln>
+        </p:spPr>
+        <p:style>
+          <a:lnRef idx="2">
+            <a:schemeClr val="accent1">
+              <a:shade val="50000"/>
+            </a:schemeClr>
+          </a:lnRef>
+          <a:fillRef idx="1">
+            <a:schemeClr val="accent1"/>
+          </a:fillRef>
+          <a:effectRef idx="0">
+            <a:schemeClr val="accent1"/>
+          </a:effectRef>
+          <a:fontRef idx="minor">
+            <a:schemeClr val="lt1"/>
+          </a:fontRef>
+        </p:style>
+        <p:txBody>
+          <a:bodyPr rtlCol="0" anchor="ctr"/>
+          <a:lstStyle/>
+          <a:p>
+            <a:pPr algn="ctr"/>
+            <a:endParaRPr lang="en-US"/>
+          </a:p>
+        </p:txBody>
+      </p:sp>
       <p:sp>
         <p:nvSpPr>
           <p:cNvPr id="2" name="Başlık 1">
             <a:extLst>
               <a:ext uri="{FF2B5EF4-FFF2-40B4-BE49-F238E27FC236}">
-                <a16:creationId xmlns:a16="http://schemas.microsoft.com/office/drawing/2014/main" id="{0156A4BB-940A-D45F-952D-D659E5394E5B}"/>
+                <a16:creationId xmlns:a16="http://schemas.microsoft.com/office/drawing/2014/main" id="{B6FFF6DC-56D6-C674-9CAC-2D22A647FA25}"/>
               </a:ext>
             </a:extLst>
           </p:cNvPr>
@@ -8660,30 +9291,86 @@
         </p:nvSpPr>
         <p:spPr>
           <a:xfrm>
-            <a:off x="834013" y="1115568"/>
-            <a:ext cx="3487616" cy="4626864"/>
+            <a:off x="0" y="0"/>
+            <a:ext cx="7266562" cy="1220820"/>
           </a:xfrm>
         </p:spPr>
         <p:txBody>
           <a:bodyPr>
-            <a:normAutofit/>
+            <a:noAutofit/>
           </a:bodyPr>
           <a:lstStyle/>
           <a:p>
             <a:pPr algn="l"/>
             <a:r>
-              <a:rPr lang="en-US" sz="3600" dirty="0"/>
-              <a:t>Conclusion</a:t>
-            </a:r>
-          </a:p>
-        </p:txBody>
-      </p:sp>
+              <a:rPr lang="tr-TR" dirty="0"/>
+              <a:t>Using </a:t>
+            </a:r>
+            <a:r>
+              <a:rPr lang="en-US" dirty="0"/>
+              <a:t>Taken’s Embedding</a:t>
+            </a:r>
+          </a:p>
+        </p:txBody>
+      </p:sp>
+      <p:cxnSp>
+        <p:nvCxnSpPr>
+          <p:cNvPr id="10" name="Straight Connector 9">
+            <a:extLst>
+              <a:ext uri="{FF2B5EF4-FFF2-40B4-BE49-F238E27FC236}">
+                <a16:creationId xmlns:a16="http://schemas.microsoft.com/office/drawing/2014/main" id="{425A0768-3044-4AA9-A889-D2CAA68C517A}"/>
+              </a:ext>
+              <a:ext uri="{C183D7F6-B498-43B3-948B-1728B52AA6E4}">
+                <adec:decorative xmlns:adec="http://schemas.microsoft.com/office/drawing/2017/decorative" val="1"/>
+              </a:ext>
+            </a:extLst>
+          </p:cNvPr>
+          <p:cNvCxnSpPr>
+            <a:cxnSpLocks noGrp="1" noRot="1" noChangeAspect="1" noMove="1" noResize="1" noEditPoints="1" noAdjustHandles="1" noChangeArrowheads="1" noChangeShapeType="1"/>
+          </p:cNvCxnSpPr>
+          <p:nvPr>
+            <p:extLst>
+              <p:ext uri="{386F3935-93C4-4BCD-93E2-E3B085C9AB24}">
+                <p16:designElem xmlns:p16="http://schemas.microsoft.com/office/powerpoint/2015/main" val="1"/>
+              </p:ext>
+            </p:extLst>
+          </p:nvPr>
+        </p:nvCxnSpPr>
+        <p:spPr>
+          <a:xfrm>
+            <a:off x="4654605" y="2057400"/>
+            <a:ext cx="0" cy="2743200"/>
+          </a:xfrm>
+          <a:prstGeom prst="line">
+            <a:avLst/>
+          </a:prstGeom>
+          <a:ln w="19050">
+            <a:solidFill>
+              <a:schemeClr val="tx2"/>
+            </a:solidFill>
+          </a:ln>
+        </p:spPr>
+        <p:style>
+          <a:lnRef idx="1">
+            <a:schemeClr val="accent1"/>
+          </a:lnRef>
+          <a:fillRef idx="0">
+            <a:schemeClr val="accent1"/>
+          </a:fillRef>
+          <a:effectRef idx="0">
+            <a:schemeClr val="accent1"/>
+          </a:effectRef>
+          <a:fontRef idx="minor">
+            <a:schemeClr val="tx1"/>
+          </a:fontRef>
+        </p:style>
+      </p:cxnSp>
       <p:sp>
         <p:nvSpPr>
           <p:cNvPr id="3" name="İçerik Yer Tutucusu 2">
             <a:extLst>
               <a:ext uri="{FF2B5EF4-FFF2-40B4-BE49-F238E27FC236}">
-                <a16:creationId xmlns:a16="http://schemas.microsoft.com/office/drawing/2014/main" id="{C46C0C0E-6C36-3332-D7B5-2A6E69D7AB3D}"/>
+                <a16:creationId xmlns:a16="http://schemas.microsoft.com/office/drawing/2014/main" id="{CE67B29F-64F2-8AA2-2913-12A89ED8EF73}"/>
               </a:ext>
             </a:extLst>
           </p:cNvPr>
@@ -8706,14 +9393,14 @@
           </a:bodyPr>
           <a:lstStyle/>
           <a:p>
-            <a:endParaRPr lang="en-US"/>
+            <a:endParaRPr lang="en-US" dirty="0"/>
           </a:p>
         </p:txBody>
       </p:sp>
     </p:spTree>
     <p:extLst>
       <p:ext uri="{BB962C8B-B14F-4D97-AF65-F5344CB8AC3E}">
-        <p14:creationId xmlns:p14="http://schemas.microsoft.com/office/powerpoint/2010/main" val="3032394955"/>
+        <p14:creationId xmlns:p14="http://schemas.microsoft.com/office/powerpoint/2010/main" val="2463473944"/>
       </p:ext>
     </p:extLst>
   </p:cSld>

--- a/final/final.pptx
+++ b/final/final.pptx
@@ -308,7 +308,7 @@
           <a:p>
             <a:fld id="{88D38747-4367-4BD2-8D51-C97E202738E2}" type="datetime1">
               <a:rPr lang="en-US" smtClean="0"/>
-              <a:t>5/8/2024</a:t>
+              <a:t>5/12/2024</a:t>
             </a:fld>
             <a:endParaRPr lang="en-US" dirty="0"/>
           </a:p>
@@ -613,7 +613,7 @@
           <a:p>
             <a:fld id="{11F1B079-7EF0-44EE-B798-BCC497C9F3B2}" type="datetime1">
               <a:rPr lang="en-US" smtClean="0"/>
-              <a:t>5/8/2024</a:t>
+              <a:t>5/12/2024</a:t>
             </a:fld>
             <a:endParaRPr lang="en-US" dirty="0"/>
           </a:p>
@@ -807,7 +807,7 @@
           <a:p>
             <a:fld id="{28FF70A8-1D13-4657-95F0-A9EA54967B8D}" type="datetime1">
               <a:rPr lang="en-US" smtClean="0"/>
-              <a:t>5/8/2024</a:t>
+              <a:t>5/12/2024</a:t>
             </a:fld>
             <a:endParaRPr lang="en-US" dirty="0"/>
           </a:p>
@@ -1070,7 +1070,7 @@
           <a:p>
             <a:fld id="{21EB90AC-71BD-4C7F-8ACA-7B3F18292E63}" type="datetime1">
               <a:rPr lang="en-US" smtClean="0"/>
-              <a:t>5/8/2024</a:t>
+              <a:t>5/12/2024</a:t>
             </a:fld>
             <a:endParaRPr lang="en-US" dirty="0"/>
           </a:p>
@@ -1506,7 +1506,7 @@
           <a:p>
             <a:fld id="{4E6EFC2C-8905-46F0-B443-CE905B76BA01}" type="datetime1">
               <a:rPr lang="en-US" smtClean="0"/>
-              <a:t>5/8/2024</a:t>
+              <a:t>5/12/2024</a:t>
             </a:fld>
             <a:endParaRPr lang="en-US" dirty="0"/>
           </a:p>
@@ -2043,7 +2043,7 @@
           <a:p>
             <a:fld id="{D9079DC3-C9B5-499E-9140-0DC28B7074E2}" type="datetime1">
               <a:rPr lang="en-US" smtClean="0"/>
-              <a:t>5/8/2024</a:t>
+              <a:t>5/12/2024</a:t>
             </a:fld>
             <a:endParaRPr lang="en-US" dirty="0"/>
           </a:p>
@@ -2925,7 +2925,7 @@
           <a:p>
             <a:fld id="{30BB33EA-E472-4D22-9C03-A9C14AA21CED}" type="datetime1">
               <a:rPr lang="en-US" smtClean="0"/>
-              <a:t>5/8/2024</a:t>
+              <a:t>5/12/2024</a:t>
             </a:fld>
             <a:endParaRPr lang="en-US" dirty="0"/>
           </a:p>
@@ -3095,7 +3095,7 @@
           <a:p>
             <a:fld id="{217E833E-1B6D-415F-AD29-75AE8C43BD0D}" type="datetime1">
               <a:rPr lang="en-US" smtClean="0"/>
-              <a:t>5/8/2024</a:t>
+              <a:t>5/12/2024</a:t>
             </a:fld>
             <a:endParaRPr lang="en-US" dirty="0"/>
           </a:p>
@@ -3279,7 +3279,7 @@
           <a:p>
             <a:fld id="{8452596F-08A7-4B70-989A-F2B1CF31E66B}" type="datetime1">
               <a:rPr lang="en-US" smtClean="0"/>
-              <a:t>5/8/2024</a:t>
+              <a:t>5/12/2024</a:t>
             </a:fld>
             <a:endParaRPr lang="en-US" dirty="0"/>
           </a:p>
@@ -3449,7 +3449,7 @@
           <a:p>
             <a:fld id="{73C55A3C-5767-4844-A0A3-83778C2E5409}" type="datetime1">
               <a:rPr lang="en-US" smtClean="0"/>
-              <a:t>5/8/2024</a:t>
+              <a:t>5/12/2024</a:t>
             </a:fld>
             <a:endParaRPr lang="en-US" dirty="0"/>
           </a:p>
@@ -3693,7 +3693,7 @@
           <a:p>
             <a:fld id="{CAE507A8-A5CF-4D38-AB86-7EDDA87A85D4}" type="datetime1">
               <a:rPr lang="en-US" smtClean="0"/>
-              <a:t>5/8/2024</a:t>
+              <a:t>5/12/2024</a:t>
             </a:fld>
             <a:endParaRPr lang="en-US" dirty="0"/>
           </a:p>
@@ -3935,7 +3935,7 @@
           <a:p>
             <a:fld id="{BDFCD27C-8599-43EF-BA1D-14DDC1946E06}" type="datetime1">
               <a:rPr lang="en-US" smtClean="0"/>
-              <a:t>5/8/2024</a:t>
+              <a:t>5/12/2024</a:t>
             </a:fld>
             <a:endParaRPr lang="en-US" dirty="0"/>
           </a:p>
@@ -4416,7 +4416,7 @@
           <a:p>
             <a:fld id="{49343D99-809A-49C0-96E5-4250D0B498EE}" type="datetime1">
               <a:rPr lang="en-US" smtClean="0"/>
-              <a:t>5/8/2024</a:t>
+              <a:t>5/12/2024</a:t>
             </a:fld>
             <a:endParaRPr lang="en-US" dirty="0"/>
           </a:p>
@@ -4534,7 +4534,7 @@
           <a:p>
             <a:fld id="{A143DE9B-B678-4EFB-BB7D-A4370204A0B0}" type="datetime1">
               <a:rPr lang="en-US" smtClean="0"/>
-              <a:t>5/8/2024</a:t>
+              <a:t>5/12/2024</a:t>
             </a:fld>
             <a:endParaRPr lang="en-US" dirty="0"/>
           </a:p>
@@ -4629,7 +4629,7 @@
           <a:p>
             <a:fld id="{E68812DA-F765-4142-A6A3-A8ED7235E082}" type="datetime1">
               <a:rPr lang="en-US" smtClean="0"/>
-              <a:t>5/8/2024</a:t>
+              <a:t>5/12/2024</a:t>
             </a:fld>
             <a:endParaRPr lang="en-US" dirty="0"/>
           </a:p>
@@ -4884,7 +4884,7 @@
           <a:p>
             <a:fld id="{3E0277FD-7DE6-41D4-930D-AC99F5AFE54E}" type="datetime1">
               <a:rPr lang="en-US" smtClean="0"/>
-              <a:t>5/8/2024</a:t>
+              <a:t>5/12/2024</a:t>
             </a:fld>
             <a:endParaRPr lang="en-US" dirty="0"/>
           </a:p>
@@ -5191,7 +5191,7 @@
           <a:p>
             <a:fld id="{9EA15526-7079-4B7B-987C-1B5FAE11A0FF}" type="datetime1">
               <a:rPr lang="en-US" smtClean="0"/>
-              <a:t>5/8/2024</a:t>
+              <a:t>5/12/2024</a:t>
             </a:fld>
             <a:endParaRPr lang="en-US" dirty="0"/>
           </a:p>
@@ -5426,7 +5426,7 @@
           <a:p>
             <a:fld id="{073ED0CC-082F-4160-86E5-0D6041F12778}" type="datetime1">
               <a:rPr lang="en-US" smtClean="0"/>
-              <a:t>5/8/2024</a:t>
+              <a:t>5/12/2024</a:t>
             </a:fld>
             <a:endParaRPr lang="en-US" dirty="0"/>
           </a:p>
@@ -7850,7 +7850,7 @@
         <p:spPr>
           <a:xfrm>
             <a:off x="5146160" y="2286000"/>
-            <a:ext cx="5978072" cy="3477088"/>
+            <a:ext cx="6556214" cy="4241260"/>
           </a:xfrm>
         </p:spPr>
         <p:txBody>
@@ -7864,10 +7864,10 @@
               <a:buChar char="•"/>
             </a:pPr>
             <a:r>
-              <a:rPr lang="en-US"/>
+              <a:rPr lang="en-US" sz="2400" b="1" dirty="0"/>
               <a:t>Brief Overview:</a:t>
             </a:r>
-            <a:endParaRPr lang="tr-TR"/>
+            <a:endParaRPr lang="tr-TR" sz="2400" b="1" dirty="0"/>
           </a:p>
           <a:p>
             <a:pPr lvl="1">
@@ -7875,9 +7875,18 @@
               <a:buChar char="•"/>
             </a:pPr>
             <a:r>
-              <a:rPr lang="en-US"/>
-              <a:t>Astrocytes: Often overlooked, but crucial support cells in the brain.</a:t>
-            </a:r>
+              <a:rPr lang="en-US" sz="2000" b="1" dirty="0"/>
+              <a:t>Astrocytes</a:t>
+            </a:r>
+            <a:r>
+              <a:rPr lang="en-US" sz="2000" dirty="0"/>
+              <a:t>: Often overlooked, but crucial support cells in the brain.</a:t>
+            </a:r>
+            <a:r>
+              <a:rPr lang="tr-TR" sz="2000" dirty="0"/>
+              <a:t> </a:t>
+            </a:r>
+            <a:endParaRPr lang="en-US" sz="2000" dirty="0"/>
           </a:p>
           <a:p>
             <a:pPr lvl="1">
@@ -7885,10 +7894,18 @@
               <a:buChar char="•"/>
             </a:pPr>
             <a:r>
-              <a:rPr lang="en-US"/>
-              <a:t>Spontaneous Oscillations: Intriguing rhythmic patterns in astrocyte activity.</a:t>
-            </a:r>
-            <a:endParaRPr lang="tr-TR"/>
+              <a:rPr lang="en-US" sz="2000" dirty="0"/>
+              <a:t>Spontaneous Oscillations: Intriguing rhythmic patterns in astrocyte activity</a:t>
+            </a:r>
+            <a:r>
+              <a:rPr lang="tr-TR" sz="2000" dirty="0"/>
+              <a:t> [1]</a:t>
+            </a:r>
+            <a:r>
+              <a:rPr lang="en-US" sz="2000" dirty="0"/>
+              <a:t>.</a:t>
+            </a:r>
+            <a:endParaRPr lang="tr-TR" sz="2000" dirty="0"/>
           </a:p>
           <a:p>
             <a:pPr lvl="1">
@@ -7896,7 +7913,7 @@
               <a:buChar char="•"/>
             </a:pPr>
             <a:r>
-              <a:rPr lang="en-US"/>
+              <a:rPr lang="en-US" sz="2000" dirty="0"/>
               <a:t>Understanding astrocytic oscillations can unravel mysteries surrounding neural network behavior and information processing in the brain.</a:t>
             </a:r>
           </a:p>
@@ -7904,7 +7921,192 @@
             <a:pPr marL="36900" indent="0">
               <a:buNone/>
             </a:pPr>
-            <a:endParaRPr lang="en-US" dirty="0"/>
+            <a:endParaRPr lang="en-US" sz="2400" dirty="0"/>
+          </a:p>
+        </p:txBody>
+      </p:sp>
+      <p:sp>
+        <p:nvSpPr>
+          <p:cNvPr id="5" name="Metin kutusu 4">
+            <a:extLst>
+              <a:ext uri="{FF2B5EF4-FFF2-40B4-BE49-F238E27FC236}">
+                <a16:creationId xmlns:a16="http://schemas.microsoft.com/office/drawing/2014/main" id="{8DE4F8A4-C07D-2722-7637-516304BA2018}"/>
+              </a:ext>
+            </a:extLst>
+          </p:cNvPr>
+          <p:cNvSpPr txBox="1"/>
+          <p:nvPr/>
+        </p:nvSpPr>
+        <p:spPr>
+          <a:xfrm>
+            <a:off x="4844003" y="6165503"/>
+            <a:ext cx="7183877" cy="461665"/>
+          </a:xfrm>
+          <a:prstGeom prst="rect">
+            <a:avLst/>
+          </a:prstGeom>
+          <a:noFill/>
+        </p:spPr>
+        <p:txBody>
+          <a:bodyPr wrap="square">
+            <a:spAutoFit/>
+          </a:bodyPr>
+          <a:lstStyle/>
+          <a:p>
+            <a:r>
+              <a:rPr lang="tr-TR" sz="1200" dirty="0">
+                <a:solidFill>
+                  <a:schemeClr val="accent2">
+                    <a:lumMod val="40000"/>
+                    <a:lumOff val="60000"/>
+                  </a:schemeClr>
+                </a:solidFill>
+              </a:rPr>
+              <a:t>[1] </a:t>
+            </a:r>
+            <a:r>
+              <a:rPr lang="en-US" sz="1200" dirty="0" err="1">
+                <a:solidFill>
+                  <a:schemeClr val="accent2">
+                    <a:lumMod val="40000"/>
+                    <a:lumOff val="60000"/>
+                  </a:schemeClr>
+                </a:solidFill>
+              </a:rPr>
+              <a:t>Parri</a:t>
+            </a:r>
+            <a:r>
+              <a:rPr lang="en-US" sz="1200" dirty="0">
+                <a:solidFill>
+                  <a:schemeClr val="accent2">
+                    <a:lumMod val="40000"/>
+                    <a:lumOff val="60000"/>
+                  </a:schemeClr>
+                </a:solidFill>
+              </a:rPr>
+              <a:t>, H., Gould, T. &amp; </a:t>
+            </a:r>
+            <a:r>
+              <a:rPr lang="en-US" sz="1200" dirty="0" err="1">
+                <a:solidFill>
+                  <a:schemeClr val="accent2">
+                    <a:lumMod val="40000"/>
+                    <a:lumOff val="60000"/>
+                  </a:schemeClr>
+                </a:solidFill>
+              </a:rPr>
+              <a:t>Crunelli</a:t>
+            </a:r>
+            <a:r>
+              <a:rPr lang="en-US" sz="1200" dirty="0">
+                <a:solidFill>
+                  <a:schemeClr val="accent2">
+                    <a:lumMod val="40000"/>
+                    <a:lumOff val="60000"/>
+                  </a:schemeClr>
+                </a:solidFill>
+              </a:rPr>
+              <a:t>, V. Spontaneous astrocytic Ca</a:t>
+            </a:r>
+            <a:r>
+              <a:rPr lang="en-US" sz="1200" baseline="30000" dirty="0">
+                <a:solidFill>
+                  <a:schemeClr val="accent2">
+                    <a:lumMod val="40000"/>
+                    <a:lumOff val="60000"/>
+                  </a:schemeClr>
+                </a:solidFill>
+              </a:rPr>
+              <a:t>2+</a:t>
+            </a:r>
+            <a:r>
+              <a:rPr lang="en-US" sz="1200" dirty="0">
+                <a:solidFill>
+                  <a:schemeClr val="accent2">
+                    <a:lumMod val="40000"/>
+                    <a:lumOff val="60000"/>
+                  </a:schemeClr>
+                </a:solidFill>
+              </a:rPr>
+              <a:t> oscillations </a:t>
+            </a:r>
+            <a:r>
+              <a:rPr lang="en-US" sz="1200" i="1" dirty="0">
+                <a:solidFill>
+                  <a:schemeClr val="accent2">
+                    <a:lumMod val="40000"/>
+                    <a:lumOff val="60000"/>
+                  </a:schemeClr>
+                </a:solidFill>
+              </a:rPr>
+              <a:t>in situ</a:t>
+            </a:r>
+            <a:r>
+              <a:rPr lang="en-US" sz="1200" dirty="0">
+                <a:solidFill>
+                  <a:schemeClr val="accent2">
+                    <a:lumMod val="40000"/>
+                    <a:lumOff val="60000"/>
+                  </a:schemeClr>
+                </a:solidFill>
+              </a:rPr>
+              <a:t> drive NMDAR-mediated neuronal excitation. </a:t>
+            </a:r>
+            <a:r>
+              <a:rPr lang="en-US" sz="1200" i="1" dirty="0">
+                <a:solidFill>
+                  <a:schemeClr val="accent2">
+                    <a:lumMod val="40000"/>
+                    <a:lumOff val="60000"/>
+                  </a:schemeClr>
+                </a:solidFill>
+              </a:rPr>
+              <a:t>Nat </a:t>
+            </a:r>
+            <a:r>
+              <a:rPr lang="en-US" sz="1200" i="1" dirty="0" err="1">
+                <a:solidFill>
+                  <a:schemeClr val="accent2">
+                    <a:lumMod val="40000"/>
+                    <a:lumOff val="60000"/>
+                  </a:schemeClr>
+                </a:solidFill>
+              </a:rPr>
+              <a:t>Neurosci</a:t>
+            </a:r>
+            <a:r>
+              <a:rPr lang="en-US" sz="1200" dirty="0">
+                <a:solidFill>
+                  <a:schemeClr val="accent2">
+                    <a:lumMod val="40000"/>
+                    <a:lumOff val="60000"/>
+                  </a:schemeClr>
+                </a:solidFill>
+              </a:rPr>
+              <a:t> </a:t>
+            </a:r>
+            <a:r>
+              <a:rPr lang="en-US" sz="1200" b="1" dirty="0">
+                <a:solidFill>
+                  <a:schemeClr val="accent2">
+                    <a:lumMod val="40000"/>
+                    <a:lumOff val="60000"/>
+                  </a:schemeClr>
+                </a:solidFill>
+              </a:rPr>
+              <a:t>4</a:t>
+            </a:r>
+            <a:r>
+              <a:rPr lang="en-US" sz="1200" dirty="0">
+                <a:solidFill>
+                  <a:schemeClr val="accent2">
+                    <a:lumMod val="40000"/>
+                    <a:lumOff val="60000"/>
+                  </a:schemeClr>
+                </a:solidFill>
+              </a:rPr>
+              <a:t>, 803–812 (2001). https://doi.org/10.1038/90507</a:t>
+            </a:r>
           </a:p>
         </p:txBody>
       </p:sp>
@@ -9063,7 +9265,7 @@
         <p:spPr>
           <a:xfrm>
             <a:off x="0" y="0"/>
-            <a:ext cx="7424771" cy="1647087"/>
+            <a:ext cx="7424771" cy="1225685"/>
           </a:xfrm>
         </p:spPr>
         <p:txBody>

--- a/final/final.pptx
+++ b/final/final.pptx
@@ -6316,11 +6316,14 @@
               </a:rPr>
               <a:t> Model</a:t>
             </a:r>
-            <a:endParaRPr lang="tr-TR" sz="2000" b="1" dirty="0">
-              <a:effectLst/>
-              <a:latin typeface="Times New Roman" panose="02020603050405020304" pitchFamily="18" charset="0"/>
-              <a:cs typeface="Times New Roman" panose="02020603050405020304" pitchFamily="18" charset="0"/>
-            </a:endParaRPr>
+            <a:r>
+              <a:rPr lang="tr-TR" sz="2000" b="1" dirty="0">
+                <a:effectLst/>
+                <a:latin typeface="Times New Roman" panose="02020603050405020304" pitchFamily="18" charset="0"/>
+                <a:cs typeface="Times New Roman" panose="02020603050405020304" pitchFamily="18" charset="0"/>
+              </a:rPr>
+              <a:t>*</a:t>
+            </a:r>
           </a:p>
           <a:p>
             <a:pPr>
@@ -6369,6 +6372,181 @@
                 <a:cs typeface="Times New Roman" panose="02020603050405020304" pitchFamily="18" charset="0"/>
               </a:rPr>
               <a:t> </a:t>
+            </a:r>
+          </a:p>
+        </p:txBody>
+      </p:sp>
+      <p:sp>
+        <p:nvSpPr>
+          <p:cNvPr id="5" name="Metin kutusu 4">
+            <a:extLst>
+              <a:ext uri="{FF2B5EF4-FFF2-40B4-BE49-F238E27FC236}">
+                <a16:creationId xmlns:a16="http://schemas.microsoft.com/office/drawing/2014/main" id="{22D22771-7DD7-5116-9511-F3C0F3F813B2}"/>
+              </a:ext>
+            </a:extLst>
+          </p:cNvPr>
+          <p:cNvSpPr txBox="1"/>
+          <p:nvPr/>
+        </p:nvSpPr>
+        <p:spPr>
+          <a:xfrm>
+            <a:off x="359923" y="6299244"/>
+            <a:ext cx="11663464" cy="430887"/>
+          </a:xfrm>
+          <a:prstGeom prst="rect">
+            <a:avLst/>
+          </a:prstGeom>
+          <a:noFill/>
+        </p:spPr>
+        <p:txBody>
+          <a:bodyPr wrap="square">
+            <a:spAutoFit/>
+          </a:bodyPr>
+          <a:lstStyle/>
+          <a:p>
+            <a:pPr algn="just"/>
+            <a:r>
+              <a:rPr lang="tr-TR" sz="1050" dirty="0">
+                <a:solidFill>
+                  <a:schemeClr val="accent2">
+                    <a:lumMod val="60000"/>
+                    <a:lumOff val="40000"/>
+                  </a:schemeClr>
+                </a:solidFill>
+              </a:rPr>
+              <a:t>*</a:t>
+            </a:r>
+            <a:r>
+              <a:rPr lang="en-US" sz="1050" dirty="0" err="1">
+                <a:solidFill>
+                  <a:schemeClr val="accent2">
+                    <a:lumMod val="60000"/>
+                    <a:lumOff val="40000"/>
+                  </a:schemeClr>
+                </a:solidFill>
+              </a:rPr>
+              <a:t>Lavrentovich</a:t>
+            </a:r>
+            <a:r>
+              <a:rPr lang="en-US" sz="1050" dirty="0">
+                <a:solidFill>
+                  <a:schemeClr val="accent2">
+                    <a:lumMod val="60000"/>
+                    <a:lumOff val="40000"/>
+                  </a:schemeClr>
+                </a:solidFill>
+              </a:rPr>
+              <a:t> M, </a:t>
+            </a:r>
+            <a:r>
+              <a:rPr lang="en-US" sz="1050" dirty="0" err="1">
+                <a:solidFill>
+                  <a:schemeClr val="accent2">
+                    <a:lumMod val="60000"/>
+                    <a:lumOff val="40000"/>
+                  </a:schemeClr>
+                </a:solidFill>
+              </a:rPr>
+              <a:t>Hemkin</a:t>
+            </a:r>
+            <a:r>
+              <a:rPr lang="en-US" sz="1050" dirty="0">
+                <a:solidFill>
+                  <a:schemeClr val="accent2">
+                    <a:lumMod val="60000"/>
+                    <a:lumOff val="40000"/>
+                  </a:schemeClr>
+                </a:solidFill>
+              </a:rPr>
+              <a:t> S. A mathematical model of spontaneous calcium(II) oscillations in astrocytes. J </a:t>
+            </a:r>
+            <a:r>
+              <a:rPr lang="en-US" sz="1050" dirty="0" err="1">
+                <a:solidFill>
+                  <a:schemeClr val="accent2">
+                    <a:lumMod val="60000"/>
+                    <a:lumOff val="40000"/>
+                  </a:schemeClr>
+                </a:solidFill>
+              </a:rPr>
+              <a:t>Theor</a:t>
+            </a:r>
+            <a:r>
+              <a:rPr lang="en-US" sz="1050" dirty="0">
+                <a:solidFill>
+                  <a:schemeClr val="accent2">
+                    <a:lumMod val="60000"/>
+                    <a:lumOff val="40000"/>
+                  </a:schemeClr>
+                </a:solidFill>
+              </a:rPr>
+              <a:t> Biol. 2008 Apr 21;251(4):553-60. </a:t>
+            </a:r>
+            <a:r>
+              <a:rPr lang="en-US" sz="1050" dirty="0" err="1">
+                <a:solidFill>
+                  <a:schemeClr val="accent2">
+                    <a:lumMod val="60000"/>
+                    <a:lumOff val="40000"/>
+                  </a:schemeClr>
+                </a:solidFill>
+              </a:rPr>
+              <a:t>doi</a:t>
+            </a:r>
+            <a:r>
+              <a:rPr lang="en-US" sz="1050" dirty="0">
+                <a:solidFill>
+                  <a:schemeClr val="accent2">
+                    <a:lumMod val="60000"/>
+                    <a:lumOff val="40000"/>
+                  </a:schemeClr>
+                </a:solidFill>
+              </a:rPr>
+              <a:t>: 10.1016/j.jtbi.2007.12.011. </a:t>
+            </a:r>
+            <a:r>
+              <a:rPr lang="en-US" sz="1050" dirty="0" err="1">
+                <a:solidFill>
+                  <a:schemeClr val="accent2">
+                    <a:lumMod val="60000"/>
+                    <a:lumOff val="40000"/>
+                  </a:schemeClr>
+                </a:solidFill>
+              </a:rPr>
+              <a:t>Epub</a:t>
+            </a:r>
+            <a:r>
+              <a:rPr lang="en-US" sz="1050" dirty="0">
+                <a:solidFill>
+                  <a:schemeClr val="accent2">
+                    <a:lumMod val="60000"/>
+                    <a:lumOff val="40000"/>
+                  </a:schemeClr>
+                </a:solidFill>
+              </a:rPr>
+              <a:t> 2008 Feb 14. Erratum in: J </a:t>
+            </a:r>
+            <a:r>
+              <a:rPr lang="en-US" sz="1050" dirty="0" err="1">
+                <a:solidFill>
+                  <a:schemeClr val="accent2">
+                    <a:lumMod val="60000"/>
+                    <a:lumOff val="40000"/>
+                  </a:schemeClr>
+                </a:solidFill>
+              </a:rPr>
+              <a:t>Theor</a:t>
+            </a:r>
+            <a:r>
+              <a:rPr lang="en-US" sz="1050" dirty="0">
+                <a:solidFill>
+                  <a:schemeClr val="accent2">
+                    <a:lumMod val="60000"/>
+                    <a:lumOff val="40000"/>
+                  </a:schemeClr>
+                </a:solidFill>
+              </a:rPr>
+              <a:t> Biol. 2009 Sep 21;260(2):332. PMID: 18275973.</a:t>
             </a:r>
           </a:p>
         </p:txBody>
@@ -7859,7 +8037,7 @@
           </a:bodyPr>
           <a:lstStyle/>
           <a:p>
-            <a:pPr>
+            <a:pPr algn="just">
               <a:buFont typeface="Arial" panose="020B0604020202020204" pitchFamily="34" charset="0"/>
               <a:buChar char="•"/>
             </a:pPr>
@@ -7870,7 +8048,7 @@
             <a:endParaRPr lang="tr-TR" sz="2400" b="1" dirty="0"/>
           </a:p>
           <a:p>
-            <a:pPr lvl="1">
+            <a:pPr lvl="1" algn="just">
               <a:buFont typeface="Arial" panose="020B0604020202020204" pitchFamily="34" charset="0"/>
               <a:buChar char="•"/>
             </a:pPr>
@@ -7889,7 +8067,7 @@
             <a:endParaRPr lang="en-US" sz="2000" dirty="0"/>
           </a:p>
           <a:p>
-            <a:pPr lvl="1">
+            <a:pPr lvl="1" algn="just">
               <a:buFont typeface="Arial" panose="020B0604020202020204" pitchFamily="34" charset="0"/>
               <a:buChar char="•"/>
             </a:pPr>
@@ -7908,7 +8086,7 @@
             <a:endParaRPr lang="tr-TR" sz="2000" dirty="0"/>
           </a:p>
           <a:p>
-            <a:pPr lvl="1">
+            <a:pPr lvl="1" algn="just">
               <a:buFont typeface="Arial" panose="020B0604020202020204" pitchFamily="34" charset="0"/>
               <a:buChar char="•"/>
             </a:pPr>
@@ -7918,7 +8096,7 @@
             </a:r>
           </a:p>
           <a:p>
-            <a:pPr marL="36900" indent="0">
+            <a:pPr marL="36900" indent="0" algn="just">
               <a:buNone/>
             </a:pPr>
             <a:endParaRPr lang="en-US" sz="2400" dirty="0"/>
@@ -7957,8 +8135,8 @@
               <a:rPr lang="tr-TR" sz="1200" dirty="0">
                 <a:solidFill>
                   <a:schemeClr val="accent2">
-                    <a:lumMod val="40000"/>
-                    <a:lumOff val="60000"/>
+                    <a:lumMod val="60000"/>
+                    <a:lumOff val="40000"/>
                   </a:schemeClr>
                 </a:solidFill>
               </a:rPr>
@@ -7968,8 +8146,8 @@
               <a:rPr lang="en-US" sz="1200" dirty="0" err="1">
                 <a:solidFill>
                   <a:schemeClr val="accent2">
-                    <a:lumMod val="40000"/>
-                    <a:lumOff val="60000"/>
+                    <a:lumMod val="60000"/>
+                    <a:lumOff val="40000"/>
                   </a:schemeClr>
                 </a:solidFill>
               </a:rPr>
@@ -7979,8 +8157,8 @@
               <a:rPr lang="en-US" sz="1200" dirty="0">
                 <a:solidFill>
                   <a:schemeClr val="accent2">
-                    <a:lumMod val="40000"/>
-                    <a:lumOff val="60000"/>
+                    <a:lumMod val="60000"/>
+                    <a:lumOff val="40000"/>
                   </a:schemeClr>
                 </a:solidFill>
               </a:rPr>
@@ -7990,8 +8168,8 @@
               <a:rPr lang="en-US" sz="1200" dirty="0" err="1">
                 <a:solidFill>
                   <a:schemeClr val="accent2">
-                    <a:lumMod val="40000"/>
-                    <a:lumOff val="60000"/>
+                    <a:lumMod val="60000"/>
+                    <a:lumOff val="40000"/>
                   </a:schemeClr>
                 </a:solidFill>
               </a:rPr>
@@ -8001,8 +8179,8 @@
               <a:rPr lang="en-US" sz="1200" dirty="0">
                 <a:solidFill>
                   <a:schemeClr val="accent2">
-                    <a:lumMod val="40000"/>
-                    <a:lumOff val="60000"/>
+                    <a:lumMod val="60000"/>
+                    <a:lumOff val="40000"/>
                   </a:schemeClr>
                 </a:solidFill>
               </a:rPr>
@@ -8012,8 +8190,8 @@
               <a:rPr lang="en-US" sz="1200" baseline="30000" dirty="0">
                 <a:solidFill>
                   <a:schemeClr val="accent2">
-                    <a:lumMod val="40000"/>
-                    <a:lumOff val="60000"/>
+                    <a:lumMod val="60000"/>
+                    <a:lumOff val="40000"/>
                   </a:schemeClr>
                 </a:solidFill>
               </a:rPr>
@@ -8023,8 +8201,8 @@
               <a:rPr lang="en-US" sz="1200" dirty="0">
                 <a:solidFill>
                   <a:schemeClr val="accent2">
-                    <a:lumMod val="40000"/>
-                    <a:lumOff val="60000"/>
+                    <a:lumMod val="60000"/>
+                    <a:lumOff val="40000"/>
                   </a:schemeClr>
                 </a:solidFill>
               </a:rPr>
@@ -8034,8 +8212,8 @@
               <a:rPr lang="en-US" sz="1200" i="1" dirty="0">
                 <a:solidFill>
                   <a:schemeClr val="accent2">
-                    <a:lumMod val="40000"/>
-                    <a:lumOff val="60000"/>
+                    <a:lumMod val="60000"/>
+                    <a:lumOff val="40000"/>
                   </a:schemeClr>
                 </a:solidFill>
               </a:rPr>
@@ -8045,8 +8223,8 @@
               <a:rPr lang="en-US" sz="1200" dirty="0">
                 <a:solidFill>
                   <a:schemeClr val="accent2">
-                    <a:lumMod val="40000"/>
-                    <a:lumOff val="60000"/>
+                    <a:lumMod val="60000"/>
+                    <a:lumOff val="40000"/>
                   </a:schemeClr>
                 </a:solidFill>
               </a:rPr>
@@ -8056,8 +8234,8 @@
               <a:rPr lang="en-US" sz="1200" i="1" dirty="0">
                 <a:solidFill>
                   <a:schemeClr val="accent2">
-                    <a:lumMod val="40000"/>
-                    <a:lumOff val="60000"/>
+                    <a:lumMod val="60000"/>
+                    <a:lumOff val="40000"/>
                   </a:schemeClr>
                 </a:solidFill>
               </a:rPr>
@@ -8067,8 +8245,8 @@
               <a:rPr lang="en-US" sz="1200" i="1" dirty="0" err="1">
                 <a:solidFill>
                   <a:schemeClr val="accent2">
-                    <a:lumMod val="40000"/>
-                    <a:lumOff val="60000"/>
+                    <a:lumMod val="60000"/>
+                    <a:lumOff val="40000"/>
                   </a:schemeClr>
                 </a:solidFill>
               </a:rPr>
@@ -8078,8 +8256,8 @@
               <a:rPr lang="en-US" sz="1200" dirty="0">
                 <a:solidFill>
                   <a:schemeClr val="accent2">
-                    <a:lumMod val="40000"/>
-                    <a:lumOff val="60000"/>
+                    <a:lumMod val="60000"/>
+                    <a:lumOff val="40000"/>
                   </a:schemeClr>
                 </a:solidFill>
               </a:rPr>
@@ -8089,8 +8267,8 @@
               <a:rPr lang="en-US" sz="1200" b="1" dirty="0">
                 <a:solidFill>
                   <a:schemeClr val="accent2">
-                    <a:lumMod val="40000"/>
-                    <a:lumOff val="60000"/>
+                    <a:lumMod val="60000"/>
+                    <a:lumOff val="40000"/>
                   </a:schemeClr>
                 </a:solidFill>
               </a:rPr>
@@ -8100,8 +8278,8 @@
               <a:rPr lang="en-US" sz="1200" dirty="0">
                 <a:solidFill>
                   <a:schemeClr val="accent2">
-                    <a:lumMod val="40000"/>
-                    <a:lumOff val="60000"/>
+                    <a:lumMod val="60000"/>
+                    <a:lumOff val="40000"/>
                   </a:schemeClr>
                 </a:solidFill>
               </a:rPr>
@@ -8124,7 +8302,7 @@
 </file>
 
 <file path=ppt/slides/slide4.xml><?xml version="1.0" encoding="utf-8"?>
-<p:sld xmlns:a="http://schemas.openxmlformats.org/drawingml/2006/main" xmlns:r="http://schemas.openxmlformats.org/officeDocument/2006/relationships" xmlns:p="http://schemas.openxmlformats.org/presentationml/2006/main">
+<p:sld xmlns:a="http://schemas.openxmlformats.org/drawingml/2006/main" xmlns:r="http://schemas.openxmlformats.org/officeDocument/2006/relationships" xmlns:p="http://schemas.openxmlformats.org/presentationml/2006/main" show="0">
   <p:cSld>
     <p:bg>
       <p:bgPr>
@@ -8248,7 +8426,7 @@
           <a:lstStyle/>
           <a:p>
             <a:r>
-              <a:rPr lang="en-US" sz="3700"/>
+              <a:rPr lang="en-US" sz="3700" dirty="0"/>
               <a:t>Spontaneous oscillations in Astrocytes</a:t>
             </a:r>
           </a:p>
@@ -8444,10 +8622,10 @@
       </p:grpSpPr>
       <p:sp useBgFill="1">
         <p:nvSpPr>
-          <p:cNvPr id="8" name="Rectangle 7">
+          <p:cNvPr id="16" name="Rectangle 15">
             <a:extLst>
               <a:ext uri="{FF2B5EF4-FFF2-40B4-BE49-F238E27FC236}">
-                <a16:creationId xmlns:a16="http://schemas.microsoft.com/office/drawing/2014/main" id="{9A6C2C86-63BF-47D5-AA3F-905111A238E2}"/>
+                <a16:creationId xmlns:a16="http://schemas.microsoft.com/office/drawing/2014/main" id="{94AB646F-3BE3-47A3-B14F-9CB84F6BF5BD}"/>
               </a:ext>
               <a:ext uri="{C183D7F6-B498-43B3-948B-1728B52AA6E4}">
                 <adec:decorative xmlns:adec="http://schemas.microsoft.com/office/drawing/2017/decorative" val="1"/>
@@ -8520,8 +8698,8 @@
         </p:nvSpPr>
         <p:spPr>
           <a:xfrm>
-            <a:off x="834013" y="1115568"/>
-            <a:ext cx="3487616" cy="4626864"/>
+            <a:off x="913795" y="609599"/>
+            <a:ext cx="5978072" cy="1481150"/>
           </a:xfrm>
         </p:spPr>
         <p:txBody>
@@ -8530,70 +8708,17 @@
           </a:bodyPr>
           <a:lstStyle/>
           <a:p>
-            <a:pPr algn="l"/>
-            <a:r>
-              <a:rPr lang="en-US" sz="5400" dirty="0"/>
+            <a:r>
+              <a:rPr lang="en-US" dirty="0"/>
               <a:t>Data and Model</a:t>
             </a:r>
             <a:br>
-              <a:rPr lang="en-US" sz="5400" dirty="0"/>
+              <a:rPr lang="en-US" dirty="0"/>
             </a:br>
-            <a:endParaRPr lang="en-US" sz="5400" dirty="0"/>
-          </a:p>
-        </p:txBody>
-      </p:sp>
-      <p:cxnSp>
-        <p:nvCxnSpPr>
-          <p:cNvPr id="10" name="Straight Connector 9">
-            <a:extLst>
-              <a:ext uri="{FF2B5EF4-FFF2-40B4-BE49-F238E27FC236}">
-                <a16:creationId xmlns:a16="http://schemas.microsoft.com/office/drawing/2014/main" id="{425A0768-3044-4AA9-A889-D2CAA68C517A}"/>
-              </a:ext>
-              <a:ext uri="{C183D7F6-B498-43B3-948B-1728B52AA6E4}">
-                <adec:decorative xmlns:adec="http://schemas.microsoft.com/office/drawing/2017/decorative" val="1"/>
-              </a:ext>
-            </a:extLst>
-          </p:cNvPr>
-          <p:cNvCxnSpPr>
-            <a:cxnSpLocks noGrp="1" noRot="1" noChangeAspect="1" noMove="1" noResize="1" noEditPoints="1" noAdjustHandles="1" noChangeArrowheads="1" noChangeShapeType="1"/>
-          </p:cNvCxnSpPr>
-          <p:nvPr>
-            <p:extLst>
-              <p:ext uri="{386F3935-93C4-4BCD-93E2-E3B085C9AB24}">
-                <p16:designElem xmlns:p16="http://schemas.microsoft.com/office/powerpoint/2015/main" val="1"/>
-              </p:ext>
-            </p:extLst>
-          </p:nvPr>
-        </p:nvCxnSpPr>
-        <p:spPr>
-          <a:xfrm>
-            <a:off x="4654605" y="2057400"/>
-            <a:ext cx="0" cy="2743200"/>
-          </a:xfrm>
-          <a:prstGeom prst="line">
-            <a:avLst/>
-          </a:prstGeom>
-          <a:ln w="19050">
-            <a:solidFill>
-              <a:schemeClr val="tx2"/>
-            </a:solidFill>
-          </a:ln>
-        </p:spPr>
-        <p:style>
-          <a:lnRef idx="1">
-            <a:schemeClr val="accent1"/>
-          </a:lnRef>
-          <a:fillRef idx="0">
-            <a:schemeClr val="accent1"/>
-          </a:fillRef>
-          <a:effectRef idx="0">
-            <a:schemeClr val="accent1"/>
-          </a:effectRef>
-          <a:fontRef idx="minor">
-            <a:schemeClr val="tx1"/>
-          </a:fontRef>
-        </p:style>
-      </p:cxnSp>
+            <a:endParaRPr lang="en-US" dirty="0"/>
+          </a:p>
+        </p:txBody>
+      </p:sp>
       <p:sp>
         <p:nvSpPr>
           <p:cNvPr id="3" name="İçerik Yer Tutucusu 2">
@@ -8612,8 +8737,8 @@
         </p:nvSpPr>
         <p:spPr>
           <a:xfrm>
-            <a:off x="5105398" y="1115568"/>
-            <a:ext cx="6245352" cy="4626864"/>
+            <a:off x="913795" y="2279176"/>
+            <a:ext cx="5978072" cy="3415672"/>
           </a:xfrm>
         </p:spPr>
         <p:txBody>
@@ -8626,6 +8751,110 @@
           </a:p>
         </p:txBody>
       </p:sp>
+      <p:pic>
+        <p:nvPicPr>
+          <p:cNvPr id="18" name="Picture 17">
+            <a:extLst>
+              <a:ext uri="{FF2B5EF4-FFF2-40B4-BE49-F238E27FC236}">
+                <a16:creationId xmlns:a16="http://schemas.microsoft.com/office/drawing/2014/main" id="{E0BE7827-5B1A-4F37-BF70-19F7C5C6BDEB}"/>
+              </a:ext>
+              <a:ext uri="{C183D7F6-B498-43B3-948B-1728B52AA6E4}">
+                <adec:decorative xmlns:adec="http://schemas.microsoft.com/office/drawing/2017/decorative" val="1"/>
+              </a:ext>
+            </a:extLst>
+          </p:cNvPr>
+          <p:cNvPicPr>
+            <a:picLocks noGrp="1" noRot="1" noChangeAspect="1" noMove="1" noResize="1" noEditPoints="1" noAdjustHandles="1" noChangeArrowheads="1" noChangeShapeType="1" noCrop="1"/>
+          </p:cNvPicPr>
+          <p:nvPr>
+            <p:extLst>
+              <p:ext uri="{386F3935-93C4-4BCD-93E2-E3B085C9AB24}">
+                <p16:designElem xmlns:p16="http://schemas.microsoft.com/office/powerpoint/2015/main" val="1"/>
+              </p:ext>
+            </p:extLst>
+          </p:nvPr>
+        </p:nvPicPr>
+        <p:blipFill rotWithShape="1">
+          <a:blip r:embed="rId3">
+            <a:extLst>
+              <a:ext uri="{28A0092B-C50C-407E-A947-70E740481C1C}">
+                <a14:useLocalDpi xmlns:a14="http://schemas.microsoft.com/office/drawing/2010/main" val="0"/>
+              </a:ext>
+            </a:extLst>
+          </a:blip>
+          <a:srcRect t="964" r="2807" b="1446"/>
+          <a:stretch/>
+        </p:blipFill>
+        <p:spPr>
+          <a:xfrm>
+            <a:off x="7501468" y="1"/>
+            <a:ext cx="4690532" cy="6858000"/>
+          </a:xfrm>
+          <a:prstGeom prst="rect">
+            <a:avLst/>
+          </a:prstGeom>
+        </p:spPr>
+      </p:pic>
+      <p:pic>
+        <p:nvPicPr>
+          <p:cNvPr id="11" name="Resim 10">
+            <a:extLst>
+              <a:ext uri="{FF2B5EF4-FFF2-40B4-BE49-F238E27FC236}">
+                <a16:creationId xmlns:a16="http://schemas.microsoft.com/office/drawing/2014/main" id="{69423ECF-1C07-EABA-8946-2B80F4F74984}"/>
+              </a:ext>
+            </a:extLst>
+          </p:cNvPr>
+          <p:cNvPicPr>
+            <a:picLocks noChangeAspect="1"/>
+          </p:cNvPicPr>
+          <p:nvPr/>
+        </p:nvPicPr>
+        <p:blipFill>
+          <a:blip r:embed="rId4"/>
+          <a:stretch>
+            <a:fillRect/>
+          </a:stretch>
+        </p:blipFill>
+        <p:spPr>
+          <a:xfrm>
+            <a:off x="7848600" y="933694"/>
+            <a:ext cx="3699934" cy="2044213"/>
+          </a:xfrm>
+          <a:prstGeom prst="rect">
+            <a:avLst/>
+          </a:prstGeom>
+        </p:spPr>
+      </p:pic>
+      <p:pic>
+        <p:nvPicPr>
+          <p:cNvPr id="7" name="Resim 6">
+            <a:extLst>
+              <a:ext uri="{FF2B5EF4-FFF2-40B4-BE49-F238E27FC236}">
+                <a16:creationId xmlns:a16="http://schemas.microsoft.com/office/drawing/2014/main" id="{B2B28340-F65A-8F8F-9376-3311A9AA156A}"/>
+              </a:ext>
+            </a:extLst>
+          </p:cNvPr>
+          <p:cNvPicPr>
+            <a:picLocks noChangeAspect="1"/>
+          </p:cNvPicPr>
+          <p:nvPr/>
+        </p:nvPicPr>
+        <p:blipFill>
+          <a:blip r:embed="rId5"/>
+          <a:stretch>
+            <a:fillRect/>
+          </a:stretch>
+        </p:blipFill>
+        <p:spPr>
+          <a:xfrm>
+            <a:off x="7848600" y="3898590"/>
+            <a:ext cx="3699934" cy="2007213"/>
+          </a:xfrm>
+          <a:prstGeom prst="rect">
+            <a:avLst/>
+          </a:prstGeom>
+        </p:spPr>
+      </p:pic>
     </p:spTree>
     <p:extLst>
       <p:ext uri="{BB962C8B-B14F-4D97-AF65-F5344CB8AC3E}">

--- a/final/final.pptx
+++ b/final/final.pptx
@@ -308,7 +308,7 @@
           <a:p>
             <a:fld id="{88D38747-4367-4BD2-8D51-C97E202738E2}" type="datetime1">
               <a:rPr lang="en-US" smtClean="0"/>
-              <a:t>5/12/2024</a:t>
+              <a:t>5/13/2024</a:t>
             </a:fld>
             <a:endParaRPr lang="en-US" dirty="0"/>
           </a:p>
@@ -613,7 +613,7 @@
           <a:p>
             <a:fld id="{11F1B079-7EF0-44EE-B798-BCC497C9F3B2}" type="datetime1">
               <a:rPr lang="en-US" smtClean="0"/>
-              <a:t>5/12/2024</a:t>
+              <a:t>5/13/2024</a:t>
             </a:fld>
             <a:endParaRPr lang="en-US" dirty="0"/>
           </a:p>
@@ -807,7 +807,7 @@
           <a:p>
             <a:fld id="{28FF70A8-1D13-4657-95F0-A9EA54967B8D}" type="datetime1">
               <a:rPr lang="en-US" smtClean="0"/>
-              <a:t>5/12/2024</a:t>
+              <a:t>5/13/2024</a:t>
             </a:fld>
             <a:endParaRPr lang="en-US" dirty="0"/>
           </a:p>
@@ -1070,7 +1070,7 @@
           <a:p>
             <a:fld id="{21EB90AC-71BD-4C7F-8ACA-7B3F18292E63}" type="datetime1">
               <a:rPr lang="en-US" smtClean="0"/>
-              <a:t>5/12/2024</a:t>
+              <a:t>5/13/2024</a:t>
             </a:fld>
             <a:endParaRPr lang="en-US" dirty="0"/>
           </a:p>
@@ -1506,7 +1506,7 @@
           <a:p>
             <a:fld id="{4E6EFC2C-8905-46F0-B443-CE905B76BA01}" type="datetime1">
               <a:rPr lang="en-US" smtClean="0"/>
-              <a:t>5/12/2024</a:t>
+              <a:t>5/13/2024</a:t>
             </a:fld>
             <a:endParaRPr lang="en-US" dirty="0"/>
           </a:p>
@@ -2043,7 +2043,7 @@
           <a:p>
             <a:fld id="{D9079DC3-C9B5-499E-9140-0DC28B7074E2}" type="datetime1">
               <a:rPr lang="en-US" smtClean="0"/>
-              <a:t>5/12/2024</a:t>
+              <a:t>5/13/2024</a:t>
             </a:fld>
             <a:endParaRPr lang="en-US" dirty="0"/>
           </a:p>
@@ -2925,7 +2925,7 @@
           <a:p>
             <a:fld id="{30BB33EA-E472-4D22-9C03-A9C14AA21CED}" type="datetime1">
               <a:rPr lang="en-US" smtClean="0"/>
-              <a:t>5/12/2024</a:t>
+              <a:t>5/13/2024</a:t>
             </a:fld>
             <a:endParaRPr lang="en-US" dirty="0"/>
           </a:p>
@@ -3095,7 +3095,7 @@
           <a:p>
             <a:fld id="{217E833E-1B6D-415F-AD29-75AE8C43BD0D}" type="datetime1">
               <a:rPr lang="en-US" smtClean="0"/>
-              <a:t>5/12/2024</a:t>
+              <a:t>5/13/2024</a:t>
             </a:fld>
             <a:endParaRPr lang="en-US" dirty="0"/>
           </a:p>
@@ -3279,7 +3279,7 @@
           <a:p>
             <a:fld id="{8452596F-08A7-4B70-989A-F2B1CF31E66B}" type="datetime1">
               <a:rPr lang="en-US" smtClean="0"/>
-              <a:t>5/12/2024</a:t>
+              <a:t>5/13/2024</a:t>
             </a:fld>
             <a:endParaRPr lang="en-US" dirty="0"/>
           </a:p>
@@ -3449,7 +3449,7 @@
           <a:p>
             <a:fld id="{73C55A3C-5767-4844-A0A3-83778C2E5409}" type="datetime1">
               <a:rPr lang="en-US" smtClean="0"/>
-              <a:t>5/12/2024</a:t>
+              <a:t>5/13/2024</a:t>
             </a:fld>
             <a:endParaRPr lang="en-US" dirty="0"/>
           </a:p>
@@ -3693,7 +3693,7 @@
           <a:p>
             <a:fld id="{CAE507A8-A5CF-4D38-AB86-7EDDA87A85D4}" type="datetime1">
               <a:rPr lang="en-US" smtClean="0"/>
-              <a:t>5/12/2024</a:t>
+              <a:t>5/13/2024</a:t>
             </a:fld>
             <a:endParaRPr lang="en-US" dirty="0"/>
           </a:p>
@@ -3935,7 +3935,7 @@
           <a:p>
             <a:fld id="{BDFCD27C-8599-43EF-BA1D-14DDC1946E06}" type="datetime1">
               <a:rPr lang="en-US" smtClean="0"/>
-              <a:t>5/12/2024</a:t>
+              <a:t>5/13/2024</a:t>
             </a:fld>
             <a:endParaRPr lang="en-US" dirty="0"/>
           </a:p>
@@ -4416,7 +4416,7 @@
           <a:p>
             <a:fld id="{49343D99-809A-49C0-96E5-4250D0B498EE}" type="datetime1">
               <a:rPr lang="en-US" smtClean="0"/>
-              <a:t>5/12/2024</a:t>
+              <a:t>5/13/2024</a:t>
             </a:fld>
             <a:endParaRPr lang="en-US" dirty="0"/>
           </a:p>
@@ -4534,7 +4534,7 @@
           <a:p>
             <a:fld id="{A143DE9B-B678-4EFB-BB7D-A4370204A0B0}" type="datetime1">
               <a:rPr lang="en-US" smtClean="0"/>
-              <a:t>5/12/2024</a:t>
+              <a:t>5/13/2024</a:t>
             </a:fld>
             <a:endParaRPr lang="en-US" dirty="0"/>
           </a:p>
@@ -4629,7 +4629,7 @@
           <a:p>
             <a:fld id="{E68812DA-F765-4142-A6A3-A8ED7235E082}" type="datetime1">
               <a:rPr lang="en-US" smtClean="0"/>
-              <a:t>5/12/2024</a:t>
+              <a:t>5/13/2024</a:t>
             </a:fld>
             <a:endParaRPr lang="en-US" dirty="0"/>
           </a:p>
@@ -4884,7 +4884,7 @@
           <a:p>
             <a:fld id="{3E0277FD-7DE6-41D4-930D-AC99F5AFE54E}" type="datetime1">
               <a:rPr lang="en-US" smtClean="0"/>
-              <a:t>5/12/2024</a:t>
+              <a:t>5/13/2024</a:t>
             </a:fld>
             <a:endParaRPr lang="en-US" dirty="0"/>
           </a:p>
@@ -5191,7 +5191,7 @@
           <a:p>
             <a:fld id="{9EA15526-7079-4B7B-987C-1B5FAE11A0FF}" type="datetime1">
               <a:rPr lang="en-US" smtClean="0"/>
-              <a:t>5/12/2024</a:t>
+              <a:t>5/13/2024</a:t>
             </a:fld>
             <a:endParaRPr lang="en-US" dirty="0"/>
           </a:p>
@@ -5426,7 +5426,7 @@
           <a:p>
             <a:fld id="{073ED0CC-082F-4160-86E5-0D6041F12778}" type="datetime1">
               <a:rPr lang="en-US" smtClean="0"/>
-              <a:t>5/12/2024</a:t>
+              <a:t>5/13/2024</a:t>
             </a:fld>
             <a:endParaRPr lang="en-US" dirty="0"/>
           </a:p>
@@ -8747,7 +8747,7 @@
           </a:bodyPr>
           <a:lstStyle/>
           <a:p>
-            <a:endParaRPr lang="en-US"/>
+            <a:endParaRPr lang="en-US" dirty="0"/>
           </a:p>
         </p:txBody>
       </p:sp>
